--- a/documents/MidtermReport/slide/j0929.pptx
+++ b/documents/MidtermReport/slide/j0929.pptx
@@ -17,9 +17,9 @@
     <p:sldId id="270" r:id="rId8"/>
     <p:sldId id="264" r:id="rId9"/>
     <p:sldId id="269" r:id="rId10"/>
-    <p:sldId id="265" r:id="rId11"/>
-    <p:sldId id="266" r:id="rId12"/>
-    <p:sldId id="271" r:id="rId13"/>
+    <p:sldId id="271" r:id="rId11"/>
+    <p:sldId id="265" r:id="rId12"/>
+    <p:sldId id="266" r:id="rId13"/>
     <p:sldId id="267" r:id="rId14"/>
     <p:sldId id="268" r:id="rId15"/>
     <p:sldId id="261" r:id="rId16"/>
@@ -1129,6 +1129,525 @@
           <a:lstStyle/>
           <a:p>
             <a:r>
+              <a:rPr kumimoji="1" lang="ja-JP" altLang="en-US" dirty="0" smtClean="0"/>
+              <a:t>図については言わなくていい（もっとシンプルに</a:t>
+            </a:r>
+            <a:endParaRPr kumimoji="1" lang="ja-JP" altLang="en-US" dirty="0"/>
+          </a:p>
+        </p:txBody>
+      </p:sp>
+      <p:sp>
+        <p:nvSpPr>
+          <p:cNvPr id="4" name="スライド番号プレースホルダー 3"/>
+          <p:cNvSpPr>
+            <a:spLocks noGrp="1"/>
+          </p:cNvSpPr>
+          <p:nvPr>
+            <p:ph type="sldNum" sz="quarter" idx="10"/>
+          </p:nvPr>
+        </p:nvSpPr>
+        <p:spPr/>
+        <p:txBody>
+          <a:bodyPr/>
+          <a:lstStyle/>
+          <a:p>
+            <a:fld id="{C22BD00F-A672-1C43-87CC-13B0183B457C}" type="slidenum">
+              <a:rPr kumimoji="1" lang="ja-JP" altLang="en-US" smtClean="0"/>
+              <a:t>2</a:t>
+            </a:fld>
+            <a:endParaRPr kumimoji="1" lang="ja-JP" altLang="en-US"/>
+          </a:p>
+        </p:txBody>
+      </p:sp>
+    </p:spTree>
+    <p:extLst>
+      <p:ext uri="{BB962C8B-B14F-4D97-AF65-F5344CB8AC3E}">
+        <p14:creationId xmlns:p14="http://schemas.microsoft.com/office/powerpoint/2010/main" val="3900563624"/>
+      </p:ext>
+    </p:extLst>
+  </p:cSld>
+  <p:clrMapOvr>
+    <a:masterClrMapping/>
+  </p:clrMapOvr>
+</p:notes>
+</file>
+
+<file path=ppt/notesSlides/notesSlide2.xml><?xml version="1.0" encoding="utf-8"?>
+<p:notes xmlns:a="http://schemas.openxmlformats.org/drawingml/2006/main" xmlns:r="http://schemas.openxmlformats.org/officeDocument/2006/relationships" xmlns:p="http://schemas.openxmlformats.org/presentationml/2006/main">
+  <p:cSld>
+    <p:spTree>
+      <p:nvGrpSpPr>
+        <p:cNvPr id="1" name=""/>
+        <p:cNvGrpSpPr/>
+        <p:nvPr/>
+      </p:nvGrpSpPr>
+      <p:grpSpPr>
+        <a:xfrm>
+          <a:off x="0" y="0"/>
+          <a:ext cx="0" cy="0"/>
+          <a:chOff x="0" y="0"/>
+          <a:chExt cx="0" cy="0"/>
+        </a:xfrm>
+      </p:grpSpPr>
+      <p:sp>
+        <p:nvSpPr>
+          <p:cNvPr id="2" name="スライド イメージ プレースホルダー 1"/>
+          <p:cNvSpPr>
+            <a:spLocks noGrp="1" noRot="1" noChangeAspect="1"/>
+          </p:cNvSpPr>
+          <p:nvPr>
+            <p:ph type="sldImg"/>
+          </p:nvPr>
+        </p:nvSpPr>
+        <p:spPr/>
+      </p:sp>
+      <p:sp>
+        <p:nvSpPr>
+          <p:cNvPr id="3" name="ノート プレースホルダー 2"/>
+          <p:cNvSpPr>
+            <a:spLocks noGrp="1"/>
+          </p:cNvSpPr>
+          <p:nvPr>
+            <p:ph type="body" idx="1"/>
+          </p:nvPr>
+        </p:nvSpPr>
+        <p:spPr/>
+        <p:txBody>
+          <a:bodyPr/>
+          <a:lstStyle/>
+          <a:p>
+            <a:r>
+              <a:rPr kumimoji="1" lang="ja-JP" altLang="en-US" dirty="0" smtClean="0"/>
+              <a:t>誤りパターンの説明部分をもっとわかりやすくいえないか？</a:t>
+            </a:r>
+            <a:endParaRPr kumimoji="1" lang="en-US" altLang="ja-JP" dirty="0" smtClean="0"/>
+          </a:p>
+          <a:p>
+            <a:r>
+              <a:rPr kumimoji="1" lang="ja-JP" altLang="en-US" dirty="0" smtClean="0"/>
+              <a:t>冗長</a:t>
+            </a:r>
+            <a:r>
+              <a:rPr kumimoji="1" lang="en-US" altLang="ja-JP" dirty="0" smtClean="0"/>
+              <a:t>→</a:t>
+            </a:r>
+            <a:r>
+              <a:rPr kumimoji="1" lang="ja-JP" altLang="en-US" dirty="0" smtClean="0"/>
+              <a:t>より長い</a:t>
+            </a:r>
+            <a:endParaRPr kumimoji="1" lang="en-US" altLang="ja-JP" dirty="0" smtClean="0"/>
+          </a:p>
+          <a:p>
+            <a:r>
+              <a:rPr kumimoji="1" lang="ja-JP" altLang="en-US" dirty="0" smtClean="0"/>
+              <a:t>ハミング重みが</a:t>
+            </a:r>
+            <a:r>
+              <a:rPr kumimoji="1" lang="en-US" altLang="ja-JP" dirty="0" smtClean="0"/>
+              <a:t>….→ 1</a:t>
+            </a:r>
+            <a:r>
+              <a:rPr kumimoji="1" lang="ja-JP" altLang="en-US" dirty="0" smtClean="0"/>
+              <a:t>の数が少ない</a:t>
+            </a:r>
+            <a:endParaRPr kumimoji="1" lang="en-US" altLang="ja-JP" dirty="0" smtClean="0"/>
+          </a:p>
+          <a:p>
+            <a:endParaRPr kumimoji="1" lang="en-US" altLang="ja-JP" dirty="0" smtClean="0"/>
+          </a:p>
+          <a:p>
+            <a:r>
+              <a:rPr kumimoji="1" lang="ja-JP" altLang="en-US" dirty="0" smtClean="0"/>
+              <a:t>例を添えて言うのもあり</a:t>
+            </a:r>
+            <a:endParaRPr kumimoji="1" lang="en-US" altLang="ja-JP" dirty="0" smtClean="0"/>
+          </a:p>
+          <a:p>
+            <a:endParaRPr kumimoji="1" lang="en-US" altLang="ja-JP" dirty="0" smtClean="0"/>
+          </a:p>
+          <a:p>
+            <a:r>
+              <a:rPr kumimoji="1" lang="en-US" altLang="ja-JP" dirty="0" smtClean="0"/>
+              <a:t>100</a:t>
+            </a:r>
+            <a:r>
+              <a:rPr kumimoji="1" lang="ja-JP" altLang="en-US" dirty="0" smtClean="0"/>
+              <a:t>は悪い例、これで排他的論理和をとればいいじゃん！</a:t>
+            </a:r>
+            <a:endParaRPr kumimoji="1" lang="en-US" altLang="ja-JP" dirty="0" smtClean="0"/>
+          </a:p>
+          <a:p>
+            <a:r>
+              <a:rPr kumimoji="1" lang="en-US" altLang="ja-JP" dirty="0" smtClean="0"/>
+              <a:t>111</a:t>
+            </a:r>
+            <a:r>
+              <a:rPr kumimoji="1" lang="ja-JP" altLang="en-US" dirty="0" smtClean="0"/>
+              <a:t>を使う</a:t>
+            </a:r>
+            <a:endParaRPr kumimoji="1" lang="ja-JP" altLang="en-US" dirty="0"/>
+          </a:p>
+        </p:txBody>
+      </p:sp>
+      <p:sp>
+        <p:nvSpPr>
+          <p:cNvPr id="4" name="スライド番号プレースホルダー 3"/>
+          <p:cNvSpPr>
+            <a:spLocks noGrp="1"/>
+          </p:cNvSpPr>
+          <p:nvPr>
+            <p:ph type="sldNum" sz="quarter" idx="10"/>
+          </p:nvPr>
+        </p:nvSpPr>
+        <p:spPr/>
+        <p:txBody>
+          <a:bodyPr/>
+          <a:lstStyle/>
+          <a:p>
+            <a:fld id="{C22BD00F-A672-1C43-87CC-13B0183B457C}" type="slidenum">
+              <a:rPr kumimoji="1" lang="ja-JP" altLang="en-US" smtClean="0"/>
+              <a:t>3</a:t>
+            </a:fld>
+            <a:endParaRPr kumimoji="1" lang="ja-JP" altLang="en-US"/>
+          </a:p>
+        </p:txBody>
+      </p:sp>
+    </p:spTree>
+    <p:extLst>
+      <p:ext uri="{BB962C8B-B14F-4D97-AF65-F5344CB8AC3E}">
+        <p14:creationId xmlns:p14="http://schemas.microsoft.com/office/powerpoint/2010/main" val="3578858904"/>
+      </p:ext>
+    </p:extLst>
+  </p:cSld>
+  <p:clrMapOvr>
+    <a:masterClrMapping/>
+  </p:clrMapOvr>
+</p:notes>
+</file>
+
+<file path=ppt/notesSlides/notesSlide3.xml><?xml version="1.0" encoding="utf-8"?>
+<p:notes xmlns:a="http://schemas.openxmlformats.org/drawingml/2006/main" xmlns:r="http://schemas.openxmlformats.org/officeDocument/2006/relationships" xmlns:p="http://schemas.openxmlformats.org/presentationml/2006/main">
+  <p:cSld>
+    <p:spTree>
+      <p:nvGrpSpPr>
+        <p:cNvPr id="1" name=""/>
+        <p:cNvGrpSpPr/>
+        <p:nvPr/>
+      </p:nvGrpSpPr>
+      <p:grpSpPr>
+        <a:xfrm>
+          <a:off x="0" y="0"/>
+          <a:ext cx="0" cy="0"/>
+          <a:chOff x="0" y="0"/>
+          <a:chExt cx="0" cy="0"/>
+        </a:xfrm>
+      </p:grpSpPr>
+      <p:sp>
+        <p:nvSpPr>
+          <p:cNvPr id="2" name="スライド イメージ プレースホルダー 1"/>
+          <p:cNvSpPr>
+            <a:spLocks noGrp="1" noRot="1" noChangeAspect="1"/>
+          </p:cNvSpPr>
+          <p:nvPr>
+            <p:ph type="sldImg"/>
+          </p:nvPr>
+        </p:nvSpPr>
+        <p:spPr/>
+      </p:sp>
+      <p:sp>
+        <p:nvSpPr>
+          <p:cNvPr id="3" name="ノート プレースホルダー 2"/>
+          <p:cNvSpPr>
+            <a:spLocks noGrp="1"/>
+          </p:cNvSpPr>
+          <p:nvPr>
+            <p:ph type="body" idx="1"/>
+          </p:nvPr>
+        </p:nvSpPr>
+        <p:spPr/>
+        <p:txBody>
+          <a:bodyPr/>
+          <a:lstStyle/>
+          <a:p>
+            <a:r>
+              <a:rPr kumimoji="1" lang="ja-JP" altLang="en-US" dirty="0" smtClean="0"/>
+              <a:t>一枚目のスライドでステガノグラフィについてを書き，一緒に目的を書く</a:t>
+            </a:r>
+            <a:endParaRPr kumimoji="1" lang="ja-JP" altLang="en-US" dirty="0"/>
+          </a:p>
+        </p:txBody>
+      </p:sp>
+      <p:sp>
+        <p:nvSpPr>
+          <p:cNvPr id="4" name="スライド番号プレースホルダー 3"/>
+          <p:cNvSpPr>
+            <a:spLocks noGrp="1"/>
+          </p:cNvSpPr>
+          <p:nvPr>
+            <p:ph type="sldNum" sz="quarter" idx="10"/>
+          </p:nvPr>
+        </p:nvSpPr>
+        <p:spPr/>
+        <p:txBody>
+          <a:bodyPr/>
+          <a:lstStyle/>
+          <a:p>
+            <a:fld id="{C22BD00F-A672-1C43-87CC-13B0183B457C}" type="slidenum">
+              <a:rPr kumimoji="1" lang="ja-JP" altLang="en-US" smtClean="0"/>
+              <a:t>5</a:t>
+            </a:fld>
+            <a:endParaRPr kumimoji="1" lang="ja-JP" altLang="en-US"/>
+          </a:p>
+        </p:txBody>
+      </p:sp>
+    </p:spTree>
+    <p:extLst>
+      <p:ext uri="{BB962C8B-B14F-4D97-AF65-F5344CB8AC3E}">
+        <p14:creationId xmlns:p14="http://schemas.microsoft.com/office/powerpoint/2010/main" val="490921269"/>
+      </p:ext>
+    </p:extLst>
+  </p:cSld>
+  <p:clrMapOvr>
+    <a:masterClrMapping/>
+  </p:clrMapOvr>
+</p:notes>
+</file>
+
+<file path=ppt/notesSlides/notesSlide4.xml><?xml version="1.0" encoding="utf-8"?>
+<p:notes xmlns:a="http://schemas.openxmlformats.org/drawingml/2006/main" xmlns:r="http://schemas.openxmlformats.org/officeDocument/2006/relationships" xmlns:p="http://schemas.openxmlformats.org/presentationml/2006/main">
+  <p:cSld>
+    <p:spTree>
+      <p:nvGrpSpPr>
+        <p:cNvPr id="1" name=""/>
+        <p:cNvGrpSpPr/>
+        <p:nvPr/>
+      </p:nvGrpSpPr>
+      <p:grpSpPr>
+        <a:xfrm>
+          <a:off x="0" y="0"/>
+          <a:ext cx="0" cy="0"/>
+          <a:chOff x="0" y="0"/>
+          <a:chExt cx="0" cy="0"/>
+        </a:xfrm>
+      </p:grpSpPr>
+      <p:sp>
+        <p:nvSpPr>
+          <p:cNvPr id="2" name="スライド イメージ プレースホルダー 1"/>
+          <p:cNvSpPr>
+            <a:spLocks noGrp="1" noRot="1" noChangeAspect="1"/>
+          </p:cNvSpPr>
+          <p:nvPr>
+            <p:ph type="sldImg"/>
+          </p:nvPr>
+        </p:nvSpPr>
+        <p:spPr/>
+      </p:sp>
+      <p:sp>
+        <p:nvSpPr>
+          <p:cNvPr id="3" name="ノート プレースホルダー 2"/>
+          <p:cNvSpPr>
+            <a:spLocks noGrp="1"/>
+          </p:cNvSpPr>
+          <p:nvPr>
+            <p:ph type="body" idx="1"/>
+          </p:nvPr>
+        </p:nvSpPr>
+        <p:spPr/>
+        <p:txBody>
+          <a:bodyPr/>
+          <a:lstStyle/>
+          <a:p>
+            <a:r>
+              <a:rPr kumimoji="1" lang="ja-JP" altLang="en-US" dirty="0" smtClean="0"/>
+              <a:t>いらない　後ろに回す</a:t>
+            </a:r>
+            <a:endParaRPr kumimoji="1" lang="ja-JP" altLang="en-US" dirty="0"/>
+          </a:p>
+        </p:txBody>
+      </p:sp>
+      <p:sp>
+        <p:nvSpPr>
+          <p:cNvPr id="4" name="スライド番号プレースホルダー 3"/>
+          <p:cNvSpPr>
+            <a:spLocks noGrp="1"/>
+          </p:cNvSpPr>
+          <p:nvPr>
+            <p:ph type="sldNum" sz="quarter" idx="10"/>
+          </p:nvPr>
+        </p:nvSpPr>
+        <p:spPr/>
+        <p:txBody>
+          <a:bodyPr/>
+          <a:lstStyle/>
+          <a:p>
+            <a:fld id="{C22BD00F-A672-1C43-87CC-13B0183B457C}" type="slidenum">
+              <a:rPr kumimoji="1" lang="ja-JP" altLang="en-US" smtClean="0"/>
+              <a:t>7</a:t>
+            </a:fld>
+            <a:endParaRPr kumimoji="1" lang="ja-JP" altLang="en-US"/>
+          </a:p>
+        </p:txBody>
+      </p:sp>
+    </p:spTree>
+    <p:extLst>
+      <p:ext uri="{BB962C8B-B14F-4D97-AF65-F5344CB8AC3E}">
+        <p14:creationId xmlns:p14="http://schemas.microsoft.com/office/powerpoint/2010/main" val="544449983"/>
+      </p:ext>
+    </p:extLst>
+  </p:cSld>
+  <p:clrMapOvr>
+    <a:masterClrMapping/>
+  </p:clrMapOvr>
+</p:notes>
+</file>
+
+<file path=ppt/notesSlides/notesSlide5.xml><?xml version="1.0" encoding="utf-8"?>
+<p:notes xmlns:a="http://schemas.openxmlformats.org/drawingml/2006/main" xmlns:r="http://schemas.openxmlformats.org/officeDocument/2006/relationships" xmlns:p="http://schemas.openxmlformats.org/presentationml/2006/main">
+  <p:cSld>
+    <p:spTree>
+      <p:nvGrpSpPr>
+        <p:cNvPr id="1" name=""/>
+        <p:cNvGrpSpPr/>
+        <p:nvPr/>
+      </p:nvGrpSpPr>
+      <p:grpSpPr>
+        <a:xfrm>
+          <a:off x="0" y="0"/>
+          <a:ext cx="0" cy="0"/>
+          <a:chOff x="0" y="0"/>
+          <a:chExt cx="0" cy="0"/>
+        </a:xfrm>
+      </p:grpSpPr>
+      <p:sp>
+        <p:nvSpPr>
+          <p:cNvPr id="2" name="スライド イメージ プレースホルダー 1"/>
+          <p:cNvSpPr>
+            <a:spLocks noGrp="1" noRot="1" noChangeAspect="1"/>
+          </p:cNvSpPr>
+          <p:nvPr>
+            <p:ph type="sldImg"/>
+          </p:nvPr>
+        </p:nvSpPr>
+        <p:spPr/>
+      </p:sp>
+      <p:sp>
+        <p:nvSpPr>
+          <p:cNvPr id="3" name="ノート プレースホルダー 2"/>
+          <p:cNvSpPr>
+            <a:spLocks noGrp="1"/>
+          </p:cNvSpPr>
+          <p:nvPr>
+            <p:ph type="body" idx="1"/>
+          </p:nvPr>
+        </p:nvSpPr>
+        <p:spPr/>
+        <p:txBody>
+          <a:bodyPr/>
+          <a:lstStyle/>
+          <a:p>
+            <a:r>
+              <a:rPr kumimoji="1" lang="ja-JP" altLang="en-US" dirty="0" smtClean="0"/>
+              <a:t>一つにまとめる</a:t>
+            </a:r>
+            <a:endParaRPr kumimoji="1" lang="en-US" altLang="ja-JP" dirty="0" smtClean="0"/>
+          </a:p>
+          <a:p>
+            <a:r>
+              <a:rPr kumimoji="1" lang="ja-JP" altLang="en-US" dirty="0" smtClean="0"/>
+              <a:t>文章いらない，画像をバンと貼ってその流れに沿って説明する</a:t>
+            </a:r>
+            <a:endParaRPr kumimoji="1" lang="en-US" altLang="ja-JP" dirty="0" smtClean="0"/>
+          </a:p>
+          <a:p>
+            <a:r>
+              <a:rPr kumimoji="1" lang="ja-JP" altLang="en-US" dirty="0" smtClean="0"/>
+              <a:t>誤り率の式などは済に書いておくのも有り</a:t>
+            </a:r>
+            <a:endParaRPr kumimoji="1" lang="ja-JP" altLang="en-US" dirty="0"/>
+          </a:p>
+        </p:txBody>
+      </p:sp>
+      <p:sp>
+        <p:nvSpPr>
+          <p:cNvPr id="4" name="スライド番号プレースホルダー 3"/>
+          <p:cNvSpPr>
+            <a:spLocks noGrp="1"/>
+          </p:cNvSpPr>
+          <p:nvPr>
+            <p:ph type="sldNum" sz="quarter" idx="10"/>
+          </p:nvPr>
+        </p:nvSpPr>
+        <p:spPr/>
+        <p:txBody>
+          <a:bodyPr/>
+          <a:lstStyle/>
+          <a:p>
+            <a:fld id="{C22BD00F-A672-1C43-87CC-13B0183B457C}" type="slidenum">
+              <a:rPr kumimoji="1" lang="ja-JP" altLang="en-US" smtClean="0"/>
+              <a:t>8</a:t>
+            </a:fld>
+            <a:endParaRPr kumimoji="1" lang="ja-JP" altLang="en-US"/>
+          </a:p>
+        </p:txBody>
+      </p:sp>
+    </p:spTree>
+    <p:extLst>
+      <p:ext uri="{BB962C8B-B14F-4D97-AF65-F5344CB8AC3E}">
+        <p14:creationId xmlns:p14="http://schemas.microsoft.com/office/powerpoint/2010/main" val="3715827481"/>
+      </p:ext>
+    </p:extLst>
+  </p:cSld>
+  <p:clrMapOvr>
+    <a:masterClrMapping/>
+  </p:clrMapOvr>
+</p:notes>
+</file>
+
+<file path=ppt/notesSlides/notesSlide6.xml><?xml version="1.0" encoding="utf-8"?>
+<p:notes xmlns:a="http://schemas.openxmlformats.org/drawingml/2006/main" xmlns:r="http://schemas.openxmlformats.org/officeDocument/2006/relationships" xmlns:p="http://schemas.openxmlformats.org/presentationml/2006/main">
+  <p:cSld>
+    <p:spTree>
+      <p:nvGrpSpPr>
+        <p:cNvPr id="1" name=""/>
+        <p:cNvGrpSpPr/>
+        <p:nvPr/>
+      </p:nvGrpSpPr>
+      <p:grpSpPr>
+        <a:xfrm>
+          <a:off x="0" y="0"/>
+          <a:ext cx="0" cy="0"/>
+          <a:chOff x="0" y="0"/>
+          <a:chExt cx="0" cy="0"/>
+        </a:xfrm>
+      </p:grpSpPr>
+      <p:sp>
+        <p:nvSpPr>
+          <p:cNvPr id="2" name="スライド イメージ プレースホルダー 1"/>
+          <p:cNvSpPr>
+            <a:spLocks noGrp="1" noRot="1" noChangeAspect="1"/>
+          </p:cNvSpPr>
+          <p:nvPr>
+            <p:ph type="sldImg"/>
+          </p:nvPr>
+        </p:nvSpPr>
+        <p:spPr/>
+      </p:sp>
+      <p:sp>
+        <p:nvSpPr>
+          <p:cNvPr id="3" name="ノート プレースホルダー 2"/>
+          <p:cNvSpPr>
+            <a:spLocks noGrp="1"/>
+          </p:cNvSpPr>
+          <p:nvPr>
+            <p:ph type="body" idx="1"/>
+          </p:nvPr>
+        </p:nvSpPr>
+        <p:spPr/>
+        <p:txBody>
+          <a:bodyPr/>
+          <a:lstStyle/>
+          <a:p>
+            <a:r>
               <a:rPr kumimoji="1" lang="en-US" altLang="ja-JP" dirty="0" smtClean="0"/>
               <a:t>PSNR</a:t>
             </a:r>
@@ -1212,7 +1731,7 @@
           <a:p>
             <a:fld id="{C22BD00F-A672-1C43-87CC-13B0183B457C}" type="slidenum">
               <a:rPr kumimoji="1" lang="ja-JP" altLang="en-US" smtClean="0"/>
-              <a:t>10</a:t>
+              <a:t>11</a:t>
             </a:fld>
             <a:endParaRPr kumimoji="1" lang="ja-JP" altLang="en-US"/>
           </a:p>
@@ -1222,6 +1741,94 @@
     <p:extLst>
       <p:ext uri="{BB962C8B-B14F-4D97-AF65-F5344CB8AC3E}">
         <p14:creationId xmlns:p14="http://schemas.microsoft.com/office/powerpoint/2010/main" val="288213986"/>
+      </p:ext>
+    </p:extLst>
+  </p:cSld>
+  <p:clrMapOvr>
+    <a:masterClrMapping/>
+  </p:clrMapOvr>
+</p:notes>
+</file>
+
+<file path=ppt/notesSlides/notesSlide7.xml><?xml version="1.0" encoding="utf-8"?>
+<p:notes xmlns:a="http://schemas.openxmlformats.org/drawingml/2006/main" xmlns:r="http://schemas.openxmlformats.org/officeDocument/2006/relationships" xmlns:p="http://schemas.openxmlformats.org/presentationml/2006/main">
+  <p:cSld>
+    <p:spTree>
+      <p:nvGrpSpPr>
+        <p:cNvPr id="1" name=""/>
+        <p:cNvGrpSpPr/>
+        <p:nvPr/>
+      </p:nvGrpSpPr>
+      <p:grpSpPr>
+        <a:xfrm>
+          <a:off x="0" y="0"/>
+          <a:ext cx="0" cy="0"/>
+          <a:chOff x="0" y="0"/>
+          <a:chExt cx="0" cy="0"/>
+        </a:xfrm>
+      </p:grpSpPr>
+      <p:sp>
+        <p:nvSpPr>
+          <p:cNvPr id="2" name="スライド イメージ プレースホルダー 1"/>
+          <p:cNvSpPr>
+            <a:spLocks noGrp="1" noRot="1" noChangeAspect="1"/>
+          </p:cNvSpPr>
+          <p:nvPr>
+            <p:ph type="sldImg"/>
+          </p:nvPr>
+        </p:nvSpPr>
+        <p:spPr/>
+      </p:sp>
+      <p:sp>
+        <p:nvSpPr>
+          <p:cNvPr id="3" name="ノート プレースホルダー 2"/>
+          <p:cNvSpPr>
+            <a:spLocks noGrp="1"/>
+          </p:cNvSpPr>
+          <p:nvPr>
+            <p:ph type="body" idx="1"/>
+          </p:nvPr>
+        </p:nvSpPr>
+        <p:spPr/>
+        <p:txBody>
+          <a:bodyPr/>
+          <a:lstStyle/>
+          <a:p>
+            <a:r>
+              <a:rPr kumimoji="1" lang="ja-JP" altLang="en-US" dirty="0" smtClean="0"/>
+              <a:t>いらない</a:t>
+            </a:r>
+            <a:endParaRPr kumimoji="1" lang="ja-JP" altLang="en-US" dirty="0"/>
+          </a:p>
+        </p:txBody>
+      </p:sp>
+      <p:sp>
+        <p:nvSpPr>
+          <p:cNvPr id="4" name="スライド番号プレースホルダー 3"/>
+          <p:cNvSpPr>
+            <a:spLocks noGrp="1"/>
+          </p:cNvSpPr>
+          <p:nvPr>
+            <p:ph type="sldNum" sz="quarter" idx="10"/>
+          </p:nvPr>
+        </p:nvSpPr>
+        <p:spPr/>
+        <p:txBody>
+          <a:bodyPr/>
+          <a:lstStyle/>
+          <a:p>
+            <a:fld id="{C22BD00F-A672-1C43-87CC-13B0183B457C}" type="slidenum">
+              <a:rPr kumimoji="1" lang="ja-JP" altLang="en-US" smtClean="0"/>
+              <a:t>12</a:t>
+            </a:fld>
+            <a:endParaRPr kumimoji="1" lang="ja-JP" altLang="en-US"/>
+          </a:p>
+        </p:txBody>
+      </p:sp>
+    </p:spTree>
+    <p:extLst>
+      <p:ext uri="{BB962C8B-B14F-4D97-AF65-F5344CB8AC3E}">
+        <p14:creationId xmlns:p14="http://schemas.microsoft.com/office/powerpoint/2010/main" val="3597281566"/>
       </p:ext>
     </p:extLst>
   </p:cSld>
@@ -4609,10 +5216,10 @@
   </p:clrMapOvr>
   <mc:AlternateContent xmlns:mc="http://schemas.openxmlformats.org/markup-compatibility/2006">
     <mc:Choice xmlns:p14="http://schemas.microsoft.com/office/powerpoint/2010/main" Requires="p14">
-      <p:transition spd="slow" p14:dur="2000" advTm="13863"/>
+      <p:transition spd="slow" p14:dur="2000" advTm="347"/>
     </mc:Choice>
     <mc:Fallback>
-      <p:transition xmlns:p14="http://schemas.microsoft.com/office/powerpoint/2010/main" spd="slow" advTm="13863"/>
+      <p:transition xmlns:p14="http://schemas.microsoft.com/office/powerpoint/2010/main" spd="slow" advTm="347"/>
     </mc:Fallback>
   </mc:AlternateContent>
   <p:timing>
@@ -4724,235 +5331,6 @@
       </p:grpSpPr>
       <p:sp>
         <p:nvSpPr>
-          <p:cNvPr id="2" name="タイトル 1"/>
-          <p:cNvSpPr>
-            <a:spLocks noGrp="1"/>
-          </p:cNvSpPr>
-          <p:nvPr>
-            <p:ph type="title"/>
-          </p:nvPr>
-        </p:nvSpPr>
-        <p:spPr/>
-        <p:txBody>
-          <a:bodyPr/>
-          <a:lstStyle/>
-          <a:p>
-            <a:r>
-              <a:rPr kumimoji="1" lang="ja-JP" altLang="en-US" dirty="0" smtClean="0"/>
-              <a:t>実験</a:t>
-            </a:r>
-            <a:r>
-              <a:rPr kumimoji="1" lang="ja-JP" altLang="en-US" dirty="0" smtClean="0"/>
-              <a:t>結果</a:t>
-            </a:r>
-            <a:endParaRPr kumimoji="1" lang="ja-JP" altLang="en-US" dirty="0"/>
-          </a:p>
-        </p:txBody>
-      </p:sp>
-      <p:graphicFrame>
-        <p:nvGraphicFramePr>
-          <p:cNvPr id="4" name="グラフ 3"/>
-          <p:cNvGraphicFramePr>
-            <a:graphicFrameLocks/>
-          </p:cNvGraphicFramePr>
-          <p:nvPr>
-            <p:extLst>
-              <p:ext uri="{D42A27DB-BD31-4B8C-83A1-F6EECF244321}">
-                <p14:modId xmlns:p14="http://schemas.microsoft.com/office/powerpoint/2010/main" val="221327581"/>
-              </p:ext>
-            </p:extLst>
-          </p:nvPr>
-        </p:nvGraphicFramePr>
-        <p:xfrm>
-          <a:off x="0" y="1071751"/>
-          <a:ext cx="9334500" cy="5321300"/>
-        </p:xfrm>
-        <a:graphic>
-          <a:graphicData uri="http://schemas.openxmlformats.org/drawingml/2006/chart">
-            <c:chart xmlns:c="http://schemas.openxmlformats.org/drawingml/2006/chart" xmlns:r="http://schemas.openxmlformats.org/officeDocument/2006/relationships" r:id="rId3"/>
-          </a:graphicData>
-        </a:graphic>
-      </p:graphicFrame>
-    </p:spTree>
-    <p:extLst>
-      <p:ext uri="{BB962C8B-B14F-4D97-AF65-F5344CB8AC3E}">
-        <p14:creationId xmlns:p14="http://schemas.microsoft.com/office/powerpoint/2010/main" val="996719915"/>
-      </p:ext>
-    </p:extLst>
-  </p:cSld>
-  <p:clrMapOvr>
-    <a:masterClrMapping/>
-  </p:clrMapOvr>
-  <mc:AlternateContent xmlns:mc="http://schemas.openxmlformats.org/markup-compatibility/2006">
-    <mc:Choice xmlns:p14="http://schemas.microsoft.com/office/powerpoint/2010/main" Requires="p14">
-      <p:transition spd="slow" p14:dur="2000" advTm="16254"/>
-    </mc:Choice>
-    <mc:Fallback>
-      <p:transition xmlns:p14="http://schemas.microsoft.com/office/powerpoint/2010/main" spd="slow" advTm="16254"/>
-    </mc:Fallback>
-  </mc:AlternateContent>
-  <p:timing>
-    <p:tnLst>
-      <p:par>
-        <p:cTn xmlns:p14="http://schemas.microsoft.com/office/powerpoint/2010/main" id="1" dur="indefinite" restart="never" nodeType="tmRoot"/>
-      </p:par>
-    </p:tnLst>
-  </p:timing>
-</p:sld>
-</file>
-
-<file path=ppt/slides/slide11.xml><?xml version="1.0" encoding="utf-8"?>
-<p:sld xmlns:a="http://schemas.openxmlformats.org/drawingml/2006/main" xmlns:r="http://schemas.openxmlformats.org/officeDocument/2006/relationships" xmlns:p="http://schemas.openxmlformats.org/presentationml/2006/main">
-  <p:cSld>
-    <p:spTree>
-      <p:nvGrpSpPr>
-        <p:cNvPr id="1" name=""/>
-        <p:cNvGrpSpPr/>
-        <p:nvPr/>
-      </p:nvGrpSpPr>
-      <p:grpSpPr>
-        <a:xfrm>
-          <a:off x="0" y="0"/>
-          <a:ext cx="0" cy="0"/>
-          <a:chOff x="0" y="0"/>
-          <a:chExt cx="0" cy="0"/>
-        </a:xfrm>
-      </p:grpSpPr>
-      <p:sp>
-        <p:nvSpPr>
-          <p:cNvPr id="2" name="タイトル 1"/>
-          <p:cNvSpPr>
-            <a:spLocks noGrp="1"/>
-          </p:cNvSpPr>
-          <p:nvPr>
-            <p:ph type="title"/>
-          </p:nvPr>
-        </p:nvSpPr>
-        <p:spPr/>
-        <p:txBody>
-          <a:bodyPr/>
-          <a:lstStyle/>
-          <a:p>
-            <a:r>
-              <a:rPr kumimoji="1" lang="ja-JP" altLang="en-US" dirty="0" smtClean="0"/>
-              <a:t>今後</a:t>
-            </a:r>
-            <a:r>
-              <a:rPr kumimoji="1" lang="ja-JP" altLang="en-US" dirty="0" smtClean="0"/>
-              <a:t>の予定</a:t>
-            </a:r>
-            <a:endParaRPr kumimoji="1" lang="ja-JP" altLang="en-US" dirty="0"/>
-          </a:p>
-        </p:txBody>
-      </p:sp>
-      <p:sp>
-        <p:nvSpPr>
-          <p:cNvPr id="3" name="コンテンツ プレースホルダー 2"/>
-          <p:cNvSpPr>
-            <a:spLocks noGrp="1"/>
-          </p:cNvSpPr>
-          <p:nvPr>
-            <p:ph idx="1"/>
-          </p:nvPr>
-        </p:nvSpPr>
-        <p:spPr/>
-        <p:txBody>
-          <a:bodyPr/>
-          <a:lstStyle/>
-          <a:p>
-            <a:r>
-              <a:rPr kumimoji="1" lang="en-US" altLang="ja-JP" dirty="0" smtClean="0"/>
-              <a:t>128bit</a:t>
-            </a:r>
-            <a:r>
-              <a:rPr kumimoji="1" lang="ja-JP" altLang="en-US" dirty="0" smtClean="0"/>
-              <a:t>以上の誤りパターンでのデータの採取</a:t>
-            </a:r>
-            <a:endParaRPr kumimoji="1" lang="en-US" altLang="ja-JP" dirty="0" smtClean="0"/>
-          </a:p>
-          <a:p>
-            <a:endParaRPr lang="en-US" altLang="ja-JP" dirty="0" smtClean="0"/>
-          </a:p>
-          <a:p>
-            <a:r>
-              <a:rPr lang="ja-JP" altLang="en-US" dirty="0" smtClean="0"/>
-              <a:t>さまざまな画像での</a:t>
-            </a:r>
-            <a:r>
-              <a:rPr lang="ja-JP" altLang="en-US" dirty="0" smtClean="0"/>
-              <a:t>データの採取</a:t>
-            </a:r>
-            <a:endParaRPr lang="en-US" altLang="ja-JP" dirty="0" smtClean="0"/>
-          </a:p>
-          <a:p>
-            <a:endParaRPr kumimoji="1" lang="en-US" altLang="ja-JP" dirty="0" smtClean="0"/>
-          </a:p>
-          <a:p>
-            <a:r>
-              <a:rPr kumimoji="1" lang="en-US" altLang="ja-JP" dirty="0" smtClean="0"/>
-              <a:t>SSIM</a:t>
-            </a:r>
-            <a:r>
-              <a:rPr lang="ja-JP" altLang="en-US" dirty="0" smtClean="0"/>
-              <a:t>を用いた評価</a:t>
-            </a:r>
-            <a:endParaRPr lang="en-US" altLang="ja-JP" dirty="0" smtClean="0"/>
-          </a:p>
-          <a:p>
-            <a:endParaRPr lang="en-US" altLang="ja-JP" dirty="0" smtClean="0"/>
-          </a:p>
-          <a:p>
-            <a:endParaRPr kumimoji="1" lang="ja-JP" altLang="en-US" dirty="0"/>
-          </a:p>
-        </p:txBody>
-      </p:sp>
-    </p:spTree>
-    <p:extLst>
-      <p:ext uri="{BB962C8B-B14F-4D97-AF65-F5344CB8AC3E}">
-        <p14:creationId xmlns:p14="http://schemas.microsoft.com/office/powerpoint/2010/main" val="891101383"/>
-      </p:ext>
-    </p:extLst>
-  </p:cSld>
-  <p:clrMapOvr>
-    <a:masterClrMapping/>
-  </p:clrMapOvr>
-  <mc:AlternateContent xmlns:mc="http://schemas.openxmlformats.org/markup-compatibility/2006">
-    <mc:Choice xmlns:p14="http://schemas.microsoft.com/office/powerpoint/2010/main" Requires="p14">
-      <p:transition spd="slow" p14:dur="2000" advTm="27151"/>
-    </mc:Choice>
-    <mc:Fallback>
-      <p:transition xmlns:p14="http://schemas.microsoft.com/office/powerpoint/2010/main" spd="slow" advTm="27151"/>
-    </mc:Fallback>
-  </mc:AlternateContent>
-  <p:timing>
-    <p:tnLst>
-      <p:par>
-        <p:cTn xmlns:p14="http://schemas.microsoft.com/office/powerpoint/2010/main" id="1" dur="indefinite" restart="never" nodeType="tmRoot"/>
-      </p:par>
-    </p:tnLst>
-  </p:timing>
-</p:sld>
-</file>
-
-<file path=ppt/slides/slide12.xml><?xml version="1.0" encoding="utf-8"?>
-<p:sld xmlns:a="http://schemas.openxmlformats.org/drawingml/2006/main" xmlns:r="http://schemas.openxmlformats.org/officeDocument/2006/relationships" xmlns:p="http://schemas.openxmlformats.org/presentationml/2006/main" show="0">
-  <p:cSld>
-    <p:spTree>
-      <p:nvGrpSpPr>
-        <p:cNvPr id="1" name=""/>
-        <p:cNvGrpSpPr/>
-        <p:nvPr/>
-      </p:nvGrpSpPr>
-      <p:grpSpPr>
-        <a:xfrm>
-          <a:off x="0" y="0"/>
-          <a:ext cx="0" cy="0"/>
-          <a:chOff x="0" y="0"/>
-          <a:chExt cx="0" cy="0"/>
-        </a:xfrm>
-      </p:grpSpPr>
-      <p:sp>
-        <p:nvSpPr>
           <p:cNvPr id="18" name="タイトル 1"/>
           <p:cNvSpPr>
             <a:spLocks noGrp="1"/>
@@ -5162,10 +5540,243 @@
   </p:clrMapOvr>
   <mc:AlternateContent xmlns:mc="http://schemas.openxmlformats.org/markup-compatibility/2006">
     <mc:Choice xmlns:p14="http://schemas.microsoft.com/office/powerpoint/2010/main" Requires="p14">
-      <p:transition spd="slow" p14:dur="2000" advTm="17521"/>
+      <p:transition spd="slow" p14:dur="2000" advTm="74283"/>
     </mc:Choice>
     <mc:Fallback>
-      <p:transition xmlns:p14="http://schemas.microsoft.com/office/powerpoint/2010/main" spd="slow" advTm="17521"/>
+      <p:transition xmlns:p14="http://schemas.microsoft.com/office/powerpoint/2010/main" spd="slow" advTm="74283"/>
+    </mc:Fallback>
+  </mc:AlternateContent>
+  <p:timing>
+    <p:tnLst>
+      <p:par>
+        <p:cTn xmlns:p14="http://schemas.microsoft.com/office/powerpoint/2010/main" id="1" dur="indefinite" restart="never" nodeType="tmRoot"/>
+      </p:par>
+    </p:tnLst>
+  </p:timing>
+</p:sld>
+</file>
+
+<file path=ppt/slides/slide11.xml><?xml version="1.0" encoding="utf-8"?>
+<p:sld xmlns:a="http://schemas.openxmlformats.org/drawingml/2006/main" xmlns:r="http://schemas.openxmlformats.org/officeDocument/2006/relationships" xmlns:p="http://schemas.openxmlformats.org/presentationml/2006/main">
+  <p:cSld>
+    <p:spTree>
+      <p:nvGrpSpPr>
+        <p:cNvPr id="1" name=""/>
+        <p:cNvGrpSpPr/>
+        <p:nvPr/>
+      </p:nvGrpSpPr>
+      <p:grpSpPr>
+        <a:xfrm>
+          <a:off x="0" y="0"/>
+          <a:ext cx="0" cy="0"/>
+          <a:chOff x="0" y="0"/>
+          <a:chExt cx="0" cy="0"/>
+        </a:xfrm>
+      </p:grpSpPr>
+      <p:sp>
+        <p:nvSpPr>
+          <p:cNvPr id="2" name="タイトル 1"/>
+          <p:cNvSpPr>
+            <a:spLocks noGrp="1"/>
+          </p:cNvSpPr>
+          <p:nvPr>
+            <p:ph type="title"/>
+          </p:nvPr>
+        </p:nvSpPr>
+        <p:spPr/>
+        <p:txBody>
+          <a:bodyPr/>
+          <a:lstStyle/>
+          <a:p>
+            <a:r>
+              <a:rPr kumimoji="1" lang="ja-JP" altLang="en-US" dirty="0" smtClean="0"/>
+              <a:t>実験</a:t>
+            </a:r>
+            <a:r>
+              <a:rPr kumimoji="1" lang="ja-JP" altLang="en-US" dirty="0" smtClean="0"/>
+              <a:t>結果</a:t>
+            </a:r>
+            <a:r>
+              <a:rPr kumimoji="1" lang="ja-JP" altLang="en-US" dirty="0" smtClean="0"/>
+              <a:t>（２）</a:t>
+            </a:r>
+            <a:endParaRPr kumimoji="1" lang="ja-JP" altLang="en-US" dirty="0"/>
+          </a:p>
+        </p:txBody>
+      </p:sp>
+      <p:graphicFrame>
+        <p:nvGraphicFramePr>
+          <p:cNvPr id="4" name="グラフ 3"/>
+          <p:cNvGraphicFramePr>
+            <a:graphicFrameLocks/>
+          </p:cNvGraphicFramePr>
+          <p:nvPr>
+            <p:extLst>
+              <p:ext uri="{D42A27DB-BD31-4B8C-83A1-F6EECF244321}">
+                <p14:modId xmlns:p14="http://schemas.microsoft.com/office/powerpoint/2010/main" val="221327581"/>
+              </p:ext>
+            </p:extLst>
+          </p:nvPr>
+        </p:nvGraphicFramePr>
+        <p:xfrm>
+          <a:off x="0" y="1071751"/>
+          <a:ext cx="9334500" cy="5321300"/>
+        </p:xfrm>
+        <a:graphic>
+          <a:graphicData uri="http://schemas.openxmlformats.org/drawingml/2006/chart">
+            <c:chart xmlns:c="http://schemas.openxmlformats.org/drawingml/2006/chart" xmlns:r="http://schemas.openxmlformats.org/officeDocument/2006/relationships" r:id="rId3"/>
+          </a:graphicData>
+        </a:graphic>
+      </p:graphicFrame>
+    </p:spTree>
+    <p:extLst>
+      <p:ext uri="{BB962C8B-B14F-4D97-AF65-F5344CB8AC3E}">
+        <p14:creationId xmlns:p14="http://schemas.microsoft.com/office/powerpoint/2010/main" val="996719915"/>
+      </p:ext>
+    </p:extLst>
+  </p:cSld>
+  <p:clrMapOvr>
+    <a:masterClrMapping/>
+  </p:clrMapOvr>
+  <mc:AlternateContent xmlns:mc="http://schemas.openxmlformats.org/markup-compatibility/2006">
+    <mc:Choice xmlns:p14="http://schemas.microsoft.com/office/powerpoint/2010/main" Requires="p14">
+      <p:transition spd="slow" p14:dur="2000" advTm="1522"/>
+    </mc:Choice>
+    <mc:Fallback>
+      <p:transition xmlns:p14="http://schemas.microsoft.com/office/powerpoint/2010/main" spd="slow" advTm="1522"/>
+    </mc:Fallback>
+  </mc:AlternateContent>
+  <p:timing>
+    <p:tnLst>
+      <p:par>
+        <p:cTn xmlns:p14="http://schemas.microsoft.com/office/powerpoint/2010/main" id="1" dur="indefinite" restart="never" nodeType="tmRoot"/>
+      </p:par>
+    </p:tnLst>
+  </p:timing>
+</p:sld>
+</file>
+
+<file path=ppt/slides/slide12.xml><?xml version="1.0" encoding="utf-8"?>
+<p:sld xmlns:a="http://schemas.openxmlformats.org/drawingml/2006/main" xmlns:r="http://schemas.openxmlformats.org/officeDocument/2006/relationships" xmlns:p="http://schemas.openxmlformats.org/presentationml/2006/main">
+  <p:cSld>
+    <p:spTree>
+      <p:nvGrpSpPr>
+        <p:cNvPr id="1" name=""/>
+        <p:cNvGrpSpPr/>
+        <p:nvPr/>
+      </p:nvGrpSpPr>
+      <p:grpSpPr>
+        <a:xfrm>
+          <a:off x="0" y="0"/>
+          <a:ext cx="0" cy="0"/>
+          <a:chOff x="0" y="0"/>
+          <a:chExt cx="0" cy="0"/>
+        </a:xfrm>
+      </p:grpSpPr>
+      <p:sp>
+        <p:nvSpPr>
+          <p:cNvPr id="2" name="タイトル 1"/>
+          <p:cNvSpPr>
+            <a:spLocks noGrp="1"/>
+          </p:cNvSpPr>
+          <p:nvPr>
+            <p:ph type="title"/>
+          </p:nvPr>
+        </p:nvSpPr>
+        <p:spPr/>
+        <p:txBody>
+          <a:bodyPr/>
+          <a:lstStyle/>
+          <a:p>
+            <a:r>
+              <a:rPr kumimoji="1" lang="ja-JP" altLang="en-US" dirty="0" smtClean="0"/>
+              <a:t>今後</a:t>
+            </a:r>
+            <a:r>
+              <a:rPr kumimoji="1" lang="ja-JP" altLang="en-US" dirty="0" smtClean="0"/>
+              <a:t>の予定</a:t>
+            </a:r>
+            <a:endParaRPr kumimoji="1" lang="ja-JP" altLang="en-US" dirty="0"/>
+          </a:p>
+        </p:txBody>
+      </p:sp>
+      <p:sp>
+        <p:nvSpPr>
+          <p:cNvPr id="3" name="コンテンツ プレースホルダー 2"/>
+          <p:cNvSpPr>
+            <a:spLocks noGrp="1"/>
+          </p:cNvSpPr>
+          <p:nvPr>
+            <p:ph idx="1"/>
+          </p:nvPr>
+        </p:nvSpPr>
+        <p:spPr/>
+        <p:txBody>
+          <a:bodyPr/>
+          <a:lstStyle/>
+          <a:p>
+            <a:r>
+              <a:rPr kumimoji="1" lang="en-US" altLang="ja-JP" dirty="0" smtClean="0"/>
+              <a:t>128bit</a:t>
+            </a:r>
+            <a:r>
+              <a:rPr kumimoji="1" lang="ja-JP" altLang="en-US" dirty="0" smtClean="0"/>
+              <a:t>以上の誤りパターンでのデータの採取</a:t>
+            </a:r>
+            <a:endParaRPr kumimoji="1" lang="en-US" altLang="ja-JP" dirty="0" smtClean="0"/>
+          </a:p>
+          <a:p>
+            <a:endParaRPr lang="en-US" altLang="ja-JP" dirty="0" smtClean="0"/>
+          </a:p>
+          <a:p>
+            <a:r>
+              <a:rPr lang="ja-JP" altLang="en-US" dirty="0" smtClean="0"/>
+              <a:t>さまざまな画像での</a:t>
+            </a:r>
+            <a:r>
+              <a:rPr lang="ja-JP" altLang="en-US" dirty="0" smtClean="0"/>
+              <a:t>データの採取</a:t>
+            </a:r>
+            <a:endParaRPr lang="en-US" altLang="ja-JP" dirty="0" smtClean="0"/>
+          </a:p>
+          <a:p>
+            <a:endParaRPr kumimoji="1" lang="en-US" altLang="ja-JP" dirty="0" smtClean="0"/>
+          </a:p>
+          <a:p>
+            <a:r>
+              <a:rPr kumimoji="1" lang="en-US" altLang="ja-JP" dirty="0" smtClean="0"/>
+              <a:t>SSIM</a:t>
+            </a:r>
+            <a:r>
+              <a:rPr lang="ja-JP" altLang="en-US" dirty="0" smtClean="0"/>
+              <a:t>を用いた評価</a:t>
+            </a:r>
+            <a:endParaRPr lang="en-US" altLang="ja-JP" dirty="0" smtClean="0"/>
+          </a:p>
+          <a:p>
+            <a:endParaRPr lang="en-US" altLang="ja-JP" dirty="0" smtClean="0"/>
+          </a:p>
+          <a:p>
+            <a:endParaRPr kumimoji="1" lang="ja-JP" altLang="en-US" dirty="0"/>
+          </a:p>
+        </p:txBody>
+      </p:sp>
+    </p:spTree>
+    <p:extLst>
+      <p:ext uri="{BB962C8B-B14F-4D97-AF65-F5344CB8AC3E}">
+        <p14:creationId xmlns:p14="http://schemas.microsoft.com/office/powerpoint/2010/main" val="891101383"/>
+      </p:ext>
+    </p:extLst>
+  </p:cSld>
+  <p:clrMapOvr>
+    <a:masterClrMapping/>
+  </p:clrMapOvr>
+  <mc:AlternateContent xmlns:mc="http://schemas.openxmlformats.org/markup-compatibility/2006">
+    <mc:Choice xmlns:p14="http://schemas.microsoft.com/office/powerpoint/2010/main" Requires="p14">
+      <p:transition spd="slow" p14:dur="2000" advTm="23743"/>
+    </mc:Choice>
+    <mc:Fallback>
+      <p:transition xmlns:p14="http://schemas.microsoft.com/office/powerpoint/2010/main" spd="slow" advTm="23743"/>
     </mc:Fallback>
   </mc:AlternateContent>
   <p:timing>
@@ -5735,7 +6346,7 @@
           <a:graphicData uri="http://schemas.openxmlformats.org/presentationml/2006/ole">
             <mc:AlternateContent xmlns:mc="http://schemas.openxmlformats.org/markup-compatibility/2006">
               <mc:Choice xmlns:v="urn:schemas-microsoft-com:vml" Requires="v">
-                <p:oleObj spid="_x0000_s2163" name="数式" r:id="rId3" imgW="419100" imgH="469900" progId="Equation.3">
+                <p:oleObj spid="_x0000_s2164" name="数式" r:id="rId3" imgW="419100" imgH="469900" progId="Equation.3">
                   <p:embed/>
                 </p:oleObj>
               </mc:Choice>
@@ -9915,7 +10526,7 @@
           </p:nvPr>
         </p:nvPicPr>
         <p:blipFill>
-          <a:blip r:embed="rId4"/>
+          <a:blip r:embed="rId5"/>
           <a:stretch>
             <a:fillRect/>
           </a:stretch>
@@ -9942,10 +10553,10 @@
   </p:clrMapOvr>
   <mc:AlternateContent xmlns:mc="http://schemas.openxmlformats.org/markup-compatibility/2006">
     <mc:Choice xmlns:p14="http://schemas.microsoft.com/office/powerpoint/2010/main" Requires="p14">
-      <p:transition spd="slow" p14:dur="2000" advTm="27174"/>
+      <p:transition spd="slow" p14:dur="2000" advTm="105"/>
     </mc:Choice>
     <mc:Fallback>
-      <p:transition xmlns:p14="http://schemas.microsoft.com/office/powerpoint/2010/main" spd="slow" advTm="27174"/>
+      <p:transition xmlns:p14="http://schemas.microsoft.com/office/powerpoint/2010/main" spd="slow" advTm="105"/>
     </mc:Fallback>
   </mc:AlternateContent>
   <p:timing>
@@ -14463,7 +15074,7 @@
           </p:nvPr>
         </p:nvPicPr>
         <p:blipFill>
-          <a:blip r:embed="rId4"/>
+          <a:blip r:embed="rId5"/>
           <a:stretch>
             <a:fillRect/>
           </a:stretch>
@@ -14490,10 +15101,10 @@
   </p:clrMapOvr>
   <mc:AlternateContent xmlns:mc="http://schemas.openxmlformats.org/markup-compatibility/2006">
     <mc:Choice xmlns:p14="http://schemas.microsoft.com/office/powerpoint/2010/main" Requires="p14">
-      <p:transition spd="slow" p14:dur="2000" advTm="37052"/>
+      <p:transition spd="slow" p14:dur="2000" advTm="63"/>
     </mc:Choice>
     <mc:Fallback>
-      <p:transition xmlns:p14="http://schemas.microsoft.com/office/powerpoint/2010/main" spd="slow" advTm="37052"/>
+      <p:transition xmlns:p14="http://schemas.microsoft.com/office/powerpoint/2010/main" spd="slow" advTm="63"/>
     </mc:Fallback>
   </mc:AlternateContent>
   <p:timing>
@@ -15856,10 +16467,10 @@
   </p:clrMapOvr>
   <mc:AlternateContent xmlns:mc="http://schemas.openxmlformats.org/markup-compatibility/2006">
     <mc:Choice xmlns:p14="http://schemas.microsoft.com/office/powerpoint/2010/main" Requires="p14">
-      <p:transition spd="slow" p14:dur="2000" advTm="35774"/>
+      <p:transition spd="slow" p14:dur="2000" advTm="91"/>
     </mc:Choice>
     <mc:Fallback>
-      <p:transition xmlns:p14="http://schemas.microsoft.com/office/powerpoint/2010/main" spd="slow" advTm="35774"/>
+      <p:transition xmlns:p14="http://schemas.microsoft.com/office/powerpoint/2010/main" spd="slow" advTm="91"/>
     </mc:Fallback>
   </mc:AlternateContent>
   <p:timing>
@@ -16210,7 +16821,7 @@
           <p:nvPr/>
         </p:nvPicPr>
         <p:blipFill>
-          <a:blip r:embed="rId4">
+          <a:blip r:embed="rId5">
             <a:extLst>
               <a:ext uri="{28A0092B-C50C-407E-A947-70E740481C1C}">
                 <a14:useLocalDpi xmlns:a14="http://schemas.microsoft.com/office/drawing/2010/main" val="0"/>
@@ -16354,7 +16965,7 @@
           </p:nvPr>
         </p:nvPicPr>
         <p:blipFill>
-          <a:blip r:embed="rId5"/>
+          <a:blip r:embed="rId6"/>
           <a:stretch>
             <a:fillRect/>
           </a:stretch>
@@ -16381,10 +16992,10 @@
   </p:clrMapOvr>
   <mc:AlternateContent xmlns:mc="http://schemas.openxmlformats.org/markup-compatibility/2006">
     <mc:Choice xmlns:p14="http://schemas.microsoft.com/office/powerpoint/2010/main" Requires="p14">
-      <p:transition spd="slow" p14:dur="2000" advTm="31408"/>
+      <p:transition spd="slow" p14:dur="2000" advTm="210"/>
     </mc:Choice>
     <mc:Fallback>
-      <p:transition xmlns:p14="http://schemas.microsoft.com/office/powerpoint/2010/main" spd="slow" advTm="31408"/>
+      <p:transition xmlns:p14="http://schemas.microsoft.com/office/powerpoint/2010/main" spd="slow" advTm="210"/>
     </mc:Fallback>
   </mc:AlternateContent>
   <p:timing>
@@ -16798,7 +17409,7 @@
           <a:graphicData uri="http://schemas.openxmlformats.org/presentationml/2006/ole">
             <mc:AlternateContent xmlns:mc="http://schemas.openxmlformats.org/markup-compatibility/2006">
               <mc:Choice xmlns:v="urn:schemas-microsoft-com:vml" Requires="v">
-                <p:oleObj spid="_x0000_s1303" name="数式" r:id="rId5" imgW="419100" imgH="469900" progId="Equation.3">
+                <p:oleObj spid="_x0000_s1311" name="数式" r:id="rId5" imgW="419100" imgH="469900" progId="Equation.3">
                   <p:embed/>
                 </p:oleObj>
               </mc:Choice>
@@ -16855,7 +17466,7 @@
           <a:graphicData uri="http://schemas.openxmlformats.org/presentationml/2006/ole">
             <mc:AlternateContent xmlns:mc="http://schemas.openxmlformats.org/markup-compatibility/2006">
               <mc:Choice xmlns:v="urn:schemas-microsoft-com:vml" Requires="v">
-                <p:oleObj spid="_x0000_s1304" name="数式" r:id="rId7" imgW="1181100" imgH="495300" progId="Equation.3">
+                <p:oleObj spid="_x0000_s1312" name="数式" r:id="rId7" imgW="1181100" imgH="495300" progId="Equation.3">
                   <p:embed/>
                 </p:oleObj>
               </mc:Choice>
@@ -18036,10 +18647,10 @@
   </p:clrMapOvr>
   <mc:AlternateContent xmlns:mc="http://schemas.openxmlformats.org/markup-compatibility/2006">
     <mc:Choice xmlns:p14="http://schemas.microsoft.com/office/powerpoint/2010/main" Requires="p14">
-      <p:transition spd="slow" p14:dur="2000" advTm="29935"/>
+      <p:transition spd="slow" p14:dur="2000" advTm="811"/>
     </mc:Choice>
     <mc:Fallback>
-      <p:transition xmlns:p14="http://schemas.microsoft.com/office/powerpoint/2010/main" spd="slow" advTm="29935"/>
+      <p:transition xmlns:p14="http://schemas.microsoft.com/office/powerpoint/2010/main" spd="slow" advTm="811"/>
     </mc:Fallback>
   </mc:AlternateContent>
   <p:timing>
@@ -18166,7 +18777,7 @@
           <a:p>
             <a:r>
               <a:rPr kumimoji="1" lang="ja-JP" altLang="en-US" dirty="0" smtClean="0"/>
-              <a:t>変換方法</a:t>
+              <a:t>提案手法</a:t>
             </a:r>
             <a:endParaRPr kumimoji="1" lang="ja-JP" altLang="en-US" dirty="0"/>
           </a:p>
@@ -20542,8 +21153,12 @@
           <a:p>
             <a:pPr algn="ctr"/>
             <a:r>
+              <a:rPr kumimoji="1" lang="en-US" altLang="ja-JP" sz="2000" dirty="0"/>
+              <a:t>n</a:t>
+            </a:r>
+            <a:r>
               <a:rPr kumimoji="1" lang="en-US" altLang="ja-JP" sz="2000" dirty="0" smtClean="0"/>
-              <a:t>N=4, k=2</a:t>
+              <a:t>=4, k=2</a:t>
             </a:r>
           </a:p>
         </p:txBody>
@@ -20572,8 +21187,12 @@
           <a:p>
             <a:pPr algn="ctr"/>
             <a:r>
+              <a:rPr kumimoji="1" lang="en-US" altLang="ja-JP" sz="2000" dirty="0"/>
+              <a:t>n</a:t>
+            </a:r>
+            <a:r>
               <a:rPr kumimoji="1" lang="en-US" altLang="ja-JP" sz="2000" dirty="0" smtClean="0"/>
-              <a:t>N=4, k=1 </a:t>
+              <a:t>=4, k=1 </a:t>
             </a:r>
             <a:endParaRPr kumimoji="1" lang="ja-JP" altLang="en-US" sz="2000" baseline="-25000" dirty="0"/>
           </a:p>
@@ -20603,8 +21222,12 @@
           <a:p>
             <a:pPr algn="ctr"/>
             <a:r>
+              <a:rPr kumimoji="1" lang="en-US" altLang="ja-JP" sz="2000" dirty="0"/>
+              <a:t>n</a:t>
+            </a:r>
+            <a:r>
               <a:rPr kumimoji="1" lang="en-US" altLang="ja-JP" sz="2000" dirty="0" smtClean="0"/>
-              <a:t>N=4, k=0</a:t>
+              <a:t>=4, k=0</a:t>
             </a:r>
             <a:endParaRPr kumimoji="1" lang="ja-JP" altLang="en-US" sz="2000" dirty="0"/>
           </a:p>
@@ -20632,12 +21255,12 @@
           <a:graphicData uri="http://schemas.openxmlformats.org/presentationml/2006/ole">
             <mc:AlternateContent xmlns:mc="http://schemas.openxmlformats.org/markup-compatibility/2006">
               <mc:Choice xmlns:v="urn:schemas-microsoft-com:vml" Requires="v">
-                <p:oleObj spid="_x0000_s5212" name="数式" r:id="rId6" imgW="2108200" imgH="495300" progId="Equation.3">
+                <p:oleObj spid="_x0000_s5216" name="数式" r:id="rId7" imgW="2108200" imgH="495300" progId="Equation.3">
                   <p:embed/>
                 </p:oleObj>
               </mc:Choice>
               <mc:Fallback>
-                <p:oleObj name="数式" r:id="rId6" imgW="2108200" imgH="495300" progId="Equation.3">
+                <p:oleObj name="数式" r:id="rId7" imgW="2108200" imgH="495300" progId="Equation.3">
                   <p:embed/>
                   <p:pic>
                     <p:nvPicPr>
@@ -20646,7 +21269,7 @@
                       <p:nvPr/>
                     </p:nvPicPr>
                     <p:blipFill>
-                      <a:blip r:embed="rId7"/>
+                      <a:blip r:embed="rId8"/>
                       <a:stretch>
                         <a:fillRect/>
                       </a:stretch>
@@ -21929,7 +22552,7 @@
           </p:nvPr>
         </p:nvPicPr>
         <p:blipFill>
-          <a:blip r:embed="rId8"/>
+          <a:blip r:embed="rId9"/>
           <a:stretch>
             <a:fillRect/>
           </a:stretch>
@@ -22639,10 +23262,10 @@
   </p:clrMapOvr>
   <mc:AlternateContent xmlns:mc="http://schemas.openxmlformats.org/markup-compatibility/2006">
     <mc:Choice xmlns:p14="http://schemas.microsoft.com/office/powerpoint/2010/main" Requires="p14">
-      <p:transition spd="slow" p14:dur="2000" advTm="42592"/>
+      <p:transition spd="slow" p14:dur="2000" advTm="1202"/>
     </mc:Choice>
     <mc:Fallback>
-      <p:transition xmlns:p14="http://schemas.microsoft.com/office/powerpoint/2010/main" spd="slow" advTm="42592"/>
+      <p:transition xmlns:p14="http://schemas.microsoft.com/office/powerpoint/2010/main" spd="slow" advTm="1202"/>
     </mc:Fallback>
   </mc:AlternateContent>
   <p:timing>
@@ -22773,6 +23396,41 @@
                                   </p:childTnLst>
                                 </p:cTn>
                               </p:par>
+                              <p:par>
+                                <p:cTn id="15" presetID="22" presetClass="exit" presetSubtype="8" fill="hold" nodeType="withEffect">
+                                  <p:stCondLst>
+                                    <p:cond delay="0"/>
+                                  </p:stCondLst>
+                                  <p:childTnLst>
+                                    <p:animEffect transition="out" filter="wipe(left)">
+                                      <p:cBhvr>
+                                        <p:cTn id="16" dur="500"/>
+                                        <p:tgtEl>
+                                          <p:spTgt spid="23"/>
+                                        </p:tgtEl>
+                                      </p:cBhvr>
+                                    </p:animEffect>
+                                    <p:set>
+                                      <p:cBhvr>
+                                        <p:cTn id="17" dur="1" fill="hold">
+                                          <p:stCondLst>
+                                            <p:cond delay="499"/>
+                                          </p:stCondLst>
+                                        </p:cTn>
+                                        <p:tgtEl>
+                                          <p:spTgt spid="23"/>
+                                        </p:tgtEl>
+                                        <p:attrNameLst>
+                                          <p:attrName>style.visibility</p:attrName>
+                                        </p:attrNameLst>
+                                      </p:cBhvr>
+                                      <p:to>
+                                        <p:strVal val="hidden"/>
+                                      </p:to>
+                                    </p:set>
+                                  </p:childTnLst>
+                                </p:cTn>
+                              </p:par>
                             </p:childTnLst>
                           </p:cTn>
                         </p:par>
@@ -22798,7 +23456,7 @@
             </p:seq>
             <p:audio isNarration="1">
               <p:cMediaNode vol="80000" showWhenStopped="0">
-                <p:cTn id="15" fill="hold" display="0">
+                <p:cTn id="18" fill="hold" display="0">
                   <p:stCondLst>
                     <p:cond delay="indefinite"/>
                   </p:stCondLst>
@@ -22862,12 +23520,12 @@
           <a:graphicData uri="http://schemas.openxmlformats.org/presentationml/2006/ole">
             <mc:AlternateContent xmlns:mc="http://schemas.openxmlformats.org/markup-compatibility/2006">
               <mc:Choice xmlns:v="urn:schemas-microsoft-com:vml" Requires="v">
-                <p:oleObj spid="_x0000_s3306" name="数式" r:id="rId3" imgW="1054100" imgH="495300" progId="Equation.3">
+                <p:oleObj spid="_x0000_s3322" name="数式" r:id="rId4" imgW="1054100" imgH="495300" progId="Equation.3">
                   <p:embed/>
                 </p:oleObj>
               </mc:Choice>
               <mc:Fallback>
-                <p:oleObj name="数式" r:id="rId3" imgW="1054100" imgH="495300" progId="Equation.3">
+                <p:oleObj name="数式" r:id="rId4" imgW="1054100" imgH="495300" progId="Equation.3">
                   <p:embed/>
                   <p:pic>
                     <p:nvPicPr>
@@ -22876,7 +23534,7 @@
                       <p:nvPr/>
                     </p:nvPicPr>
                     <p:blipFill>
-                      <a:blip r:embed="rId4"/>
+                      <a:blip r:embed="rId5"/>
                       <a:stretch>
                         <a:fillRect/>
                       </a:stretch>
@@ -22919,12 +23577,12 @@
           <a:graphicData uri="http://schemas.openxmlformats.org/presentationml/2006/ole">
             <mc:AlternateContent xmlns:mc="http://schemas.openxmlformats.org/markup-compatibility/2006">
               <mc:Choice xmlns:v="urn:schemas-microsoft-com:vml" Requires="v">
-                <p:oleObj spid="_x0000_s3307" name="数式" r:id="rId5" imgW="825500" imgH="495300" progId="Equation.3">
+                <p:oleObj spid="_x0000_s3323" name="数式" r:id="rId6" imgW="825500" imgH="495300" progId="Equation.3">
                   <p:embed/>
                 </p:oleObj>
               </mc:Choice>
               <mc:Fallback>
-                <p:oleObj name="数式" r:id="rId5" imgW="825500" imgH="495300" progId="Equation.3">
+                <p:oleObj name="数式" r:id="rId6" imgW="825500" imgH="495300" progId="Equation.3">
                   <p:embed/>
                   <p:pic>
                     <p:nvPicPr>
@@ -22933,7 +23591,7 @@
                       <p:nvPr/>
                     </p:nvPicPr>
                     <p:blipFill>
-                      <a:blip r:embed="rId6"/>
+                      <a:blip r:embed="rId7"/>
                       <a:stretch>
                         <a:fillRect/>
                       </a:stretch>
@@ -23326,12 +23984,12 @@
           <a:graphicData uri="http://schemas.openxmlformats.org/presentationml/2006/ole">
             <mc:AlternateContent xmlns:mc="http://schemas.openxmlformats.org/markup-compatibility/2006">
               <mc:Choice xmlns:v="urn:schemas-microsoft-com:vml" Requires="v">
-                <p:oleObj spid="_x0000_s3308" name="数式" r:id="rId7" imgW="1498600" imgH="406400" progId="Equation.3">
+                <p:oleObj spid="_x0000_s3324" name="数式" r:id="rId8" imgW="1498600" imgH="406400" progId="Equation.3">
                   <p:embed/>
                 </p:oleObj>
               </mc:Choice>
               <mc:Fallback>
-                <p:oleObj name="数式" r:id="rId7" imgW="1498600" imgH="406400" progId="Equation.3">
+                <p:oleObj name="数式" r:id="rId8" imgW="1498600" imgH="406400" progId="Equation.3">
                   <p:embed/>
                   <p:pic>
                     <p:nvPicPr>
@@ -23340,7 +23998,7 @@
                       <p:nvPr/>
                     </p:nvPicPr>
                     <p:blipFill>
-                      <a:blip r:embed="rId8"/>
+                      <a:blip r:embed="rId9"/>
                       <a:stretch>
                         <a:fillRect/>
                       </a:stretch>
@@ -23502,12 +24160,12 @@
           <a:graphicData uri="http://schemas.openxmlformats.org/presentationml/2006/ole">
             <mc:AlternateContent xmlns:mc="http://schemas.openxmlformats.org/markup-compatibility/2006">
               <mc:Choice xmlns:v="urn:schemas-microsoft-com:vml" Requires="v">
-                <p:oleObj spid="_x0000_s3309" name="数式" r:id="rId9" imgW="749300" imgH="393700" progId="Equation.3">
+                <p:oleObj spid="_x0000_s3325" name="数式" r:id="rId10" imgW="749300" imgH="393700" progId="Equation.3">
                   <p:embed/>
                 </p:oleObj>
               </mc:Choice>
               <mc:Fallback>
-                <p:oleObj name="数式" r:id="rId9" imgW="749300" imgH="393700" progId="Equation.3">
+                <p:oleObj name="数式" r:id="rId10" imgW="749300" imgH="393700" progId="Equation.3">
                   <p:embed/>
                   <p:pic>
                     <p:nvPicPr>
@@ -23518,7 +24176,7 @@
                       <p:nvPr/>
                     </p:nvPicPr>
                     <p:blipFill>
-                      <a:blip r:embed="rId10">
+                      <a:blip r:embed="rId11">
                         <a:extLst>
                           <a:ext uri="{28A0092B-C50C-407E-A947-70E740481C1C}">
                             <a14:useLocalDpi xmlns:a14="http://schemas.microsoft.com/office/drawing/2010/main" val="0"/>
@@ -23758,7 +24416,7 @@
             <p:nvPr/>
           </p:nvPicPr>
           <p:blipFill>
-            <a:blip r:embed="rId11">
+            <a:blip r:embed="rId12">
               <a:extLst>
                 <a:ext uri="{28A0092B-C50C-407E-A947-70E740481C1C}">
                   <a14:useLocalDpi xmlns:a14="http://schemas.microsoft.com/office/drawing/2010/main" val="0"/>
@@ -23993,7 +24651,7 @@
             <p:nvPr/>
           </p:nvPicPr>
           <p:blipFill>
-            <a:blip r:embed="rId11">
+            <a:blip r:embed="rId12">
               <a:extLst>
                 <a:ext uri="{28A0092B-C50C-407E-A947-70E740481C1C}">
                   <a14:useLocalDpi xmlns:a14="http://schemas.microsoft.com/office/drawing/2010/main" val="0"/>
@@ -24200,7 +24858,7 @@
             <p:nvPr/>
           </p:nvPicPr>
           <p:blipFill>
-            <a:blip r:embed="rId11">
+            <a:blip r:embed="rId12">
               <a:extLst>
                 <a:ext uri="{28A0092B-C50C-407E-A947-70E740481C1C}">
                   <a14:useLocalDpi xmlns:a14="http://schemas.microsoft.com/office/drawing/2010/main" val="0"/>
@@ -24544,10 +25202,10 @@
   </p:clrMapOvr>
   <mc:AlternateContent xmlns:mc="http://schemas.openxmlformats.org/markup-compatibility/2006">
     <mc:Choice xmlns:p14="http://schemas.microsoft.com/office/powerpoint/2010/main" Requires="p14">
-      <p:transition spd="slow" p14:dur="2000" advTm="27111"/>
+      <p:transition spd="slow" p14:dur="2000" advTm="266"/>
     </mc:Choice>
     <mc:Fallback>
-      <p:transition xmlns:p14="http://schemas.microsoft.com/office/powerpoint/2010/main" spd="slow" advTm="27111"/>
+      <p:transition xmlns:p14="http://schemas.microsoft.com/office/powerpoint/2010/main" spd="slow" advTm="266"/>
     </mc:Fallback>
   </mc:AlternateContent>
   <p:timing>
@@ -24594,7 +25252,7 @@
           <a:p>
             <a:r>
               <a:rPr kumimoji="1" lang="ja-JP" altLang="en-US" dirty="0" smtClean="0"/>
-              <a:t>実験手順</a:t>
+              <a:t>実験手順（２）</a:t>
             </a:r>
             <a:endParaRPr kumimoji="1" lang="ja-JP" altLang="en-US" dirty="0"/>
           </a:p>
@@ -24690,7 +25348,7 @@
           <a:graphicData uri="http://schemas.openxmlformats.org/presentationml/2006/ole">
             <mc:AlternateContent xmlns:mc="http://schemas.openxmlformats.org/markup-compatibility/2006">
               <mc:Choice xmlns:v="urn:schemas-microsoft-com:vml" Requires="v">
-                <p:oleObj spid="_x0000_s4308" name="数式" r:id="rId3" imgW="1498600" imgH="406400" progId="Equation.3">
+                <p:oleObj spid="_x0000_s4316" name="数式" r:id="rId3" imgW="1498600" imgH="406400" progId="Equation.3">
                   <p:embed/>
                 </p:oleObj>
               </mc:Choice>
@@ -24866,7 +25524,7 @@
           <a:graphicData uri="http://schemas.openxmlformats.org/presentationml/2006/ole">
             <mc:AlternateContent xmlns:mc="http://schemas.openxmlformats.org/markup-compatibility/2006">
               <mc:Choice xmlns:v="urn:schemas-microsoft-com:vml" Requires="v">
-                <p:oleObj spid="_x0000_s4309" name="数式" r:id="rId5" imgW="749300" imgH="393700" progId="Equation.3">
+                <p:oleObj spid="_x0000_s4317" name="数式" r:id="rId5" imgW="749300" imgH="393700" progId="Equation.3">
                   <p:embed/>
                 </p:oleObj>
               </mc:Choice>
@@ -25981,10 +26639,10 @@
   </p:clrMapOvr>
   <mc:AlternateContent xmlns:mc="http://schemas.openxmlformats.org/markup-compatibility/2006">
     <mc:Choice xmlns:p14="http://schemas.microsoft.com/office/powerpoint/2010/main" Requires="p14">
-      <p:transition spd="slow" p14:dur="2000" advTm="12711"/>
+      <p:transition spd="slow" p14:dur="2000" advTm="316"/>
     </mc:Choice>
     <mc:Fallback>
-      <p:transition xmlns:p14="http://schemas.microsoft.com/office/powerpoint/2010/main" spd="slow" advTm="12711"/>
+      <p:transition xmlns:p14="http://schemas.microsoft.com/office/powerpoint/2010/main" spd="slow" advTm="316"/>
     </mc:Fallback>
   </mc:AlternateContent>
   <p:timing>
@@ -25999,7 +26657,7 @@
 
 <file path=ppt/tags/tag1.xml><?xml version="1.0" encoding="utf-8"?>
 <p:tagLst xmlns:a="http://schemas.openxmlformats.org/drawingml/2006/main" xmlns:r="http://schemas.openxmlformats.org/officeDocument/2006/relationships" xmlns:p="http://schemas.openxmlformats.org/presentationml/2006/main">
-  <p:tag name="TIMING" val="|24.4"/>
+  <p:tag name="TIMING" val="|0.5"/>
 </p:tagLst>
 </file>
 

--- a/documents/MidtermReport/slide/j0929.pptx
+++ b/documents/MidtermReport/slide/j0929.pptx
@@ -5,7 +5,7 @@
     <p:sldMasterId id="2147483660" r:id="rId1"/>
   </p:sldMasterIdLst>
   <p:notesMasterIdLst>
-    <p:notesMasterId r:id="rId18"/>
+    <p:notesMasterId r:id="rId17"/>
   </p:notesMasterIdLst>
   <p:sldIdLst>
     <p:sldId id="256" r:id="rId2"/>
@@ -17,13 +17,12 @@
     <p:sldId id="264" r:id="rId8"/>
     <p:sldId id="271" r:id="rId9"/>
     <p:sldId id="265" r:id="rId10"/>
-    <p:sldId id="266" r:id="rId11"/>
-    <p:sldId id="267" r:id="rId12"/>
-    <p:sldId id="268" r:id="rId13"/>
-    <p:sldId id="261" r:id="rId14"/>
-    <p:sldId id="270" r:id="rId15"/>
-    <p:sldId id="262" r:id="rId16"/>
-    <p:sldId id="269" r:id="rId17"/>
+    <p:sldId id="267" r:id="rId11"/>
+    <p:sldId id="266" r:id="rId12"/>
+    <p:sldId id="270" r:id="rId13"/>
+    <p:sldId id="273" r:id="rId14"/>
+    <p:sldId id="274" r:id="rId15"/>
+    <p:sldId id="275" r:id="rId16"/>
   </p:sldIdLst>
   <p:sldSz cx="9144000" cy="6858000" type="screen4x3"/>
   <p:notesSz cx="6858000" cy="9144000"/>
@@ -275,7 +274,7 @@
                   <c:v>5.816650390625</c:v>
                 </c:pt>
                 <c:pt idx="4">
-                  <c:v>4.582214355468748</c:v>
+                  <c:v>4.582214355468747</c:v>
                 </c:pt>
                 <c:pt idx="5">
                   <c:v>3.765869140625</c:v>
@@ -323,8 +322,8 @@
           <c:showPercent val="0"/>
           <c:showBubbleSize val="0"/>
         </c:dLbls>
-        <c:axId val="2144947192"/>
-        <c:axId val="2144930216"/>
+        <c:axId val="2141842664"/>
+        <c:axId val="2105476696"/>
       </c:scatterChart>
       <c:scatterChart>
         <c:scatterStyle val="lineMarker"/>
@@ -434,10 +433,10 @@
                   <c:v>56.3511115447757</c:v>
                 </c:pt>
                 <c:pt idx="2">
-                  <c:v>59.15649937362648</c:v>
+                  <c:v>59.15649937362647</c:v>
                 </c:pt>
                 <c:pt idx="3">
-                  <c:v>60.48407399525318</c:v>
+                  <c:v>60.48407399525317</c:v>
                 </c:pt>
                 <c:pt idx="4">
                   <c:v>61.5200495929262</c:v>
@@ -446,7 +445,7 @@
                   <c:v>62.372151361304</c:v>
                 </c:pt>
                 <c:pt idx="6">
-                  <c:v>63.11914748270448</c:v>
+                  <c:v>63.11914748270447</c:v>
                 </c:pt>
                 <c:pt idx="7">
                   <c:v>63.742877863883</c:v>
@@ -455,13 +454,13 @@
                   <c:v>64.30903204537178</c:v>
                 </c:pt>
                 <c:pt idx="9">
-                  <c:v>64.80033277737257</c:v>
+                  <c:v>64.80033277737256</c:v>
                 </c:pt>
                 <c:pt idx="10">
                   <c:v>65.3091656567455</c:v>
                 </c:pt>
                 <c:pt idx="11">
-                  <c:v>65.81507118375995</c:v>
+                  <c:v>65.81507118375993</c:v>
                 </c:pt>
                 <c:pt idx="12">
                   <c:v>66.2437977898782</c:v>
@@ -470,7 +469,7 @@
                   <c:v>66.7051889917051</c:v>
                 </c:pt>
                 <c:pt idx="14">
-                  <c:v>67.07873816007992</c:v>
+                  <c:v>67.07873816007988</c:v>
                 </c:pt>
                 <c:pt idx="15">
                   <c:v>67.4194299115587</c:v>
@@ -488,11 +487,11 @@
           <c:showPercent val="0"/>
           <c:showBubbleSize val="0"/>
         </c:dLbls>
-        <c:axId val="2144866280"/>
-        <c:axId val="2144887448"/>
+        <c:axId val="2105488296"/>
+        <c:axId val="2105482568"/>
       </c:scatterChart>
       <c:valAx>
-        <c:axId val="2144947192"/>
+        <c:axId val="2141842664"/>
         <c:scaling>
           <c:orientation val="minMax"/>
           <c:max val="100.0"/>
@@ -539,12 +538,12 @@
             <a:endParaRPr lang="ja-JP"/>
           </a:p>
         </c:txPr>
-        <c:crossAx val="2144930216"/>
+        <c:crossAx val="2105476696"/>
         <c:crosses val="autoZero"/>
         <c:crossBetween val="midCat"/>
       </c:valAx>
       <c:valAx>
-        <c:axId val="2144930216"/>
+        <c:axId val="2105476696"/>
         <c:scaling>
           <c:orientation val="minMax"/>
         </c:scaling>
@@ -593,12 +592,12 @@
             <a:endParaRPr lang="ja-JP"/>
           </a:p>
         </c:txPr>
-        <c:crossAx val="2144947192"/>
+        <c:crossAx val="2141842664"/>
         <c:crosses val="autoZero"/>
         <c:crossBetween val="midCat"/>
       </c:valAx>
       <c:valAx>
-        <c:axId val="2144887448"/>
+        <c:axId val="2105482568"/>
         <c:scaling>
           <c:orientation val="minMax"/>
           <c:max val="80.0"/>
@@ -647,14 +646,14 @@
             <a:endParaRPr lang="ja-JP"/>
           </a:p>
         </c:txPr>
-        <c:crossAx val="2144866280"/>
+        <c:crossAx val="2105488296"/>
         <c:crosses val="max"/>
         <c:crossBetween val="midCat"/>
         <c:majorUnit val="10.0"/>
         <c:minorUnit val="1.0"/>
       </c:valAx>
       <c:valAx>
-        <c:axId val="2144866280"/>
+        <c:axId val="2105488296"/>
         <c:scaling>
           <c:orientation val="minMax"/>
         </c:scaling>
@@ -664,7 +663,7 @@
         <c:majorTickMark val="out"/>
         <c:minorTickMark val="none"/>
         <c:tickLblPos val="nextTo"/>
-        <c:crossAx val="2144887448"/>
+        <c:crossAx val="2105482568"/>
         <c:crosses val="autoZero"/>
         <c:crossBetween val="midCat"/>
       </c:valAx>
@@ -785,7 +784,7 @@
           <a:p>
             <a:fld id="{35156672-1D57-7543-93AB-9C38B1A2EF12}" type="datetimeFigureOut">
               <a:rPr kumimoji="1" lang="ja-JP" altLang="en-US" smtClean="0"/>
-              <a:t>2013/10/29</a:t>
+              <a:t>2013/10/30</a:t>
             </a:fld>
             <a:endParaRPr kumimoji="1" lang="ja-JP" altLang="en-US"/>
           </a:p>
@@ -1816,7 +1815,7 @@
           <a:p>
             <a:fld id="{C22BD00F-A672-1C43-87CC-13B0183B457C}" type="slidenum">
               <a:rPr kumimoji="1" lang="ja-JP" altLang="en-US" smtClean="0"/>
-              <a:t>10</a:t>
+              <a:t>11</a:t>
             </a:fld>
             <a:endParaRPr kumimoji="1" lang="ja-JP" altLang="en-US"/>
           </a:p>
@@ -1904,7 +1903,7 @@
           <a:p>
             <a:fld id="{C22BD00F-A672-1C43-87CC-13B0183B457C}" type="slidenum">
               <a:rPr kumimoji="1" lang="ja-JP" altLang="en-US" smtClean="0"/>
-              <a:t>14</a:t>
+              <a:t>12</a:t>
             </a:fld>
             <a:endParaRPr kumimoji="1" lang="ja-JP" altLang="en-US"/>
           </a:p>
@@ -1914,94 +1913,6 @@
     <p:extLst>
       <p:ext uri="{BB962C8B-B14F-4D97-AF65-F5344CB8AC3E}">
         <p14:creationId xmlns:p14="http://schemas.microsoft.com/office/powerpoint/2010/main" val="544449983"/>
-      </p:ext>
-    </p:extLst>
-  </p:cSld>
-  <p:clrMapOvr>
-    <a:masterClrMapping/>
-  </p:clrMapOvr>
-</p:notes>
-</file>
-
-<file path=ppt/notesSlides/notesSlide8.xml><?xml version="1.0" encoding="utf-8"?>
-<p:notes xmlns:a="http://schemas.openxmlformats.org/drawingml/2006/main" xmlns:r="http://schemas.openxmlformats.org/officeDocument/2006/relationships" xmlns:p="http://schemas.openxmlformats.org/presentationml/2006/main">
-  <p:cSld>
-    <p:spTree>
-      <p:nvGrpSpPr>
-        <p:cNvPr id="1" name=""/>
-        <p:cNvGrpSpPr/>
-        <p:nvPr/>
-      </p:nvGrpSpPr>
-      <p:grpSpPr>
-        <a:xfrm>
-          <a:off x="0" y="0"/>
-          <a:ext cx="0" cy="0"/>
-          <a:chOff x="0" y="0"/>
-          <a:chExt cx="0" cy="0"/>
-        </a:xfrm>
-      </p:grpSpPr>
-      <p:sp>
-        <p:nvSpPr>
-          <p:cNvPr id="2" name="スライド イメージ プレースホルダー 1"/>
-          <p:cNvSpPr>
-            <a:spLocks noGrp="1" noRot="1" noChangeAspect="1"/>
-          </p:cNvSpPr>
-          <p:nvPr>
-            <p:ph type="sldImg"/>
-          </p:nvPr>
-        </p:nvSpPr>
-        <p:spPr/>
-      </p:sp>
-      <p:sp>
-        <p:nvSpPr>
-          <p:cNvPr id="3" name="ノート プレースホルダー 2"/>
-          <p:cNvSpPr>
-            <a:spLocks noGrp="1"/>
-          </p:cNvSpPr>
-          <p:nvPr>
-            <p:ph type="body" idx="1"/>
-          </p:nvPr>
-        </p:nvSpPr>
-        <p:spPr/>
-        <p:txBody>
-          <a:bodyPr/>
-          <a:lstStyle/>
-          <a:p>
-            <a:r>
-              <a:rPr kumimoji="1" lang="ja-JP" altLang="en-US" dirty="0" smtClean="0"/>
-              <a:t>一枚目のスライドでステガノグラフィについてを書き，一緒に目的を書く</a:t>
-            </a:r>
-            <a:endParaRPr kumimoji="1" lang="ja-JP" altLang="en-US" dirty="0"/>
-          </a:p>
-        </p:txBody>
-      </p:sp>
-      <p:sp>
-        <p:nvSpPr>
-          <p:cNvPr id="4" name="スライド番号プレースホルダー 3"/>
-          <p:cNvSpPr>
-            <a:spLocks noGrp="1"/>
-          </p:cNvSpPr>
-          <p:nvPr>
-            <p:ph type="sldNum" sz="quarter" idx="10"/>
-          </p:nvPr>
-        </p:nvSpPr>
-        <p:spPr/>
-        <p:txBody>
-          <a:bodyPr/>
-          <a:lstStyle/>
-          <a:p>
-            <a:fld id="{C22BD00F-A672-1C43-87CC-13B0183B457C}" type="slidenum">
-              <a:rPr kumimoji="1" lang="ja-JP" altLang="en-US" smtClean="0"/>
-              <a:t>15</a:t>
-            </a:fld>
-            <a:endParaRPr kumimoji="1" lang="ja-JP" altLang="en-US"/>
-          </a:p>
-        </p:txBody>
-      </p:sp>
-    </p:spTree>
-    <p:extLst>
-      <p:ext uri="{BB962C8B-B14F-4D97-AF65-F5344CB8AC3E}">
-        <p14:creationId xmlns:p14="http://schemas.microsoft.com/office/powerpoint/2010/main" val="490921269"/>
       </p:ext>
     </p:extLst>
   </p:cSld>
@@ -2192,7 +2103,7 @@
           <a:p>
             <a:fld id="{6BFECD78-3C8E-49F2-8FAB-59489D168ABB}" type="datetimeFigureOut">
               <a:rPr lang="en-US" smtClean="0"/>
-              <a:t>2013/10/29</a:t>
+              <a:t>2013/10/30</a:t>
             </a:fld>
             <a:endParaRPr lang="en-US"/>
           </a:p>
@@ -2394,7 +2305,7 @@
           <a:p>
             <a:fld id="{6BFECD78-3C8E-49F2-8FAB-59489D168ABB}" type="datetimeFigureOut">
               <a:rPr lang="en-US" smtClean="0"/>
-              <a:t>2013/10/29</a:t>
+              <a:t>2013/10/30</a:t>
             </a:fld>
             <a:endParaRPr lang="en-US"/>
           </a:p>
@@ -2606,7 +2517,7 @@
           <a:p>
             <a:fld id="{6BFECD78-3C8E-49F2-8FAB-59489D168ABB}" type="datetimeFigureOut">
               <a:rPr lang="en-US" smtClean="0"/>
-              <a:t>2013/10/29</a:t>
+              <a:t>2013/10/30</a:t>
             </a:fld>
             <a:endParaRPr lang="en-US"/>
           </a:p>
@@ -2808,7 +2719,7 @@
           <a:p>
             <a:fld id="{6BFECD78-3C8E-49F2-8FAB-59489D168ABB}" type="datetimeFigureOut">
               <a:rPr lang="en-US" smtClean="0"/>
-              <a:t>2013/10/29</a:t>
+              <a:t>2013/10/30</a:t>
             </a:fld>
             <a:endParaRPr lang="en-US"/>
           </a:p>
@@ -3054,7 +2965,7 @@
           <a:p>
             <a:fld id="{6BFECD78-3C8E-49F2-8FAB-59489D168ABB}" type="datetimeFigureOut">
               <a:rPr lang="en-US" smtClean="0"/>
-              <a:t>2013/10/29</a:t>
+              <a:t>2013/10/30</a:t>
             </a:fld>
             <a:endParaRPr lang="en-US"/>
           </a:p>
@@ -3406,7 +3317,7 @@
           <a:p>
             <a:fld id="{6BFECD78-3C8E-49F2-8FAB-59489D168ABB}" type="datetimeFigureOut">
               <a:rPr lang="en-US" smtClean="0"/>
-              <a:t>2013/10/29</a:t>
+              <a:t>2013/10/30</a:t>
             </a:fld>
             <a:endParaRPr lang="en-US"/>
           </a:p>
@@ -3892,7 +3803,7 @@
           <a:p>
             <a:fld id="{6BFECD78-3C8E-49F2-8FAB-59489D168ABB}" type="datetimeFigureOut">
               <a:rPr lang="en-US" smtClean="0"/>
-              <a:t>2013/10/29</a:t>
+              <a:t>2013/10/30</a:t>
             </a:fld>
             <a:endParaRPr lang="en-US"/>
           </a:p>
@@ -4010,7 +3921,7 @@
           <a:p>
             <a:fld id="{6BFECD78-3C8E-49F2-8FAB-59489D168ABB}" type="datetimeFigureOut">
               <a:rPr lang="en-US" smtClean="0"/>
-              <a:t>2013/10/29</a:t>
+              <a:t>2013/10/30</a:t>
             </a:fld>
             <a:endParaRPr lang="en-US"/>
           </a:p>
@@ -4105,7 +4016,7 @@
           <a:p>
             <a:fld id="{6BFECD78-3C8E-49F2-8FAB-59489D168ABB}" type="datetimeFigureOut">
               <a:rPr lang="en-US" smtClean="0"/>
-              <a:t>2013/10/29</a:t>
+              <a:t>2013/10/30</a:t>
             </a:fld>
             <a:endParaRPr lang="en-US"/>
           </a:p>
@@ -4414,7 +4325,7 @@
           <a:p>
             <a:fld id="{6BFECD78-3C8E-49F2-8FAB-59489D168ABB}" type="datetimeFigureOut">
               <a:rPr lang="en-US" smtClean="0"/>
-              <a:t>2013/10/29</a:t>
+              <a:t>2013/10/30</a:t>
             </a:fld>
             <a:endParaRPr lang="en-US"/>
           </a:p>
@@ -4667,7 +4578,7 @@
           <a:p>
             <a:fld id="{6BFECD78-3C8E-49F2-8FAB-59489D168ABB}" type="datetimeFigureOut">
               <a:rPr lang="en-US" smtClean="0"/>
-              <a:t>2013/10/29</a:t>
+              <a:t>2013/10/30</a:t>
             </a:fld>
             <a:endParaRPr lang="en-US"/>
           </a:p>
@@ -4912,7 +4823,7 @@
           <a:p>
             <a:fld id="{6BFECD78-3C8E-49F2-8FAB-59489D168ABB}" type="datetimeFigureOut">
               <a:rPr lang="en-US" smtClean="0"/>
-              <a:t>2013/10/29</a:t>
+              <a:t>2013/10/30</a:t>
             </a:fld>
             <a:endParaRPr lang="en-US"/>
           </a:p>
@@ -5389,10 +5300,10 @@
   </p:clrMapOvr>
   <mc:AlternateContent xmlns:mc="http://schemas.openxmlformats.org/markup-compatibility/2006">
     <mc:Choice xmlns:p14="http://schemas.microsoft.com/office/powerpoint/2010/main" Requires="p14">
-      <p:transition spd="slow" p14:dur="2000" advTm="1317"/>
+      <p:transition spd="slow" p14:dur="2000" advTm="14075"/>
     </mc:Choice>
     <mc:Fallback>
-      <p:transition xmlns:p14="http://schemas.microsoft.com/office/powerpoint/2010/main" spd="slow" advTm="1317"/>
+      <p:transition xmlns:p14="http://schemas.microsoft.com/office/powerpoint/2010/main" spd="slow" advTm="14075"/>
     </mc:Fallback>
   </mc:AlternateContent>
   <p:timing>
@@ -5486,132 +5397,7 @@
 </file>
 
 <file path=ppt/slides/slide10.xml><?xml version="1.0" encoding="utf-8"?>
-<p:sld xmlns:a="http://schemas.openxmlformats.org/drawingml/2006/main" xmlns:r="http://schemas.openxmlformats.org/officeDocument/2006/relationships" xmlns:p="http://schemas.openxmlformats.org/presentationml/2006/main" show="0">
-  <p:cSld>
-    <p:spTree>
-      <p:nvGrpSpPr>
-        <p:cNvPr id="1" name=""/>
-        <p:cNvGrpSpPr/>
-        <p:nvPr/>
-      </p:nvGrpSpPr>
-      <p:grpSpPr>
-        <a:xfrm>
-          <a:off x="0" y="0"/>
-          <a:ext cx="0" cy="0"/>
-          <a:chOff x="0" y="0"/>
-          <a:chExt cx="0" cy="0"/>
-        </a:xfrm>
-      </p:grpSpPr>
-      <p:sp>
-        <p:nvSpPr>
-          <p:cNvPr id="2" name="タイトル 1"/>
-          <p:cNvSpPr>
-            <a:spLocks noGrp="1"/>
-          </p:cNvSpPr>
-          <p:nvPr>
-            <p:ph type="title"/>
-          </p:nvPr>
-        </p:nvSpPr>
-        <p:spPr/>
-        <p:txBody>
-          <a:bodyPr/>
-          <a:lstStyle/>
-          <a:p>
-            <a:r>
-              <a:rPr kumimoji="1" lang="ja-JP" altLang="en-US" dirty="0" smtClean="0"/>
-              <a:t>今後の予定</a:t>
-            </a:r>
-            <a:endParaRPr kumimoji="1" lang="ja-JP" altLang="en-US" dirty="0"/>
-          </a:p>
-        </p:txBody>
-      </p:sp>
-      <p:sp>
-        <p:nvSpPr>
-          <p:cNvPr id="3" name="コンテンツ プレースホルダー 2"/>
-          <p:cNvSpPr>
-            <a:spLocks noGrp="1"/>
-          </p:cNvSpPr>
-          <p:nvPr>
-            <p:ph idx="1"/>
-          </p:nvPr>
-        </p:nvSpPr>
-        <p:spPr/>
-        <p:txBody>
-          <a:bodyPr/>
-          <a:lstStyle/>
-          <a:p>
-            <a:r>
-              <a:rPr kumimoji="1" lang="en-US" altLang="ja-JP" dirty="0" smtClean="0"/>
-              <a:t>128bit</a:t>
-            </a:r>
-            <a:r>
-              <a:rPr kumimoji="1" lang="ja-JP" altLang="en-US" dirty="0" smtClean="0"/>
-              <a:t>以上の誤りパターンでのデータの採取</a:t>
-            </a:r>
-            <a:endParaRPr kumimoji="1" lang="en-US" altLang="ja-JP" dirty="0" smtClean="0"/>
-          </a:p>
-          <a:p>
-            <a:endParaRPr lang="en-US" altLang="ja-JP" dirty="0" smtClean="0"/>
-          </a:p>
-          <a:p>
-            <a:r>
-              <a:rPr lang="ja-JP" altLang="en-US" dirty="0" smtClean="0"/>
-              <a:t>さまざまな画像でのデータの採取</a:t>
-            </a:r>
-            <a:endParaRPr lang="en-US" altLang="ja-JP" dirty="0" smtClean="0"/>
-          </a:p>
-          <a:p>
-            <a:endParaRPr kumimoji="1" lang="en-US" altLang="ja-JP" dirty="0" smtClean="0"/>
-          </a:p>
-          <a:p>
-            <a:r>
-              <a:rPr kumimoji="1" lang="en-US" altLang="ja-JP" dirty="0" smtClean="0"/>
-              <a:t>SSIM</a:t>
-            </a:r>
-            <a:r>
-              <a:rPr lang="ja-JP" altLang="en-US" dirty="0" smtClean="0"/>
-              <a:t>を用いた評価</a:t>
-            </a:r>
-            <a:endParaRPr lang="en-US" altLang="ja-JP" dirty="0" smtClean="0"/>
-          </a:p>
-          <a:p>
-            <a:endParaRPr lang="en-US" altLang="ja-JP" dirty="0" smtClean="0"/>
-          </a:p>
-          <a:p>
-            <a:endParaRPr kumimoji="1" lang="ja-JP" altLang="en-US" dirty="0"/>
-          </a:p>
-        </p:txBody>
-      </p:sp>
-    </p:spTree>
-    <p:extLst>
-      <p:ext uri="{BB962C8B-B14F-4D97-AF65-F5344CB8AC3E}">
-        <p14:creationId xmlns:p14="http://schemas.microsoft.com/office/powerpoint/2010/main" val="891101383"/>
-      </p:ext>
-    </p:extLst>
-  </p:cSld>
-  <p:clrMapOvr>
-    <a:masterClrMapping/>
-  </p:clrMapOvr>
-  <mc:AlternateContent xmlns:mc="http://schemas.openxmlformats.org/markup-compatibility/2006">
-    <mc:Choice xmlns:p14="http://schemas.microsoft.com/office/powerpoint/2010/main" Requires="p14">
-      <p:transition spd="slow" p14:dur="2000" advTm="23743"/>
-    </mc:Choice>
-    <mc:Fallback>
-      <p:transition xmlns:p14="http://schemas.microsoft.com/office/powerpoint/2010/main" spd="slow" advTm="23743"/>
-    </mc:Fallback>
-  </mc:AlternateContent>
-  <p:timing>
-    <p:tnLst>
-      <p:par>
-        <p:cTn xmlns:p14="http://schemas.microsoft.com/office/powerpoint/2010/main" id="1" dur="indefinite" restart="never" nodeType="tmRoot"/>
-      </p:par>
-    </p:tnLst>
-  </p:timing>
-</p:sld>
-</file>
-
-<file path=ppt/slides/slide11.xml><?xml version="1.0" encoding="utf-8"?>
-<p:sld xmlns:a="http://schemas.openxmlformats.org/drawingml/2006/main" xmlns:r="http://schemas.openxmlformats.org/officeDocument/2006/relationships" xmlns:p="http://schemas.openxmlformats.org/presentationml/2006/main" show="0">
+<p:sld xmlns:a="http://schemas.openxmlformats.org/drawingml/2006/main" xmlns:r="http://schemas.openxmlformats.org/officeDocument/2006/relationships" xmlns:p="http://schemas.openxmlformats.org/presentationml/2006/main">
   <p:cSld>
     <p:spTree>
       <p:nvGrpSpPr>
@@ -5837,7 +5623,7 @@
           <a:p>
             <a:r>
               <a:rPr kumimoji="1" lang="ja-JP" altLang="en-US" dirty="0" smtClean="0"/>
-              <a:t>実験結果（３）</a:t>
+              <a:t>画像比較</a:t>
             </a:r>
             <a:endParaRPr kumimoji="1" lang="ja-JP" altLang="en-US" dirty="0"/>
           </a:p>
@@ -5984,8 +5770,8 @@
 </p:sld>
 </file>
 
-<file path=ppt/slides/slide12.xml><?xml version="1.0" encoding="utf-8"?>
-<p:sld xmlns:a="http://schemas.openxmlformats.org/drawingml/2006/main" xmlns:r="http://schemas.openxmlformats.org/officeDocument/2006/relationships" xmlns:p="http://schemas.openxmlformats.org/presentationml/2006/main" show="0">
+<file path=ppt/slides/slide11.xml><?xml version="1.0" encoding="utf-8"?>
+<p:sld xmlns:a="http://schemas.openxmlformats.org/drawingml/2006/main" xmlns:r="http://schemas.openxmlformats.org/officeDocument/2006/relationships" xmlns:p="http://schemas.openxmlformats.org/presentationml/2006/main">
   <p:cSld>
     <p:spTree>
       <p:nvGrpSpPr>
@@ -6017,18 +5803,10 @@
           <a:lstStyle/>
           <a:p>
             <a:r>
-              <a:rPr kumimoji="1" lang="ja-JP" altLang="en-US" dirty="0" smtClean="0">
-                <a:solidFill>
-                  <a:srgbClr val="000000"/>
-                </a:solidFill>
-              </a:rPr>
-              <a:t>変換方法</a:t>
-            </a:r>
-            <a:endParaRPr kumimoji="1" lang="ja-JP" altLang="en-US" dirty="0">
-              <a:solidFill>
-                <a:srgbClr val="000000"/>
-              </a:solidFill>
-            </a:endParaRPr>
+              <a:rPr kumimoji="1" lang="ja-JP" altLang="en-US" dirty="0" smtClean="0"/>
+              <a:t>今後の予定</a:t>
+            </a:r>
+            <a:endParaRPr kumimoji="1" lang="ja-JP" altLang="en-US" dirty="0"/>
           </a:p>
         </p:txBody>
       </p:sp>
@@ -6042,396 +5820,57 @@
             <p:ph idx="1"/>
           </p:nvPr>
         </p:nvSpPr>
-        <p:spPr>
-          <a:xfrm>
-            <a:off x="457200" y="1600200"/>
-            <a:ext cx="8229600" cy="497741"/>
-          </a:xfrm>
-        </p:spPr>
+        <p:spPr/>
         <p:txBody>
-          <a:bodyPr>
-            <a:normAutofit fontScale="85000" lnSpcReduction="10000"/>
-          </a:bodyPr>
+          <a:bodyPr/>
           <a:lstStyle/>
           <a:p>
-            <a:pPr marL="0" indent="0" algn="ctr">
-              <a:buNone/>
-            </a:pPr>
-            <a:r>
-              <a:rPr lang="en-US" altLang="ja-JP" sz="2400" dirty="0" smtClean="0">
-                <a:solidFill>
-                  <a:srgbClr val="000000"/>
-                </a:solidFill>
-              </a:rPr>
-              <a:t>8</a:t>
-            </a:r>
-            <a:r>
-              <a:rPr lang="ja-JP" altLang="en-US" sz="2400" dirty="0" smtClean="0">
-                <a:solidFill>
-                  <a:srgbClr val="000000"/>
-                </a:solidFill>
-              </a:rPr>
-              <a:t>ビットのデータ</a:t>
-            </a:r>
-            <a:r>
-              <a:rPr lang="en-US" altLang="ja-JP" sz="2400" dirty="0" smtClean="0">
-                <a:solidFill>
-                  <a:srgbClr val="000000"/>
-                </a:solidFill>
-              </a:rPr>
-              <a:t>(00011011)</a:t>
-            </a:r>
-            <a:r>
-              <a:rPr lang="en-US" altLang="ja-JP" sz="2400" baseline="-25000" dirty="0" smtClean="0">
-                <a:solidFill>
-                  <a:srgbClr val="000000"/>
-                </a:solidFill>
-              </a:rPr>
-              <a:t>2</a:t>
-            </a:r>
-            <a:r>
-              <a:rPr lang="en-US" altLang="ja-JP" sz="2400" dirty="0" smtClean="0">
-                <a:solidFill>
-                  <a:srgbClr val="000000"/>
-                </a:solidFill>
-              </a:rPr>
-              <a:t>(=27)</a:t>
-            </a:r>
-            <a:r>
-              <a:rPr lang="ja-JP" altLang="en-US" sz="2400" dirty="0" smtClean="0">
-                <a:solidFill>
-                  <a:srgbClr val="000000"/>
-                </a:solidFill>
-              </a:rPr>
-              <a:t>を</a:t>
-            </a:r>
-            <a:r>
-              <a:rPr lang="en-US" altLang="ja-JP" sz="2400" dirty="0" smtClean="0">
-                <a:solidFill>
-                  <a:srgbClr val="000000"/>
-                </a:solidFill>
-              </a:rPr>
-              <a:t>16</a:t>
-            </a:r>
-            <a:r>
-              <a:rPr lang="ja-JP" altLang="en-US" sz="2400" dirty="0" smtClean="0">
-                <a:solidFill>
-                  <a:srgbClr val="000000"/>
-                </a:solidFill>
-              </a:rPr>
-              <a:t>ビットの誤りパターンに変換する場合</a:t>
-            </a:r>
-            <a:endParaRPr lang="ja-JP" altLang="en-US" sz="2400" dirty="0">
-              <a:solidFill>
-                <a:srgbClr val="000000"/>
-              </a:solidFill>
-            </a:endParaRPr>
-          </a:p>
-        </p:txBody>
-      </p:sp>
-      <p:graphicFrame>
-        <p:nvGraphicFramePr>
-          <p:cNvPr id="5" name="オブジェクト 4"/>
-          <p:cNvGraphicFramePr>
-            <a:graphicFrameLocks noChangeAspect="1"/>
-          </p:cNvGraphicFramePr>
-          <p:nvPr>
-            <p:extLst>
-              <p:ext uri="{D42A27DB-BD31-4B8C-83A1-F6EECF244321}">
-                <p14:modId xmlns:p14="http://schemas.microsoft.com/office/powerpoint/2010/main" val="3889245643"/>
-              </p:ext>
-            </p:extLst>
-          </p:nvPr>
-        </p:nvGraphicFramePr>
-        <p:xfrm>
-          <a:off x="-1082250" y="4566217"/>
-          <a:ext cx="419100" cy="469900"/>
-        </p:xfrm>
-        <a:graphic>
-          <a:graphicData uri="http://schemas.openxmlformats.org/presentationml/2006/ole">
-            <mc:AlternateContent xmlns:mc="http://schemas.openxmlformats.org/markup-compatibility/2006">
-              <mc:Choice xmlns:v="urn:schemas-microsoft-com:vml" Requires="v">
-                <p:oleObj spid="_x0000_s2176" name="数式" r:id="rId3" imgW="419100" imgH="469900" progId="Equation.3">
-                  <p:embed/>
-                </p:oleObj>
-              </mc:Choice>
-              <mc:Fallback>
-                <p:oleObj name="数式" r:id="rId3" imgW="419100" imgH="469900" progId="Equation.3">
-                  <p:embed/>
-                  <p:pic>
-                    <p:nvPicPr>
-                      <p:cNvPr id="0" name=""/>
-                      <p:cNvPicPr/>
-                      <p:nvPr/>
-                    </p:nvPicPr>
-                    <p:blipFill>
-                      <a:blip r:embed="rId4"/>
-                      <a:stretch>
-                        <a:fillRect/>
-                      </a:stretch>
-                    </p:blipFill>
-                    <p:spPr>
-                      <a:xfrm>
-                        <a:off x="-1082250" y="4566217"/>
-                        <a:ext cx="419100" cy="469900"/>
-                      </a:xfrm>
-                      <a:prstGeom prst="rect">
-                        <a:avLst/>
-                      </a:prstGeom>
-                    </p:spPr>
-                  </p:pic>
-                </p:oleObj>
-              </mc:Fallback>
-            </mc:AlternateContent>
-          </a:graphicData>
-        </a:graphic>
-      </p:graphicFrame>
-      <p:sp>
-        <p:nvSpPr>
-          <p:cNvPr id="10" name="コンテンツ プレースホルダー 2"/>
-          <p:cNvSpPr txBox="1">
-            <a:spLocks/>
-          </p:cNvSpPr>
-          <p:nvPr/>
-        </p:nvSpPr>
-        <p:spPr>
-          <a:xfrm>
-            <a:off x="457200" y="2620207"/>
-            <a:ext cx="8229600" cy="2040012"/>
-          </a:xfrm>
-          <a:prstGeom prst="rect">
-            <a:avLst/>
-          </a:prstGeom>
-        </p:spPr>
-        <p:txBody>
-          <a:bodyPr vert="horz" lIns="91440" tIns="45720" rIns="91440" bIns="45720" rtlCol="0">
-            <a:noAutofit/>
-          </a:bodyPr>
-          <a:lstStyle>
-            <a:lvl1pPr marL="342900" indent="-342900" algn="l" defTabSz="457200" rtl="0" eaLnBrk="1" latinLnBrk="0" hangingPunct="1">
-              <a:spcBef>
-                <a:spcPct val="20000"/>
-              </a:spcBef>
-              <a:buFont typeface="Arial"/>
-              <a:buChar char="•"/>
-              <a:defRPr kumimoji="1" sz="3200" kern="1200">
-                <a:solidFill>
-                  <a:schemeClr val="tx1"/>
-                </a:solidFill>
-                <a:latin typeface="+mn-lt"/>
-                <a:ea typeface="+mn-ea"/>
-                <a:cs typeface="+mn-cs"/>
-              </a:defRPr>
-            </a:lvl1pPr>
-            <a:lvl2pPr marL="742950" indent="-285750" algn="l" defTabSz="457200" rtl="0" eaLnBrk="1" latinLnBrk="0" hangingPunct="1">
-              <a:spcBef>
-                <a:spcPct val="20000"/>
-              </a:spcBef>
-              <a:buFont typeface="Arial"/>
-              <a:buChar char="–"/>
-              <a:defRPr kumimoji="1" sz="2800" kern="1200">
-                <a:solidFill>
-                  <a:schemeClr val="tx1"/>
-                </a:solidFill>
-                <a:latin typeface="+mn-lt"/>
-                <a:ea typeface="+mn-ea"/>
-                <a:cs typeface="+mn-cs"/>
-              </a:defRPr>
-            </a:lvl2pPr>
-            <a:lvl3pPr marL="1143000" indent="-228600" algn="l" defTabSz="457200" rtl="0" eaLnBrk="1" latinLnBrk="0" hangingPunct="1">
-              <a:spcBef>
-                <a:spcPct val="20000"/>
-              </a:spcBef>
-              <a:buFont typeface="Arial"/>
-              <a:buChar char="•"/>
-              <a:defRPr kumimoji="1" sz="2400" kern="1200">
-                <a:solidFill>
-                  <a:schemeClr val="tx1"/>
-                </a:solidFill>
-                <a:latin typeface="+mn-lt"/>
-                <a:ea typeface="+mn-ea"/>
-                <a:cs typeface="+mn-cs"/>
-              </a:defRPr>
-            </a:lvl3pPr>
-            <a:lvl4pPr marL="1600200" indent="-228600" algn="l" defTabSz="457200" rtl="0" eaLnBrk="1" latinLnBrk="0" hangingPunct="1">
-              <a:spcBef>
-                <a:spcPct val="20000"/>
-              </a:spcBef>
-              <a:buFont typeface="Arial"/>
-              <a:buChar char="–"/>
-              <a:defRPr kumimoji="1" sz="2000" kern="1200">
-                <a:solidFill>
-                  <a:schemeClr val="tx1"/>
-                </a:solidFill>
-                <a:latin typeface="+mn-lt"/>
-                <a:ea typeface="+mn-ea"/>
-                <a:cs typeface="+mn-cs"/>
-              </a:defRPr>
-            </a:lvl4pPr>
-            <a:lvl5pPr marL="2057400" indent="-228600" algn="l" defTabSz="457200" rtl="0" eaLnBrk="1" latinLnBrk="0" hangingPunct="1">
-              <a:spcBef>
-                <a:spcPct val="20000"/>
-              </a:spcBef>
-              <a:buFont typeface="Arial"/>
-              <a:buChar char="»"/>
-              <a:defRPr kumimoji="1" sz="2000" kern="1200">
-                <a:solidFill>
-                  <a:schemeClr val="tx1"/>
-                </a:solidFill>
-                <a:latin typeface="+mn-lt"/>
-                <a:ea typeface="+mn-ea"/>
-                <a:cs typeface="+mn-cs"/>
-              </a:defRPr>
-            </a:lvl5pPr>
-            <a:lvl6pPr marL="2514600" indent="-228600" algn="l" defTabSz="457200" rtl="0" eaLnBrk="1" latinLnBrk="0" hangingPunct="1">
-              <a:spcBef>
-                <a:spcPct val="20000"/>
-              </a:spcBef>
-              <a:buFont typeface="Arial"/>
-              <a:buChar char="•"/>
-              <a:defRPr kumimoji="1" sz="2000" kern="1200">
-                <a:solidFill>
-                  <a:schemeClr val="tx1"/>
-                </a:solidFill>
-                <a:latin typeface="+mn-lt"/>
-                <a:ea typeface="+mn-ea"/>
-                <a:cs typeface="+mn-cs"/>
-              </a:defRPr>
-            </a:lvl6pPr>
-            <a:lvl7pPr marL="2971800" indent="-228600" algn="l" defTabSz="457200" rtl="0" eaLnBrk="1" latinLnBrk="0" hangingPunct="1">
-              <a:spcBef>
-                <a:spcPct val="20000"/>
-              </a:spcBef>
-              <a:buFont typeface="Arial"/>
-              <a:buChar char="•"/>
-              <a:defRPr kumimoji="1" sz="2000" kern="1200">
-                <a:solidFill>
-                  <a:schemeClr val="tx1"/>
-                </a:solidFill>
-                <a:latin typeface="+mn-lt"/>
-                <a:ea typeface="+mn-ea"/>
-                <a:cs typeface="+mn-cs"/>
-              </a:defRPr>
-            </a:lvl7pPr>
-            <a:lvl8pPr marL="3429000" indent="-228600" algn="l" defTabSz="457200" rtl="0" eaLnBrk="1" latinLnBrk="0" hangingPunct="1">
-              <a:spcBef>
-                <a:spcPct val="20000"/>
-              </a:spcBef>
-              <a:buFont typeface="Arial"/>
-              <a:buChar char="•"/>
-              <a:defRPr kumimoji="1" sz="2000" kern="1200">
-                <a:solidFill>
-                  <a:schemeClr val="tx1"/>
-                </a:solidFill>
-                <a:latin typeface="+mn-lt"/>
-                <a:ea typeface="+mn-ea"/>
-                <a:cs typeface="+mn-cs"/>
-              </a:defRPr>
-            </a:lvl8pPr>
-            <a:lvl9pPr marL="3886200" indent="-228600" algn="l" defTabSz="457200" rtl="0" eaLnBrk="1" latinLnBrk="0" hangingPunct="1">
-              <a:spcBef>
-                <a:spcPct val="20000"/>
-              </a:spcBef>
-              <a:buFont typeface="Arial"/>
-              <a:buChar char="•"/>
-              <a:defRPr kumimoji="1" sz="2000" kern="1200">
-                <a:solidFill>
-                  <a:schemeClr val="tx1"/>
-                </a:solidFill>
-                <a:latin typeface="+mn-lt"/>
-                <a:ea typeface="+mn-ea"/>
-                <a:cs typeface="+mn-cs"/>
-              </a:defRPr>
-            </a:lvl9pPr>
-          </a:lstStyle>
-          <a:p>
-            <a:pPr marL="0" indent="0">
-              <a:buNone/>
-            </a:pPr>
-            <a:r>
-              <a:rPr lang="ja-JP" altLang="en-US" sz="2800" dirty="0" smtClean="0">
-                <a:solidFill>
-                  <a:srgbClr val="000000"/>
-                </a:solidFill>
-              </a:rPr>
-              <a:t>１．オフセットの計算</a:t>
-            </a:r>
-            <a:endParaRPr lang="en-US" altLang="ja-JP" sz="2800" dirty="0">
-              <a:solidFill>
-                <a:srgbClr val="000000"/>
-              </a:solidFill>
-            </a:endParaRPr>
-          </a:p>
-          <a:p>
-            <a:pPr marL="0" indent="0">
-              <a:buNone/>
-            </a:pPr>
-            <a:r>
-              <a:rPr lang="en-US" altLang="ja-JP" sz="2800" dirty="0">
-                <a:solidFill>
-                  <a:srgbClr val="000000"/>
-                </a:solidFill>
-              </a:rPr>
-              <a:t> </a:t>
-            </a:r>
-            <a:r>
-              <a:rPr lang="en-US" altLang="ja-JP" sz="2800" dirty="0" smtClean="0">
-                <a:solidFill>
-                  <a:srgbClr val="000000"/>
-                </a:solidFill>
-              </a:rPr>
-              <a:t> </a:t>
-            </a:r>
-            <a:endParaRPr lang="en-US" altLang="ja-JP" sz="2400" dirty="0" smtClean="0">
-              <a:solidFill>
-                <a:srgbClr val="000000"/>
-              </a:solidFill>
-            </a:endParaRPr>
-          </a:p>
-          <a:p>
-            <a:pPr lvl="1"/>
-            <a:endParaRPr lang="en-US" altLang="ja-JP" sz="2400" dirty="0" smtClean="0">
-              <a:solidFill>
-                <a:srgbClr val="000000"/>
-              </a:solidFill>
-            </a:endParaRPr>
-          </a:p>
-          <a:p>
-            <a:pPr marL="457200" lvl="1" indent="0">
-              <a:buFont typeface="Arial"/>
-              <a:buNone/>
-            </a:pPr>
-            <a:endParaRPr lang="en-US" altLang="ja-JP" sz="2400" dirty="0" smtClean="0">
-              <a:solidFill>
-                <a:srgbClr val="000000"/>
-              </a:solidFill>
-            </a:endParaRPr>
-          </a:p>
-          <a:p>
-            <a:pPr marL="457200" lvl="1" indent="0">
-              <a:buFont typeface="Arial"/>
-              <a:buNone/>
-            </a:pPr>
-            <a:r>
-              <a:rPr lang="en-US" altLang="ja-JP" sz="2400" dirty="0" smtClean="0">
-                <a:solidFill>
-                  <a:srgbClr val="000000"/>
-                </a:solidFill>
-              </a:rPr>
-              <a:t>    </a:t>
-            </a:r>
-            <a:endParaRPr lang="en-US" altLang="ja-JP" sz="2400" dirty="0">
-              <a:solidFill>
-                <a:srgbClr val="000000"/>
-              </a:solidFill>
-            </a:endParaRPr>
+            <a:r>
+              <a:rPr kumimoji="1" lang="en-US" altLang="ja-JP" dirty="0" smtClean="0"/>
+              <a:t>128bit</a:t>
+            </a:r>
+            <a:r>
+              <a:rPr kumimoji="1" lang="ja-JP" altLang="en-US" dirty="0" smtClean="0"/>
+              <a:t>以上の誤りパターンでのデータの採取</a:t>
+            </a:r>
+            <a:endParaRPr kumimoji="1" lang="en-US" altLang="ja-JP" dirty="0" smtClean="0"/>
+          </a:p>
+          <a:p>
+            <a:endParaRPr lang="en-US" altLang="ja-JP" dirty="0" smtClean="0"/>
+          </a:p>
+          <a:p>
+            <a:r>
+              <a:rPr lang="ja-JP" altLang="en-US" dirty="0" smtClean="0"/>
+              <a:t>さまざまな画像でのデータの採取</a:t>
+            </a:r>
+            <a:endParaRPr lang="en-US" altLang="ja-JP" dirty="0" smtClean="0"/>
+          </a:p>
+          <a:p>
+            <a:endParaRPr kumimoji="1" lang="en-US" altLang="ja-JP" dirty="0" smtClean="0"/>
+          </a:p>
+          <a:p>
+            <a:r>
+              <a:rPr kumimoji="1" lang="en-US" altLang="ja-JP" dirty="0" smtClean="0"/>
+              <a:t>SSIM</a:t>
+            </a:r>
+            <a:r>
+              <a:rPr lang="ja-JP" altLang="en-US" dirty="0" smtClean="0"/>
+              <a:t>を用いた評価</a:t>
+            </a:r>
+            <a:endParaRPr lang="en-US" altLang="ja-JP" dirty="0" smtClean="0"/>
+          </a:p>
+          <a:p>
+            <a:endParaRPr lang="en-US" altLang="ja-JP" dirty="0" smtClean="0"/>
+          </a:p>
+          <a:p>
+            <a:endParaRPr kumimoji="1" lang="ja-JP" altLang="en-US" dirty="0"/>
           </a:p>
         </p:txBody>
       </p:sp>
     </p:spTree>
     <p:extLst>
       <p:ext uri="{BB962C8B-B14F-4D97-AF65-F5344CB8AC3E}">
-        <p14:creationId xmlns:p14="http://schemas.microsoft.com/office/powerpoint/2010/main" val="4247891707"/>
+        <p14:creationId xmlns:p14="http://schemas.microsoft.com/office/powerpoint/2010/main" val="891101383"/>
       </p:ext>
     </p:extLst>
   </p:cSld>
@@ -6440,10 +5879,10 @@
   </p:clrMapOvr>
   <mc:AlternateContent xmlns:mc="http://schemas.openxmlformats.org/markup-compatibility/2006">
     <mc:Choice xmlns:p14="http://schemas.microsoft.com/office/powerpoint/2010/main" Requires="p14">
-      <p:transition spd="slow" p14:dur="2000"/>
+      <p:transition spd="slow" p14:dur="2000" advTm="23743"/>
     </mc:Choice>
     <mc:Fallback>
-      <p:transition xmlns:p14="http://schemas.microsoft.com/office/powerpoint/2010/main" spd="slow"/>
+      <p:transition xmlns:p14="http://schemas.microsoft.com/office/powerpoint/2010/main" spd="slow" advTm="23743"/>
     </mc:Fallback>
   </mc:AlternateContent>
   <p:timing>
@@ -6456,671 +5895,8 @@
 </p:sld>
 </file>
 
-<file path=ppt/slides/slide13.xml><?xml version="1.0" encoding="utf-8"?>
-<p:sld xmlns:a="http://schemas.openxmlformats.org/drawingml/2006/main" xmlns:r="http://schemas.openxmlformats.org/officeDocument/2006/relationships" xmlns:p="http://schemas.openxmlformats.org/presentationml/2006/main" show="0">
-  <p:cSld>
-    <p:spTree>
-      <p:nvGrpSpPr>
-        <p:cNvPr id="1" name=""/>
-        <p:cNvGrpSpPr/>
-        <p:nvPr/>
-      </p:nvGrpSpPr>
-      <p:grpSpPr>
-        <a:xfrm>
-          <a:off x="0" y="0"/>
-          <a:ext cx="0" cy="0"/>
-          <a:chOff x="0" y="0"/>
-          <a:chExt cx="0" cy="0"/>
-        </a:xfrm>
-      </p:grpSpPr>
-      <p:sp>
-        <p:nvSpPr>
-          <p:cNvPr id="2" name="タイトル 1"/>
-          <p:cNvSpPr>
-            <a:spLocks noGrp="1"/>
-          </p:cNvSpPr>
-          <p:nvPr>
-            <p:ph type="title"/>
-          </p:nvPr>
-        </p:nvSpPr>
-        <p:spPr/>
-        <p:txBody>
-          <a:bodyPr>
-            <a:normAutofit/>
-          </a:bodyPr>
-          <a:lstStyle/>
-          <a:p>
-            <a:r>
-              <a:rPr kumimoji="1" lang="en-US" altLang="ja-JP" sz="3600" dirty="0" smtClean="0"/>
-              <a:t>LSB</a:t>
-            </a:r>
-            <a:r>
-              <a:rPr kumimoji="1" lang="ja-JP" altLang="en-US" sz="3600" dirty="0" smtClean="0"/>
-              <a:t>法と誤りパターン埋め込み法の比較</a:t>
-            </a:r>
-            <a:endParaRPr kumimoji="1" lang="ja-JP" altLang="en-US" sz="3600" dirty="0"/>
-          </a:p>
-        </p:txBody>
-      </p:sp>
-      <p:graphicFrame>
-        <p:nvGraphicFramePr>
-          <p:cNvPr id="5" name="コンテンツ プレースホルダー 4"/>
-          <p:cNvGraphicFramePr>
-            <a:graphicFrameLocks noGrp="1"/>
-          </p:cNvGraphicFramePr>
-          <p:nvPr>
-            <p:ph idx="1"/>
-            <p:extLst>
-              <p:ext uri="{D42A27DB-BD31-4B8C-83A1-F6EECF244321}">
-                <p14:modId xmlns:p14="http://schemas.microsoft.com/office/powerpoint/2010/main" val="4190969743"/>
-              </p:ext>
-            </p:extLst>
-          </p:nvPr>
-        </p:nvGraphicFramePr>
-        <p:xfrm>
-          <a:off x="457200" y="2144529"/>
-          <a:ext cx="8229600" cy="2595684"/>
-        </p:xfrm>
-        <a:graphic>
-          <a:graphicData uri="http://schemas.openxmlformats.org/drawingml/2006/table">
-            <a:tbl>
-              <a:tblPr firstRow="1" bandRow="1">
-                <a:tableStyleId>{BDBED569-4797-4DF1-A0F4-6AAB3CD982D8}</a:tableStyleId>
-              </a:tblPr>
-              <a:tblGrid>
-                <a:gridCol w="2128237"/>
-                <a:gridCol w="3358163"/>
-                <a:gridCol w="2743200"/>
-              </a:tblGrid>
-              <a:tr h="865228">
-                <a:tc>
-                  <a:txBody>
-                    <a:bodyPr/>
-                    <a:lstStyle/>
-                    <a:p>
-                      <a:pPr algn="ctr"/>
-                      <a:endParaRPr kumimoji="1" lang="ja-JP" altLang="en-US" dirty="0"/>
-                    </a:p>
-                  </a:txBody>
-                  <a:tcPr anchor="ctr">
-                    <a:lnL w="12700" cap="flat" cmpd="sng" algn="ctr">
-                      <a:solidFill>
-                        <a:srgbClr val="FFFFFF"/>
-                      </a:solidFill>
-                      <a:prstDash val="solid"/>
-                      <a:round/>
-                      <a:headEnd type="none" w="med" len="med"/>
-                      <a:tailEnd type="none" w="med" len="med"/>
-                    </a:lnL>
-                    <a:lnR w="12700" cap="flat" cmpd="sng" algn="ctr">
-                      <a:solidFill>
-                        <a:srgbClr val="FFFFFF"/>
-                      </a:solidFill>
-                      <a:prstDash val="solid"/>
-                      <a:round/>
-                      <a:headEnd type="none" w="med" len="med"/>
-                      <a:tailEnd type="none" w="med" len="med"/>
-                    </a:lnR>
-                    <a:lnT w="12700" cap="flat" cmpd="sng" algn="ctr">
-                      <a:solidFill>
-                        <a:srgbClr val="FFFFFF"/>
-                      </a:solidFill>
-                      <a:prstDash val="solid"/>
-                      <a:round/>
-                      <a:headEnd type="none" w="med" len="med"/>
-                      <a:tailEnd type="none" w="med" len="med"/>
-                    </a:lnT>
-                    <a:lnB w="12700" cap="flat" cmpd="sng" algn="ctr">
-                      <a:solidFill>
-                        <a:srgbClr val="FFFFFF"/>
-                      </a:solidFill>
-                      <a:prstDash val="solid"/>
-                      <a:round/>
-                      <a:headEnd type="none" w="med" len="med"/>
-                      <a:tailEnd type="none" w="med" len="med"/>
-                    </a:lnB>
-                    <a:lnTlToBr w="12700" cmpd="sng">
-                      <a:noFill/>
-                      <a:prstDash val="solid"/>
-                    </a:lnTlToBr>
-                    <a:lnBlToTr w="12700" cmpd="sng">
-                      <a:noFill/>
-                      <a:prstDash val="solid"/>
-                    </a:lnBlToTr>
-                    <a:noFill/>
-                  </a:tcPr>
-                </a:tc>
-                <a:tc>
-                  <a:txBody>
-                    <a:bodyPr/>
-                    <a:lstStyle/>
-                    <a:p>
-                      <a:pPr algn="ctr"/>
-                      <a:r>
-                        <a:rPr kumimoji="1" lang="en-US" altLang="ja-JP" dirty="0" smtClean="0"/>
-                        <a:t>LSB</a:t>
-                      </a:r>
-                      <a:r>
-                        <a:rPr kumimoji="1" lang="ja-JP" altLang="en-US" dirty="0" smtClean="0"/>
-                        <a:t>法</a:t>
-                      </a:r>
-                      <a:endParaRPr kumimoji="1" lang="ja-JP" altLang="en-US" dirty="0"/>
-                    </a:p>
-                  </a:txBody>
-                  <a:tcPr anchor="ctr">
-                    <a:lnL w="12700" cap="flat" cmpd="sng" algn="ctr">
-                      <a:solidFill>
-                        <a:srgbClr val="FFFFFF"/>
-                      </a:solidFill>
-                      <a:prstDash val="solid"/>
-                      <a:round/>
-                      <a:headEnd type="none" w="med" len="med"/>
-                      <a:tailEnd type="none" w="med" len="med"/>
-                    </a:lnL>
-                    <a:lnR w="12700" cap="flat" cmpd="sng" algn="ctr">
-                      <a:solidFill>
-                        <a:srgbClr val="FFFFFF"/>
-                      </a:solidFill>
-                      <a:prstDash val="solid"/>
-                      <a:round/>
-                      <a:headEnd type="none" w="med" len="med"/>
-                      <a:tailEnd type="none" w="med" len="med"/>
-                    </a:lnR>
-                    <a:lnT w="12700" cap="flat" cmpd="sng" algn="ctr">
-                      <a:solidFill>
-                        <a:srgbClr val="FFFFFF"/>
-                      </a:solidFill>
-                      <a:prstDash val="solid"/>
-                      <a:round/>
-                      <a:headEnd type="none" w="med" len="med"/>
-                      <a:tailEnd type="none" w="med" len="med"/>
-                    </a:lnT>
-                    <a:lnB w="12700" cap="flat" cmpd="sng" algn="ctr">
-                      <a:solidFill>
-                        <a:srgbClr val="FFFFFF"/>
-                      </a:solidFill>
-                      <a:prstDash val="solid"/>
-                      <a:round/>
-                      <a:headEnd type="none" w="med" len="med"/>
-                      <a:tailEnd type="none" w="med" len="med"/>
-                    </a:lnB>
-                    <a:lnTlToBr w="12700" cmpd="sng">
-                      <a:noFill/>
-                      <a:prstDash val="solid"/>
-                    </a:lnTlToBr>
-                    <a:lnBlToTr w="12700" cmpd="sng">
-                      <a:noFill/>
-                      <a:prstDash val="solid"/>
-                    </a:lnBlToTr>
-                    <a:noFill/>
-                  </a:tcPr>
-                </a:tc>
-                <a:tc>
-                  <a:txBody>
-                    <a:bodyPr/>
-                    <a:lstStyle/>
-                    <a:p>
-                      <a:pPr algn="ctr"/>
-                      <a:r>
-                        <a:rPr kumimoji="1" lang="ja-JP" altLang="en-US" dirty="0" smtClean="0"/>
-                        <a:t>誤りパターン埋め込み法</a:t>
-                      </a:r>
-                      <a:endParaRPr kumimoji="1" lang="ja-JP" altLang="en-US" dirty="0"/>
-                    </a:p>
-                  </a:txBody>
-                  <a:tcPr anchor="ctr">
-                    <a:lnL w="12700" cap="flat" cmpd="sng" algn="ctr">
-                      <a:solidFill>
-                        <a:srgbClr val="FFFFFF"/>
-                      </a:solidFill>
-                      <a:prstDash val="solid"/>
-                      <a:round/>
-                      <a:headEnd type="none" w="med" len="med"/>
-                      <a:tailEnd type="none" w="med" len="med"/>
-                    </a:lnL>
-                    <a:lnR w="12700" cap="flat" cmpd="sng" algn="ctr">
-                      <a:solidFill>
-                        <a:srgbClr val="FFFFFF"/>
-                      </a:solidFill>
-                      <a:prstDash val="solid"/>
-                      <a:round/>
-                      <a:headEnd type="none" w="med" len="med"/>
-                      <a:tailEnd type="none" w="med" len="med"/>
-                    </a:lnR>
-                    <a:lnT w="12700" cap="flat" cmpd="sng" algn="ctr">
-                      <a:solidFill>
-                        <a:srgbClr val="FFFFFF"/>
-                      </a:solidFill>
-                      <a:prstDash val="solid"/>
-                      <a:round/>
-                      <a:headEnd type="none" w="med" len="med"/>
-                      <a:tailEnd type="none" w="med" len="med"/>
-                    </a:lnT>
-                    <a:lnB w="12700" cap="flat" cmpd="sng" algn="ctr">
-                      <a:solidFill>
-                        <a:srgbClr val="FFFFFF"/>
-                      </a:solidFill>
-                      <a:prstDash val="solid"/>
-                      <a:round/>
-                      <a:headEnd type="none" w="med" len="med"/>
-                      <a:tailEnd type="none" w="med" len="med"/>
-                    </a:lnB>
-                    <a:lnTlToBr w="12700" cmpd="sng">
-                      <a:noFill/>
-                      <a:prstDash val="solid"/>
-                    </a:lnTlToBr>
-                    <a:lnBlToTr w="12700" cmpd="sng">
-                      <a:noFill/>
-                      <a:prstDash val="solid"/>
-                    </a:lnBlToTr>
-                    <a:noFill/>
-                  </a:tcPr>
-                </a:tc>
-              </a:tr>
-              <a:tr h="865228">
-                <a:tc>
-                  <a:txBody>
-                    <a:bodyPr/>
-                    <a:lstStyle/>
-                    <a:p>
-                      <a:pPr algn="ctr"/>
-                      <a:r>
-                        <a:rPr kumimoji="1" lang="ja-JP" altLang="en-US" dirty="0" smtClean="0"/>
-                        <a:t>誤り率</a:t>
-                      </a:r>
-                      <a:endParaRPr kumimoji="1" lang="ja-JP" altLang="en-US" dirty="0"/>
-                    </a:p>
-                  </a:txBody>
-                  <a:tcPr anchor="ctr">
-                    <a:lnL w="12700" cap="flat" cmpd="sng" algn="ctr">
-                      <a:solidFill>
-                        <a:srgbClr val="FFFFFF"/>
-                      </a:solidFill>
-                      <a:prstDash val="solid"/>
-                      <a:round/>
-                      <a:headEnd type="none" w="med" len="med"/>
-                      <a:tailEnd type="none" w="med" len="med"/>
-                    </a:lnL>
-                    <a:lnR w="12700" cap="flat" cmpd="sng" algn="ctr">
-                      <a:solidFill>
-                        <a:srgbClr val="FFFFFF"/>
-                      </a:solidFill>
-                      <a:prstDash val="solid"/>
-                      <a:round/>
-                      <a:headEnd type="none" w="med" len="med"/>
-                      <a:tailEnd type="none" w="med" len="med"/>
-                    </a:lnR>
-                    <a:lnT w="12700" cap="flat" cmpd="sng" algn="ctr">
-                      <a:solidFill>
-                        <a:srgbClr val="FFFFFF"/>
-                      </a:solidFill>
-                      <a:prstDash val="solid"/>
-                      <a:round/>
-                      <a:headEnd type="none" w="med" len="med"/>
-                      <a:tailEnd type="none" w="med" len="med"/>
-                    </a:lnT>
-                    <a:lnB w="12700" cap="flat" cmpd="sng" algn="ctr">
-                      <a:solidFill>
-                        <a:srgbClr val="FFFFFF"/>
-                      </a:solidFill>
-                      <a:prstDash val="solid"/>
-                      <a:round/>
-                      <a:headEnd type="none" w="med" len="med"/>
-                      <a:tailEnd type="none" w="med" len="med"/>
-                    </a:lnB>
-                    <a:lnTlToBr w="12700" cmpd="sng">
-                      <a:noFill/>
-                      <a:prstDash val="solid"/>
-                    </a:lnTlToBr>
-                    <a:lnBlToTr w="12700" cmpd="sng">
-                      <a:noFill/>
-                      <a:prstDash val="solid"/>
-                    </a:lnBlToTr>
-                    <a:noFill/>
-                  </a:tcPr>
-                </a:tc>
-                <a:tc>
-                  <a:txBody>
-                    <a:bodyPr/>
-                    <a:lstStyle/>
-                    <a:p>
-                      <a:pPr algn="ctr"/>
-                      <a:r>
-                        <a:rPr kumimoji="1" lang="ja-JP" altLang="en-US" dirty="0" smtClean="0"/>
-                        <a:t>高い</a:t>
-                      </a:r>
-                      <a:endParaRPr kumimoji="1" lang="ja-JP" altLang="en-US" dirty="0"/>
-                    </a:p>
-                  </a:txBody>
-                  <a:tcPr anchor="ctr">
-                    <a:lnL w="12700" cap="flat" cmpd="sng" algn="ctr">
-                      <a:solidFill>
-                        <a:srgbClr val="FFFFFF"/>
-                      </a:solidFill>
-                      <a:prstDash val="solid"/>
-                      <a:round/>
-                      <a:headEnd type="none" w="med" len="med"/>
-                      <a:tailEnd type="none" w="med" len="med"/>
-                    </a:lnL>
-                    <a:lnR w="12700" cap="flat" cmpd="sng" algn="ctr">
-                      <a:solidFill>
-                        <a:srgbClr val="FFFFFF"/>
-                      </a:solidFill>
-                      <a:prstDash val="solid"/>
-                      <a:round/>
-                      <a:headEnd type="none" w="med" len="med"/>
-                      <a:tailEnd type="none" w="med" len="med"/>
-                    </a:lnR>
-                    <a:lnT w="12700" cap="flat" cmpd="sng" algn="ctr">
-                      <a:solidFill>
-                        <a:srgbClr val="FFFFFF"/>
-                      </a:solidFill>
-                      <a:prstDash val="solid"/>
-                      <a:round/>
-                      <a:headEnd type="none" w="med" len="med"/>
-                      <a:tailEnd type="none" w="med" len="med"/>
-                    </a:lnT>
-                    <a:lnB w="12700" cap="flat" cmpd="sng" algn="ctr">
-                      <a:solidFill>
-                        <a:srgbClr val="FFFFFF"/>
-                      </a:solidFill>
-                      <a:prstDash val="solid"/>
-                      <a:round/>
-                      <a:headEnd type="none" w="med" len="med"/>
-                      <a:tailEnd type="none" w="med" len="med"/>
-                    </a:lnB>
-                    <a:lnTlToBr w="12700" cmpd="sng">
-                      <a:noFill/>
-                      <a:prstDash val="solid"/>
-                    </a:lnTlToBr>
-                    <a:lnBlToTr w="12700" cmpd="sng">
-                      <a:noFill/>
-                      <a:prstDash val="solid"/>
-                    </a:lnBlToTr>
-                    <a:noFill/>
-                  </a:tcPr>
-                </a:tc>
-                <a:tc>
-                  <a:txBody>
-                    <a:bodyPr/>
-                    <a:lstStyle/>
-                    <a:p>
-                      <a:pPr algn="ctr"/>
-                      <a:r>
-                        <a:rPr kumimoji="1" lang="ja-JP" altLang="en-US" dirty="0" smtClean="0"/>
-                        <a:t>低い</a:t>
-                      </a:r>
-                      <a:endParaRPr kumimoji="1" lang="ja-JP" altLang="en-US" dirty="0"/>
-                    </a:p>
-                  </a:txBody>
-                  <a:tcPr anchor="ctr">
-                    <a:lnL w="12700" cap="flat" cmpd="sng" algn="ctr">
-                      <a:solidFill>
-                        <a:srgbClr val="FFFFFF"/>
-                      </a:solidFill>
-                      <a:prstDash val="solid"/>
-                      <a:round/>
-                      <a:headEnd type="none" w="med" len="med"/>
-                      <a:tailEnd type="none" w="med" len="med"/>
-                    </a:lnL>
-                    <a:lnR w="12700" cap="flat" cmpd="sng" algn="ctr">
-                      <a:solidFill>
-                        <a:srgbClr val="FFFFFF"/>
-                      </a:solidFill>
-                      <a:prstDash val="solid"/>
-                      <a:round/>
-                      <a:headEnd type="none" w="med" len="med"/>
-                      <a:tailEnd type="none" w="med" len="med"/>
-                    </a:lnR>
-                    <a:lnT w="12700" cap="flat" cmpd="sng" algn="ctr">
-                      <a:solidFill>
-                        <a:srgbClr val="FFFFFF"/>
-                      </a:solidFill>
-                      <a:prstDash val="solid"/>
-                      <a:round/>
-                      <a:headEnd type="none" w="med" len="med"/>
-                      <a:tailEnd type="none" w="med" len="med"/>
-                    </a:lnT>
-                    <a:lnB w="12700" cap="flat" cmpd="sng" algn="ctr">
-                      <a:solidFill>
-                        <a:srgbClr val="FFFFFF"/>
-                      </a:solidFill>
-                      <a:prstDash val="solid"/>
-                      <a:round/>
-                      <a:headEnd type="none" w="med" len="med"/>
-                      <a:tailEnd type="none" w="med" len="med"/>
-                    </a:lnB>
-                    <a:lnTlToBr w="12700" cmpd="sng">
-                      <a:noFill/>
-                      <a:prstDash val="solid"/>
-                    </a:lnTlToBr>
-                    <a:lnBlToTr w="12700" cmpd="sng">
-                      <a:noFill/>
-                      <a:prstDash val="solid"/>
-                    </a:lnBlToTr>
-                    <a:noFill/>
-                  </a:tcPr>
-                </a:tc>
-              </a:tr>
-              <a:tr h="865228">
-                <a:tc>
-                  <a:txBody>
-                    <a:bodyPr/>
-                    <a:lstStyle/>
-                    <a:p>
-                      <a:pPr algn="ctr"/>
-                      <a:r>
-                        <a:rPr kumimoji="1" lang="ja-JP" altLang="en-US" dirty="0" smtClean="0"/>
-                        <a:t>埋め込み率</a:t>
-                      </a:r>
-                      <a:endParaRPr kumimoji="1" lang="ja-JP" altLang="en-US" dirty="0"/>
-                    </a:p>
-                  </a:txBody>
-                  <a:tcPr anchor="ctr">
-                    <a:lnL w="12700" cap="flat" cmpd="sng" algn="ctr">
-                      <a:solidFill>
-                        <a:srgbClr val="FFFFFF"/>
-                      </a:solidFill>
-                      <a:prstDash val="solid"/>
-                      <a:round/>
-                      <a:headEnd type="none" w="med" len="med"/>
-                      <a:tailEnd type="none" w="med" len="med"/>
-                    </a:lnL>
-                    <a:lnR w="12700" cap="flat" cmpd="sng" algn="ctr">
-                      <a:solidFill>
-                        <a:srgbClr val="FFFFFF"/>
-                      </a:solidFill>
-                      <a:prstDash val="solid"/>
-                      <a:round/>
-                      <a:headEnd type="none" w="med" len="med"/>
-                      <a:tailEnd type="none" w="med" len="med"/>
-                    </a:lnR>
-                    <a:lnT w="12700" cap="flat" cmpd="sng" algn="ctr">
-                      <a:solidFill>
-                        <a:srgbClr val="FFFFFF"/>
-                      </a:solidFill>
-                      <a:prstDash val="solid"/>
-                      <a:round/>
-                      <a:headEnd type="none" w="med" len="med"/>
-                      <a:tailEnd type="none" w="med" len="med"/>
-                    </a:lnT>
-                    <a:lnB w="12700" cap="flat" cmpd="sng" algn="ctr">
-                      <a:solidFill>
-                        <a:srgbClr val="FFFFFF"/>
-                      </a:solidFill>
-                      <a:prstDash val="solid"/>
-                      <a:round/>
-                      <a:headEnd type="none" w="med" len="med"/>
-                      <a:tailEnd type="none" w="med" len="med"/>
-                    </a:lnB>
-                    <a:lnTlToBr w="12700" cmpd="sng">
-                      <a:noFill/>
-                      <a:prstDash val="solid"/>
-                    </a:lnTlToBr>
-                    <a:lnBlToTr w="12700" cmpd="sng">
-                      <a:noFill/>
-                      <a:prstDash val="solid"/>
-                    </a:lnBlToTr>
-                    <a:noFill/>
-                  </a:tcPr>
-                </a:tc>
-                <a:tc>
-                  <a:txBody>
-                    <a:bodyPr/>
-                    <a:lstStyle/>
-                    <a:p>
-                      <a:pPr algn="ctr"/>
-                      <a:r>
-                        <a:rPr kumimoji="1" lang="ja-JP" altLang="en-US" dirty="0" smtClean="0"/>
-                        <a:t>低い</a:t>
-                      </a:r>
-                      <a:endParaRPr kumimoji="1" lang="ja-JP" altLang="en-US" dirty="0"/>
-                    </a:p>
-                  </a:txBody>
-                  <a:tcPr anchor="ctr">
-                    <a:lnL w="12700" cap="flat" cmpd="sng" algn="ctr">
-                      <a:solidFill>
-                        <a:srgbClr val="FFFFFF"/>
-                      </a:solidFill>
-                      <a:prstDash val="solid"/>
-                      <a:round/>
-                      <a:headEnd type="none" w="med" len="med"/>
-                      <a:tailEnd type="none" w="med" len="med"/>
-                    </a:lnL>
-                    <a:lnR w="12700" cap="flat" cmpd="sng" algn="ctr">
-                      <a:solidFill>
-                        <a:srgbClr val="FFFFFF"/>
-                      </a:solidFill>
-                      <a:prstDash val="solid"/>
-                      <a:round/>
-                      <a:headEnd type="none" w="med" len="med"/>
-                      <a:tailEnd type="none" w="med" len="med"/>
-                    </a:lnR>
-                    <a:lnT w="12700" cap="flat" cmpd="sng" algn="ctr">
-                      <a:solidFill>
-                        <a:srgbClr val="FFFFFF"/>
-                      </a:solidFill>
-                      <a:prstDash val="solid"/>
-                      <a:round/>
-                      <a:headEnd type="none" w="med" len="med"/>
-                      <a:tailEnd type="none" w="med" len="med"/>
-                    </a:lnT>
-                    <a:lnB w="12700" cap="flat" cmpd="sng" algn="ctr">
-                      <a:solidFill>
-                        <a:srgbClr val="FFFFFF"/>
-                      </a:solidFill>
-                      <a:prstDash val="solid"/>
-                      <a:round/>
-                      <a:headEnd type="none" w="med" len="med"/>
-                      <a:tailEnd type="none" w="med" len="med"/>
-                    </a:lnB>
-                    <a:lnTlToBr w="12700" cmpd="sng">
-                      <a:noFill/>
-                      <a:prstDash val="solid"/>
-                    </a:lnTlToBr>
-                    <a:lnBlToTr w="12700" cmpd="sng">
-                      <a:noFill/>
-                      <a:prstDash val="solid"/>
-                    </a:lnBlToTr>
-                    <a:noFill/>
-                  </a:tcPr>
-                </a:tc>
-                <a:tc>
-                  <a:txBody>
-                    <a:bodyPr/>
-                    <a:lstStyle/>
-                    <a:p>
-                      <a:pPr algn="ctr"/>
-                      <a:r>
-                        <a:rPr kumimoji="1" lang="ja-JP" altLang="en-US" dirty="0" smtClean="0"/>
-                        <a:t>高い</a:t>
-                      </a:r>
-                      <a:endParaRPr kumimoji="1" lang="ja-JP" altLang="en-US" dirty="0"/>
-                    </a:p>
-                  </a:txBody>
-                  <a:tcPr anchor="ctr">
-                    <a:lnL w="12700" cap="flat" cmpd="sng" algn="ctr">
-                      <a:solidFill>
-                        <a:srgbClr val="FFFFFF"/>
-                      </a:solidFill>
-                      <a:prstDash val="solid"/>
-                      <a:round/>
-                      <a:headEnd type="none" w="med" len="med"/>
-                      <a:tailEnd type="none" w="med" len="med"/>
-                    </a:lnL>
-                    <a:lnR w="12700" cap="flat" cmpd="sng" algn="ctr">
-                      <a:solidFill>
-                        <a:srgbClr val="FFFFFF"/>
-                      </a:solidFill>
-                      <a:prstDash val="solid"/>
-                      <a:round/>
-                      <a:headEnd type="none" w="med" len="med"/>
-                      <a:tailEnd type="none" w="med" len="med"/>
-                    </a:lnR>
-                    <a:lnT w="12700" cap="flat" cmpd="sng" algn="ctr">
-                      <a:solidFill>
-                        <a:srgbClr val="FFFFFF"/>
-                      </a:solidFill>
-                      <a:prstDash val="solid"/>
-                      <a:round/>
-                      <a:headEnd type="none" w="med" len="med"/>
-                      <a:tailEnd type="none" w="med" len="med"/>
-                    </a:lnT>
-                    <a:lnB w="12700" cap="flat" cmpd="sng" algn="ctr">
-                      <a:solidFill>
-                        <a:srgbClr val="FFFFFF"/>
-                      </a:solidFill>
-                      <a:prstDash val="solid"/>
-                      <a:round/>
-                      <a:headEnd type="none" w="med" len="med"/>
-                      <a:tailEnd type="none" w="med" len="med"/>
-                    </a:lnB>
-                    <a:lnTlToBr w="12700" cmpd="sng">
-                      <a:noFill/>
-                      <a:prstDash val="solid"/>
-                    </a:lnTlToBr>
-                    <a:lnBlToTr w="12700" cmpd="sng">
-                      <a:noFill/>
-                      <a:prstDash val="solid"/>
-                    </a:lnBlToTr>
-                    <a:noFill/>
-                  </a:tcPr>
-                </a:tc>
-              </a:tr>
-            </a:tbl>
-          </a:graphicData>
-        </a:graphic>
-      </p:graphicFrame>
-    </p:spTree>
-    <p:extLst>
-      <p:ext uri="{BB962C8B-B14F-4D97-AF65-F5344CB8AC3E}">
-        <p14:creationId xmlns:p14="http://schemas.microsoft.com/office/powerpoint/2010/main" val="3270822321"/>
-      </p:ext>
-    </p:extLst>
-  </p:cSld>
-  <p:clrMapOvr>
-    <a:masterClrMapping/>
-  </p:clrMapOvr>
-  <mc:AlternateContent xmlns:mc="http://schemas.openxmlformats.org/markup-compatibility/2006">
-    <mc:Choice xmlns:p14="http://schemas.microsoft.com/office/powerpoint/2010/main" Requires="p14">
-      <p:transition spd="slow" p14:dur="2000"/>
-    </mc:Choice>
-    <mc:Fallback>
-      <p:transition xmlns:p14="http://schemas.microsoft.com/office/powerpoint/2010/main" spd="slow"/>
-    </mc:Fallback>
-  </mc:AlternateContent>
-  <p:timing>
-    <p:tnLst>
-      <p:par>
-        <p:cTn xmlns:p14="http://schemas.microsoft.com/office/powerpoint/2010/main" id="1" dur="indefinite" restart="never" nodeType="tmRoot"/>
-      </p:par>
-    </p:tnLst>
-  </p:timing>
-</p:sld>
-</file>
-
-<file path=ppt/slides/slide14.xml><?xml version="1.0" encoding="utf-8"?>
-<p:sld xmlns:a="http://schemas.openxmlformats.org/drawingml/2006/main" xmlns:r="http://schemas.openxmlformats.org/officeDocument/2006/relationships" xmlns:p="http://schemas.openxmlformats.org/presentationml/2006/main" show="0">
+<file path=ppt/slides/slide12.xml><?xml version="1.0" encoding="utf-8"?>
+<p:sld xmlns:a="http://schemas.openxmlformats.org/drawingml/2006/main" xmlns:r="http://schemas.openxmlformats.org/officeDocument/2006/relationships" xmlns:p="http://schemas.openxmlformats.org/presentationml/2006/main">
   <p:cSld>
     <p:spTree>
       <p:nvGrpSpPr>
@@ -9559,7 +8335,7 @@
           <a:graphicData uri="http://schemas.openxmlformats.org/presentationml/2006/ole">
             <mc:AlternateContent xmlns:mc="http://schemas.openxmlformats.org/markup-compatibility/2006">
               <mc:Choice xmlns:v="urn:schemas-microsoft-com:vml" Requires="v">
-                <p:oleObj spid="_x0000_s5229" name="数式" r:id="rId7" imgW="2108200" imgH="495300" progId="Equation.3">
+                <p:oleObj spid="_x0000_s5247" name="数式" r:id="rId7" imgW="2108200" imgH="495300" progId="Equation.3">
                   <p:embed/>
                 </p:oleObj>
               </mc:Choice>
@@ -11765,8 +10541,8 @@
 </p:sld>
 </file>
 
-<file path=ppt/slides/slide15.xml><?xml version="1.0" encoding="utf-8"?>
-<p:sld xmlns:a="http://schemas.openxmlformats.org/drawingml/2006/main" xmlns:r="http://schemas.openxmlformats.org/officeDocument/2006/relationships" xmlns:p="http://schemas.openxmlformats.org/presentationml/2006/main" show="0">
+<file path=ppt/slides/slide13.xml><?xml version="1.0" encoding="utf-8"?>
+<p:sld xmlns:a="http://schemas.openxmlformats.org/drawingml/2006/main" xmlns:r="http://schemas.openxmlformats.org/officeDocument/2006/relationships" xmlns:p="http://schemas.openxmlformats.org/presentationml/2006/main">
   <p:cSld>
     <p:spTree>
       <p:nvGrpSpPr>
@@ -11798,8 +10574,8 @@
           <a:lstStyle/>
           <a:p>
             <a:r>
-              <a:rPr kumimoji="1" lang="ja-JP" altLang="en-US" dirty="0" smtClean="0"/>
-              <a:t>本研究の目的</a:t>
+              <a:rPr kumimoji="1" lang="en-US" altLang="ja-JP" dirty="0" smtClean="0"/>
+              <a:t>PSNR</a:t>
             </a:r>
             <a:endParaRPr kumimoji="1" lang="ja-JP" altLang="en-US" dirty="0"/>
           </a:p>
@@ -11817,254 +10593,123 @@
         </p:nvSpPr>
         <p:spPr/>
         <p:txBody>
-          <a:bodyPr>
-            <a:normAutofit/>
-          </a:bodyPr>
+          <a:bodyPr/>
           <a:lstStyle/>
           <a:p>
             <a:r>
-              <a:rPr lang="ja-JP" altLang="en-US" sz="2800" dirty="0" smtClean="0">
-                <a:solidFill>
-                  <a:srgbClr val="000000"/>
-                </a:solidFill>
-              </a:rPr>
-              <a:t>目的１</a:t>
-            </a:r>
-            <a:endParaRPr lang="en-US" altLang="ja-JP" sz="2800" dirty="0" smtClean="0">
-              <a:solidFill>
-                <a:srgbClr val="000000"/>
-              </a:solidFill>
-            </a:endParaRPr>
+              <a:rPr kumimoji="1" lang="ja-JP" altLang="en-US" dirty="0" smtClean="0"/>
+              <a:t>概要</a:t>
+            </a:r>
+            <a:endParaRPr lang="en-US" altLang="ja-JP" dirty="0"/>
           </a:p>
           <a:p>
             <a:pPr lvl="1"/>
             <a:r>
-              <a:rPr lang="ja-JP" altLang="en-US" sz="2400" dirty="0" smtClean="0">
-                <a:solidFill>
-                  <a:srgbClr val="000000"/>
-                </a:solidFill>
-              </a:rPr>
-              <a:t>誤りパターン埋め込み法におけるテキスト情報埋め込み時の画質劣化と埋め込み率のトレードオフ関係を実験的に明らかにする．</a:t>
-            </a:r>
-            <a:endParaRPr lang="en-US" altLang="ja-JP" sz="2400" dirty="0" smtClean="0">
-              <a:solidFill>
-                <a:srgbClr val="000000"/>
-              </a:solidFill>
-            </a:endParaRPr>
-          </a:p>
-          <a:p>
-            <a:pPr marL="457200" lvl="1" indent="0">
-              <a:buNone/>
-            </a:pPr>
-            <a:endParaRPr lang="en-US" altLang="ja-JP" sz="2400" dirty="0" smtClean="0">
-              <a:solidFill>
-                <a:srgbClr val="000000"/>
-              </a:solidFill>
-            </a:endParaRPr>
-          </a:p>
-          <a:p>
-            <a:endParaRPr lang="en-US" altLang="ja-JP" sz="2800" dirty="0" smtClean="0">
-              <a:solidFill>
-                <a:srgbClr val="000000"/>
-              </a:solidFill>
-            </a:endParaRPr>
-          </a:p>
-          <a:p>
-            <a:r>
-              <a:rPr lang="ja-JP" altLang="en-US" sz="2800" dirty="0" smtClean="0">
-                <a:solidFill>
-                  <a:srgbClr val="000000"/>
-                </a:solidFill>
-              </a:rPr>
-              <a:t>目的２</a:t>
-            </a:r>
-            <a:endParaRPr lang="en-US" altLang="ja-JP" sz="2800" dirty="0" smtClean="0">
-              <a:solidFill>
-                <a:srgbClr val="000000"/>
-              </a:solidFill>
-            </a:endParaRPr>
+              <a:rPr lang="ja-JP" altLang="en-US" dirty="0"/>
+              <a:t>ピーク信号対雑音比の略称</a:t>
+            </a:r>
+            <a:endParaRPr lang="en-US" altLang="ja-JP" dirty="0"/>
           </a:p>
           <a:p>
             <a:pPr lvl="1"/>
             <a:r>
-              <a:rPr lang="en-US" altLang="ja-JP" sz="2400" dirty="0" err="1">
-                <a:solidFill>
-                  <a:srgbClr val="000000"/>
-                </a:solidFill>
-              </a:rPr>
-              <a:t>Shalkwijk</a:t>
-            </a:r>
-            <a:r>
-              <a:rPr lang="ja-JP" altLang="en-US" sz="2400" dirty="0">
-                <a:solidFill>
-                  <a:srgbClr val="000000"/>
-                </a:solidFill>
-              </a:rPr>
-              <a:t>の数え上げ符号を</a:t>
-            </a:r>
-            <a:r>
-              <a:rPr lang="ja-JP" altLang="en-US" sz="2400" dirty="0" smtClean="0">
-                <a:solidFill>
-                  <a:srgbClr val="000000"/>
-                </a:solidFill>
-              </a:rPr>
-              <a:t>用いた誤りパターンの</a:t>
-            </a:r>
-            <a:r>
-              <a:rPr lang="ja-JP" altLang="en-US" sz="2400" dirty="0">
-                <a:solidFill>
-                  <a:srgbClr val="000000"/>
-                </a:solidFill>
-              </a:rPr>
-              <a:t>動的</a:t>
-            </a:r>
-            <a:r>
-              <a:rPr lang="ja-JP" altLang="en-US" sz="2400" dirty="0" smtClean="0">
-                <a:solidFill>
-                  <a:srgbClr val="000000"/>
-                </a:solidFill>
-              </a:rPr>
-              <a:t>な生成手法</a:t>
-            </a:r>
-            <a:r>
-              <a:rPr lang="ja-JP" altLang="en-US" sz="2400" dirty="0">
-                <a:solidFill>
-                  <a:srgbClr val="000000"/>
-                </a:solidFill>
-              </a:rPr>
-              <a:t>の</a:t>
-            </a:r>
-            <a:r>
-              <a:rPr lang="ja-JP" altLang="en-US" sz="2400" dirty="0" smtClean="0">
-                <a:solidFill>
-                  <a:srgbClr val="000000"/>
-                </a:solidFill>
-              </a:rPr>
-              <a:t>提案．</a:t>
-            </a:r>
-            <a:endParaRPr lang="en-US" altLang="ja-JP" sz="2400" dirty="0" smtClean="0">
-              <a:solidFill>
-                <a:srgbClr val="000000"/>
-              </a:solidFill>
-            </a:endParaRPr>
+              <a:rPr lang="ja-JP" altLang="en-US" dirty="0"/>
+              <a:t>ピクセルの最大値と劣化をもたらすノイズ（変化したビット数）の</a:t>
+            </a:r>
+            <a:r>
+              <a:rPr lang="ja-JP" altLang="en-US" dirty="0" smtClean="0"/>
+              <a:t>比率</a:t>
+            </a:r>
+            <a:endParaRPr lang="en-US" altLang="ja-JP" dirty="0" smtClean="0"/>
+          </a:p>
+          <a:p>
+            <a:pPr lvl="1"/>
+            <a:r>
+              <a:rPr lang="en-US" altLang="ja-JP" dirty="0" smtClean="0"/>
+              <a:t>40db</a:t>
+            </a:r>
+            <a:r>
+              <a:rPr lang="ja-JP" altLang="en-US" dirty="0" smtClean="0"/>
+              <a:t>以上で見分けが付かないとされる</a:t>
+            </a:r>
+            <a:endParaRPr lang="en-US" altLang="ja-JP" dirty="0" smtClean="0"/>
+          </a:p>
+          <a:p>
+            <a:r>
+              <a:rPr lang="ja-JP" altLang="en-US" dirty="0" smtClean="0"/>
+              <a:t>計算式</a:t>
+            </a:r>
+            <a:endParaRPr kumimoji="1" lang="ja-JP" altLang="en-US" dirty="0"/>
           </a:p>
         </p:txBody>
       </p:sp>
-      <p:pic>
-        <p:nvPicPr>
-          <p:cNvPr id="7" name="図 6" descr="LENNA.bmp"/>
-          <p:cNvPicPr>
-            <a:picLocks noChangeAspect="1"/>
-          </p:cNvPicPr>
-          <p:nvPr/>
-        </p:nvPicPr>
-        <p:blipFill>
-          <a:blip r:embed="rId3">
-            <a:extLst>
-              <a:ext uri="{28A0092B-C50C-407E-A947-70E740481C1C}">
-                <a14:useLocalDpi xmlns:a14="http://schemas.microsoft.com/office/drawing/2010/main" val="0"/>
-              </a:ext>
-            </a:extLst>
-          </a:blip>
-          <a:stretch>
-            <a:fillRect/>
-          </a:stretch>
-        </p:blipFill>
-        <p:spPr>
-          <a:xfrm>
-            <a:off x="5640768" y="3272039"/>
-            <a:ext cx="969204" cy="969204"/>
-          </a:xfrm>
-          <a:prstGeom prst="rect">
-            <a:avLst/>
-          </a:prstGeom>
-        </p:spPr>
-      </p:pic>
+      <p:graphicFrame>
+        <p:nvGraphicFramePr>
+          <p:cNvPr id="7" name="オブジェクト 6"/>
+          <p:cNvGraphicFramePr>
+            <a:graphicFrameLocks noChangeAspect="1"/>
+          </p:cNvGraphicFramePr>
+          <p:nvPr>
+            <p:extLst>
+              <p:ext uri="{D42A27DB-BD31-4B8C-83A1-F6EECF244321}">
+                <p14:modId xmlns:p14="http://schemas.microsoft.com/office/powerpoint/2010/main" val="1220307280"/>
+              </p:ext>
+            </p:extLst>
+          </p:nvPr>
+        </p:nvGraphicFramePr>
+        <p:xfrm>
+          <a:off x="2926869" y="4811282"/>
+          <a:ext cx="3402482" cy="922707"/>
+        </p:xfrm>
+        <a:graphic>
+          <a:graphicData uri="http://schemas.openxmlformats.org/presentationml/2006/ole">
+            <mc:AlternateContent xmlns:mc="http://schemas.openxmlformats.org/markup-compatibility/2006">
+              <mc:Choice xmlns:v="urn:schemas-microsoft-com:vml" Requires="v">
+                <p:oleObj spid="_x0000_s7182" name="数式" r:id="rId3" imgW="1498600" imgH="406400" progId="Equation.3">
+                  <p:embed/>
+                </p:oleObj>
+              </mc:Choice>
+              <mc:Fallback>
+                <p:oleObj name="数式" r:id="rId3" imgW="1498600" imgH="406400" progId="Equation.3">
+                  <p:embed/>
+                  <p:pic>
+                    <p:nvPicPr>
+                      <p:cNvPr id="0" name=""/>
+                      <p:cNvPicPr/>
+                      <p:nvPr/>
+                    </p:nvPicPr>
+                    <p:blipFill>
+                      <a:blip r:embed="rId4"/>
+                      <a:stretch>
+                        <a:fillRect/>
+                      </a:stretch>
+                    </p:blipFill>
+                    <p:spPr>
+                      <a:xfrm>
+                        <a:off x="2926869" y="4811282"/>
+                        <a:ext cx="3402482" cy="922707"/>
+                      </a:xfrm>
+                      <a:prstGeom prst="rect">
+                        <a:avLst/>
+                      </a:prstGeom>
+                    </p:spPr>
+                  </p:pic>
+                </p:oleObj>
+              </mc:Fallback>
+            </mc:AlternateContent>
+          </a:graphicData>
+        </a:graphic>
+      </p:graphicFrame>
       <p:sp>
         <p:nvSpPr>
-          <p:cNvPr id="8" name="円/楕円 7"/>
-          <p:cNvSpPr/>
-          <p:nvPr/>
-        </p:nvSpPr>
-        <p:spPr>
-          <a:xfrm>
-            <a:off x="1610215" y="3390727"/>
-            <a:ext cx="2075153" cy="737114"/>
-          </a:xfrm>
-          <a:prstGeom prst="ellipse">
-            <a:avLst/>
-          </a:prstGeom>
-        </p:spPr>
-        <p:style>
-          <a:lnRef idx="1">
-            <a:schemeClr val="accent1"/>
-          </a:lnRef>
-          <a:fillRef idx="3">
-            <a:schemeClr val="accent1"/>
-          </a:fillRef>
-          <a:effectRef idx="2">
-            <a:schemeClr val="accent1"/>
-          </a:effectRef>
-          <a:fontRef idx="minor">
-            <a:schemeClr val="lt1"/>
-          </a:fontRef>
-        </p:style>
-        <p:txBody>
-          <a:bodyPr rtlCol="0" anchor="ctr"/>
-          <a:lstStyle/>
-          <a:p>
-            <a:pPr algn="ctr"/>
-            <a:r>
-              <a:rPr kumimoji="1" lang="ja-JP" altLang="en-US" dirty="0" smtClean="0"/>
-              <a:t>テキスト情報</a:t>
-            </a:r>
-            <a:endParaRPr kumimoji="1" lang="ja-JP" altLang="en-US" dirty="0"/>
-          </a:p>
-        </p:txBody>
-      </p:sp>
-      <p:cxnSp>
-        <p:nvCxnSpPr>
-          <p:cNvPr id="11" name="直線矢印コネクタ 10"/>
-          <p:cNvCxnSpPr/>
-          <p:nvPr/>
-        </p:nvCxnSpPr>
-        <p:spPr>
-          <a:xfrm>
-            <a:off x="4093595" y="3776294"/>
-            <a:ext cx="1077265" cy="0"/>
-          </a:xfrm>
-          <a:prstGeom prst="straightConnector1">
-            <a:avLst/>
-          </a:prstGeom>
-          <a:ln>
-            <a:tailEnd type="arrow"/>
-          </a:ln>
-        </p:spPr>
-        <p:style>
-          <a:lnRef idx="2">
-            <a:schemeClr val="accent1"/>
-          </a:lnRef>
-          <a:fillRef idx="0">
-            <a:schemeClr val="accent1"/>
-          </a:fillRef>
-          <a:effectRef idx="1">
-            <a:schemeClr val="accent1"/>
-          </a:effectRef>
-          <a:fontRef idx="minor">
-            <a:schemeClr val="tx1"/>
-          </a:fontRef>
-        </p:style>
-      </p:cxnSp>
-      <p:sp>
-        <p:nvSpPr>
-          <p:cNvPr id="12" name="テキスト ボックス 11"/>
+          <p:cNvPr id="8" name="テキスト ボックス 7"/>
           <p:cNvSpPr txBox="1"/>
           <p:nvPr/>
         </p:nvSpPr>
         <p:spPr>
           <a:xfrm>
-            <a:off x="4059578" y="3328739"/>
-            <a:ext cx="1179322" cy="369332"/>
+            <a:off x="532241" y="5826442"/>
+            <a:ext cx="7803112" cy="769441"/>
           </a:xfrm>
           <a:prstGeom prst="rect">
             <a:avLst/>
@@ -12077,44 +10722,134 @@
           </a:bodyPr>
           <a:lstStyle/>
           <a:p>
-            <a:r>
-              <a:rPr kumimoji="1" lang="ja-JP" altLang="en-US" dirty="0" smtClean="0"/>
-              <a:t>埋め込み</a:t>
-            </a:r>
-            <a:endParaRPr kumimoji="1" lang="ja-JP" altLang="en-US" dirty="0"/>
+            <a:pPr marL="0" lvl="1" algn="ctr"/>
+            <a:r>
+              <a:rPr lang="en-US" altLang="ja-JP" sz="2400" i="1" dirty="0" smtClean="0">
+                <a:latin typeface="Cambria Math"/>
+                <a:ea typeface="ＭＳ 明朝"/>
+                <a:cs typeface="Cambria Math"/>
+              </a:rPr>
+              <a:t>MAX</a:t>
+            </a:r>
+            <a:r>
+              <a:rPr lang="en-US" altLang="ja-JP" sz="2400" i="1" baseline="-25000" dirty="0" smtClean="0">
+                <a:latin typeface="Cambria Math"/>
+                <a:ea typeface="ＭＳ 明朝"/>
+                <a:cs typeface="Cambria Math"/>
+              </a:rPr>
+              <a:t>I</a:t>
+            </a:r>
+            <a:r>
+              <a:rPr lang="en-US" altLang="ja-JP" sz="2400" i="1" dirty="0" smtClean="0">
+                <a:latin typeface="Cambria Math"/>
+                <a:ea typeface="ＭＳ 明朝"/>
+                <a:cs typeface="Cambria Math"/>
+              </a:rPr>
+              <a:t> </a:t>
+            </a:r>
+            <a:r>
+              <a:rPr lang="en-US" altLang="ja-JP" sz="2400" dirty="0" smtClean="0">
+                <a:latin typeface="Cambria Math"/>
+                <a:ea typeface="ＭＳ 明朝"/>
+                <a:cs typeface="Cambria Math"/>
+              </a:rPr>
+              <a:t>: </a:t>
+            </a:r>
+            <a:r>
+              <a:rPr lang="ja-JP" altLang="en-US" sz="2400" dirty="0" smtClean="0">
+                <a:latin typeface="Cambria Math"/>
+                <a:ea typeface="ＭＳ 明朝"/>
+                <a:cs typeface="Cambria Math"/>
+              </a:rPr>
+              <a:t>最大</a:t>
+            </a:r>
+            <a:r>
+              <a:rPr lang="ja-JP" altLang="en-US" sz="2400" dirty="0">
+                <a:latin typeface="Cambria Math"/>
+                <a:ea typeface="ＭＳ 明朝"/>
+                <a:cs typeface="Cambria Math"/>
+              </a:rPr>
+              <a:t>ピクセル値（</a:t>
+            </a:r>
+            <a:r>
+              <a:rPr lang="en-US" altLang="ja-JP" sz="2400" dirty="0">
+                <a:latin typeface="Cambria Math"/>
+                <a:ea typeface="ＭＳ 明朝"/>
+                <a:cs typeface="Cambria Math"/>
+              </a:rPr>
+              <a:t>255</a:t>
+            </a:r>
+            <a:r>
+              <a:rPr lang="ja-JP" altLang="en-US" sz="2400" dirty="0" smtClean="0">
+                <a:latin typeface="Cambria Math"/>
+                <a:ea typeface="ＭＳ 明朝"/>
+                <a:cs typeface="Cambria Math"/>
+              </a:rPr>
+              <a:t>）</a:t>
+            </a:r>
+            <a:r>
+              <a:rPr lang="ja-JP" altLang="en-US" sz="2400" dirty="0" smtClean="0">
+                <a:latin typeface="Cambria Math"/>
+                <a:ea typeface="ＭＳ 明朝"/>
+                <a:cs typeface="Cambria Math"/>
+              </a:rPr>
+              <a:t>，</a:t>
+            </a:r>
+            <a:r>
+              <a:rPr lang="en-US" altLang="ja-JP" sz="2400" i="1" dirty="0">
+                <a:latin typeface="Cambria Math"/>
+                <a:ea typeface="ＭＳ 明朝"/>
+                <a:cs typeface="Cambria Math"/>
+              </a:rPr>
+              <a:t>MSE </a:t>
+            </a:r>
+            <a:r>
+              <a:rPr lang="en-US" altLang="ja-JP" sz="2400" dirty="0">
+                <a:latin typeface="Cambria Math"/>
+                <a:ea typeface="ＭＳ 明朝"/>
+                <a:cs typeface="Cambria Math"/>
+              </a:rPr>
+              <a:t>: </a:t>
+            </a:r>
+            <a:r>
+              <a:rPr lang="ja-JP" altLang="en-US" sz="2400" dirty="0">
+                <a:latin typeface="Cambria Math"/>
+                <a:ea typeface="ＭＳ 明朝"/>
+                <a:cs typeface="Cambria Math"/>
+              </a:rPr>
+              <a:t>平均二乗誤差</a:t>
+            </a:r>
+            <a:endParaRPr lang="en-US" altLang="ja-JP" sz="2400" dirty="0">
+              <a:latin typeface="Cambria Math"/>
+              <a:ea typeface="ＭＳ 明朝"/>
+              <a:cs typeface="Cambria Math"/>
+            </a:endParaRPr>
+          </a:p>
+          <a:p>
+            <a:pPr algn="ctr"/>
+            <a:endParaRPr kumimoji="1" lang="ja-JP" altLang="en-US" sz="2000" dirty="0">
+              <a:latin typeface="Cambria Math"/>
+              <a:ea typeface="ＭＳ 明朝"/>
+              <a:cs typeface="Cambria Math"/>
+            </a:endParaRPr>
           </a:p>
         </p:txBody>
       </p:sp>
     </p:spTree>
     <p:extLst>
       <p:ext uri="{BB962C8B-B14F-4D97-AF65-F5344CB8AC3E}">
-        <p14:creationId xmlns:p14="http://schemas.microsoft.com/office/powerpoint/2010/main" val="2916941923"/>
+        <p14:creationId xmlns:p14="http://schemas.microsoft.com/office/powerpoint/2010/main" val="4133300823"/>
       </p:ext>
     </p:extLst>
   </p:cSld>
   <p:clrMapOvr>
     <a:masterClrMapping/>
   </p:clrMapOvr>
-  <mc:AlternateContent xmlns:mc="http://schemas.openxmlformats.org/markup-compatibility/2006">
-    <mc:Choice xmlns:p14="http://schemas.microsoft.com/office/powerpoint/2010/main" Requires="p14">
-      <p:transition spd="slow" p14:dur="2000" advTm="210"/>
-    </mc:Choice>
-    <mc:Fallback>
-      <p:transition xmlns:p14="http://schemas.microsoft.com/office/powerpoint/2010/main" spd="slow" advTm="210"/>
-    </mc:Fallback>
-  </mc:AlternateContent>
-  <p:timing>
-    <p:tnLst>
-      <p:par>
-        <p:cTn xmlns:p14="http://schemas.microsoft.com/office/powerpoint/2010/main" id="1" dur="indefinite" restart="never" nodeType="tmRoot"/>
-      </p:par>
-    </p:tnLst>
-  </p:timing>
 </p:sld>
 </file>
 
-<file path=ppt/slides/slide16.xml><?xml version="1.0" encoding="utf-8"?>
-<p:sld xmlns:a="http://schemas.openxmlformats.org/drawingml/2006/main" xmlns:r="http://schemas.openxmlformats.org/officeDocument/2006/relationships" xmlns:p="http://schemas.openxmlformats.org/presentationml/2006/main" show="0">
+<file path=ppt/slides/slide14.xml><?xml version="1.0" encoding="utf-8"?>
+<p:sld xmlns:a="http://schemas.openxmlformats.org/drawingml/2006/main" xmlns:r="http://schemas.openxmlformats.org/officeDocument/2006/relationships" xmlns:p="http://schemas.openxmlformats.org/presentationml/2006/main">
   <p:cSld>
     <p:spTree>
       <p:nvGrpSpPr>
@@ -12146,8 +10881,8 @@
           <a:lstStyle/>
           <a:p>
             <a:r>
-              <a:rPr kumimoji="1" lang="ja-JP" altLang="en-US" dirty="0" smtClean="0"/>
-              <a:t>実験手順（２）</a:t>
+              <a:rPr kumimoji="1" lang="en-US" altLang="ja-JP" dirty="0" smtClean="0"/>
+              <a:t>SSIM</a:t>
             </a:r>
             <a:endParaRPr kumimoji="1" lang="ja-JP" altLang="en-US" dirty="0"/>
           </a:p>
@@ -12155,7 +10890,7 @@
       </p:sp>
       <p:sp>
         <p:nvSpPr>
-          <p:cNvPr id="4" name="コンテンツ プレースホルダー 2"/>
+          <p:cNvPr id="3" name="コンテンツ プレースホルダー 2"/>
           <p:cNvSpPr>
             <a:spLocks noGrp="1"/>
           </p:cNvSpPr>
@@ -12163,1390 +10898,121 @@
             <p:ph idx="1"/>
           </p:nvPr>
         </p:nvSpPr>
-        <p:spPr>
-          <a:xfrm>
-            <a:off x="561802" y="1587631"/>
-            <a:ext cx="8229600" cy="4728873"/>
-          </a:xfrm>
-        </p:spPr>
+        <p:spPr/>
         <p:txBody>
-          <a:bodyPr>
-            <a:noAutofit/>
-          </a:bodyPr>
+          <a:bodyPr/>
           <a:lstStyle/>
           <a:p>
-            <a:pPr marL="0" indent="0">
-              <a:buNone/>
-            </a:pPr>
-            <a:r>
-              <a:rPr lang="ja-JP" altLang="en-US" sz="2000" dirty="0" smtClean="0"/>
-              <a:t>手順２．</a:t>
-            </a:r>
-            <a:r>
-              <a:rPr lang="en-US" altLang="ja-JP" sz="2000" dirty="0" smtClean="0"/>
-              <a:t> </a:t>
-            </a:r>
-            <a:r>
-              <a:rPr lang="ja-JP" altLang="en-US" sz="2000" dirty="0" smtClean="0"/>
-              <a:t>データの算出</a:t>
-            </a:r>
-            <a:endParaRPr lang="en-US" altLang="ja-JP" sz="1800" dirty="0" smtClean="0"/>
-          </a:p>
-          <a:p>
-            <a:pPr marL="400050" lvl="1" indent="0">
-              <a:buNone/>
-            </a:pPr>
-            <a:r>
-              <a:rPr lang="ja-JP" altLang="en-US" sz="1800" dirty="0" smtClean="0"/>
-              <a:t>誤りパターン埋め込み前後の画像を比較し，</a:t>
-            </a:r>
-            <a:r>
-              <a:rPr lang="en-US" altLang="ja-JP" sz="1800" dirty="0" smtClean="0"/>
+            <a:r>
+              <a:rPr kumimoji="1" lang="ja-JP" altLang="en-US" dirty="0" smtClean="0"/>
+              <a:t>概要</a:t>
+            </a:r>
+            <a:endParaRPr kumimoji="1" lang="en-US" altLang="ja-JP" dirty="0" smtClean="0"/>
+          </a:p>
+          <a:p>
+            <a:pPr lvl="1"/>
+            <a:r>
+              <a:rPr lang="en-US" altLang="ja-JP" dirty="0" smtClean="0"/>
+              <a:t>Structural Similarity</a:t>
+            </a:r>
+            <a:r>
+              <a:rPr lang="ja-JP" altLang="en-US" dirty="0" smtClean="0"/>
+              <a:t>の略</a:t>
+            </a:r>
+            <a:endParaRPr kumimoji="1" lang="en-US" altLang="ja-JP" dirty="0" smtClean="0"/>
+          </a:p>
+          <a:p>
+            <a:pPr lvl="1"/>
+            <a:r>
+              <a:rPr kumimoji="1" lang="ja-JP" altLang="en-US" dirty="0" smtClean="0"/>
+              <a:t>「輝度」，「コントラスト」，「画像中に写っているオブジェクトの構造」のそれぞれを比較し算出されるため</a:t>
+            </a:r>
+            <a:endParaRPr kumimoji="1" lang="en-US" altLang="ja-JP" dirty="0" smtClean="0"/>
+          </a:p>
+          <a:p>
+            <a:pPr lvl="1"/>
+            <a:r>
+              <a:rPr lang="en-US" altLang="ja-JP" dirty="0" smtClean="0"/>
               <a:t>PSNR</a:t>
             </a:r>
             <a:r>
-              <a:rPr lang="ja-JP" altLang="en-US" sz="1800" dirty="0" smtClean="0"/>
-              <a:t>値と誤り率を算出する</a:t>
-            </a:r>
-            <a:r>
-              <a:rPr lang="en-US" altLang="ja-JP" sz="1800" dirty="0" smtClean="0"/>
-              <a:t>.</a:t>
-            </a:r>
-          </a:p>
-          <a:p>
-            <a:pPr marL="400050" lvl="1" indent="0">
-              <a:buNone/>
-            </a:pPr>
-            <a:endParaRPr lang="en-US" altLang="ja-JP" sz="2000" dirty="0" smtClean="0"/>
-          </a:p>
-        </p:txBody>
-      </p:sp>
-      <p:graphicFrame>
-        <p:nvGraphicFramePr>
-          <p:cNvPr id="6" name="オブジェクト 5"/>
-          <p:cNvGraphicFramePr>
-            <a:graphicFrameLocks noChangeAspect="1"/>
-          </p:cNvGraphicFramePr>
-          <p:nvPr>
-            <p:extLst>
-              <p:ext uri="{D42A27DB-BD31-4B8C-83A1-F6EECF244321}">
-                <p14:modId xmlns:p14="http://schemas.microsoft.com/office/powerpoint/2010/main" val="528886232"/>
-              </p:ext>
-            </p:extLst>
-          </p:nvPr>
-        </p:nvGraphicFramePr>
-        <p:xfrm>
-          <a:off x="12946852" y="2674661"/>
-          <a:ext cx="2364484" cy="641216"/>
-        </p:xfrm>
-        <a:graphic>
-          <a:graphicData uri="http://schemas.openxmlformats.org/presentationml/2006/ole">
-            <mc:AlternateContent xmlns:mc="http://schemas.openxmlformats.org/markup-compatibility/2006">
-              <mc:Choice xmlns:v="urn:schemas-microsoft-com:vml" Requires="v">
-                <p:oleObj spid="_x0000_s4341" name="数式" r:id="rId3" imgW="1498600" imgH="406400" progId="Equation.3">
-                  <p:embed/>
-                </p:oleObj>
-              </mc:Choice>
-              <mc:Fallback>
-                <p:oleObj name="数式" r:id="rId3" imgW="1498600" imgH="406400" progId="Equation.3">
-                  <p:embed/>
-                  <p:pic>
-                    <p:nvPicPr>
-                      <p:cNvPr id="0" name=""/>
-                      <p:cNvPicPr/>
-                      <p:nvPr/>
-                    </p:nvPicPr>
-                    <p:blipFill>
-                      <a:blip r:embed="rId4"/>
-                      <a:stretch>
-                        <a:fillRect/>
-                      </a:stretch>
-                    </p:blipFill>
-                    <p:spPr>
-                      <a:xfrm>
-                        <a:off x="12946852" y="2674661"/>
-                        <a:ext cx="2364484" cy="641216"/>
-                      </a:xfrm>
-                      <a:prstGeom prst="rect">
-                        <a:avLst/>
-                      </a:prstGeom>
-                    </p:spPr>
-                  </p:pic>
-                </p:oleObj>
-              </mc:Fallback>
-            </mc:AlternateContent>
-          </a:graphicData>
-        </a:graphic>
-      </p:graphicFrame>
-      <p:sp>
-        <p:nvSpPr>
-          <p:cNvPr id="7" name="テキスト ボックス 6"/>
-          <p:cNvSpPr txBox="1"/>
-          <p:nvPr/>
-        </p:nvSpPr>
-        <p:spPr>
-          <a:xfrm>
-            <a:off x="10900504" y="3300388"/>
-            <a:ext cx="6448853" cy="615553"/>
-          </a:xfrm>
-          <a:prstGeom prst="rect">
-            <a:avLst/>
-          </a:prstGeom>
-          <a:noFill/>
-        </p:spPr>
-        <p:txBody>
-          <a:bodyPr wrap="square" rtlCol="0">
-            <a:spAutoFit/>
-          </a:bodyPr>
-          <a:lstStyle/>
-          <a:p>
-            <a:pPr marL="0" lvl="1" algn="ctr"/>
-            <a:r>
-              <a:rPr lang="en-US" altLang="ja-JP" i="1" dirty="0" smtClean="0">
-                <a:latin typeface="Cambria Math"/>
-                <a:ea typeface="ＭＳ 明朝"/>
-                <a:cs typeface="Cambria Math"/>
-              </a:rPr>
-              <a:t>MSE </a:t>
-            </a:r>
-            <a:r>
-              <a:rPr lang="en-US" altLang="ja-JP" dirty="0" smtClean="0">
-                <a:latin typeface="Cambria Math"/>
-                <a:ea typeface="ＭＳ 明朝"/>
-                <a:cs typeface="Cambria Math"/>
-              </a:rPr>
-              <a:t>: </a:t>
-            </a:r>
-            <a:r>
-              <a:rPr lang="ja-JP" altLang="en-US" dirty="0" smtClean="0">
-                <a:latin typeface="Cambria Math"/>
-                <a:ea typeface="ＭＳ 明朝"/>
-                <a:cs typeface="Cambria Math"/>
-              </a:rPr>
-              <a:t>平均</a:t>
-            </a:r>
-            <a:r>
-              <a:rPr lang="ja-JP" altLang="en-US" dirty="0">
-                <a:latin typeface="Cambria Math"/>
-                <a:ea typeface="ＭＳ 明朝"/>
-                <a:cs typeface="Cambria Math"/>
-              </a:rPr>
-              <a:t>二乗誤差，</a:t>
-            </a:r>
-            <a:r>
-              <a:rPr lang="en-US" altLang="ja-JP" i="1" dirty="0" smtClean="0">
-                <a:latin typeface="Cambria Math"/>
-                <a:ea typeface="ＭＳ 明朝"/>
-                <a:cs typeface="Cambria Math"/>
-              </a:rPr>
-              <a:t>MAX </a:t>
-            </a:r>
-            <a:r>
-              <a:rPr lang="en-US" altLang="ja-JP" dirty="0" smtClean="0">
-                <a:latin typeface="Cambria Math"/>
-                <a:ea typeface="ＭＳ 明朝"/>
-                <a:cs typeface="Cambria Math"/>
-              </a:rPr>
-              <a:t>: </a:t>
-            </a:r>
-            <a:r>
-              <a:rPr lang="ja-JP" altLang="en-US" dirty="0" smtClean="0">
-                <a:latin typeface="Cambria Math"/>
-                <a:ea typeface="ＭＳ 明朝"/>
-                <a:cs typeface="Cambria Math"/>
-              </a:rPr>
-              <a:t>最大</a:t>
-            </a:r>
-            <a:r>
-              <a:rPr lang="ja-JP" altLang="en-US" dirty="0">
-                <a:latin typeface="Cambria Math"/>
-                <a:ea typeface="ＭＳ 明朝"/>
-                <a:cs typeface="Cambria Math"/>
-              </a:rPr>
-              <a:t>ピクセル値（</a:t>
-            </a:r>
-            <a:r>
-              <a:rPr lang="en-US" altLang="ja-JP" dirty="0">
-                <a:latin typeface="Cambria Math"/>
-                <a:ea typeface="ＭＳ 明朝"/>
-                <a:cs typeface="Cambria Math"/>
-              </a:rPr>
-              <a:t>255</a:t>
-            </a:r>
-            <a:r>
-              <a:rPr lang="ja-JP" altLang="en-US" dirty="0">
-                <a:latin typeface="Cambria Math"/>
-                <a:ea typeface="ＭＳ 明朝"/>
-                <a:cs typeface="Cambria Math"/>
-              </a:rPr>
-              <a:t>）</a:t>
-            </a:r>
-            <a:endParaRPr lang="en-US" altLang="ja-JP" dirty="0">
-              <a:latin typeface="Cambria Math"/>
-              <a:ea typeface="ＭＳ 明朝"/>
-              <a:cs typeface="Cambria Math"/>
-            </a:endParaRPr>
-          </a:p>
-          <a:p>
-            <a:pPr algn="ctr"/>
-            <a:endParaRPr kumimoji="1" lang="ja-JP" altLang="en-US" sz="1600" dirty="0">
-              <a:latin typeface="Cambria Math"/>
-              <a:ea typeface="ＭＳ 明朝"/>
-              <a:cs typeface="Cambria Math"/>
-            </a:endParaRPr>
-          </a:p>
-        </p:txBody>
-      </p:sp>
-      <p:graphicFrame>
-        <p:nvGraphicFramePr>
-          <p:cNvPr id="8" name="オブジェクト 7"/>
-          <p:cNvGraphicFramePr>
-            <a:graphicFrameLocks noChangeAspect="1"/>
-          </p:cNvGraphicFramePr>
-          <p:nvPr>
-            <p:extLst>
-              <p:ext uri="{D42A27DB-BD31-4B8C-83A1-F6EECF244321}">
-                <p14:modId xmlns:p14="http://schemas.microsoft.com/office/powerpoint/2010/main" val="1138622294"/>
-              </p:ext>
-            </p:extLst>
-          </p:nvPr>
-        </p:nvGraphicFramePr>
-        <p:xfrm>
-          <a:off x="4208992" y="2362994"/>
-          <a:ext cx="1239756" cy="650241"/>
-        </p:xfrm>
-        <a:graphic>
-          <a:graphicData uri="http://schemas.openxmlformats.org/presentationml/2006/ole">
-            <mc:AlternateContent xmlns:mc="http://schemas.openxmlformats.org/markup-compatibility/2006">
-              <mc:Choice xmlns:v="urn:schemas-microsoft-com:vml" Requires="v">
-                <p:oleObj spid="_x0000_s4342" name="数式" r:id="rId5" imgW="749300" imgH="393700" progId="Equation.3">
-                  <p:embed/>
-                </p:oleObj>
-              </mc:Choice>
-              <mc:Fallback>
-                <p:oleObj name="数式" r:id="rId5" imgW="749300" imgH="393700" progId="Equation.3">
-                  <p:embed/>
-                  <p:pic>
-                    <p:nvPicPr>
-                      <p:cNvPr id="0" name="Object 3"/>
-                      <p:cNvPicPr>
-                        <a:picLocks noChangeAspect="1" noChangeArrowheads="1"/>
-                      </p:cNvPicPr>
-                      <p:nvPr/>
-                    </p:nvPicPr>
-                    <p:blipFill>
-                      <a:blip r:embed="rId6">
-                        <a:extLst>
-                          <a:ext uri="{28A0092B-C50C-407E-A947-70E740481C1C}">
-                            <a14:useLocalDpi xmlns:a14="http://schemas.microsoft.com/office/drawing/2010/main" val="0"/>
-                          </a:ext>
-                        </a:extLst>
-                      </a:blip>
-                      <a:srcRect/>
-                      <a:stretch>
-                        <a:fillRect/>
-                      </a:stretch>
-                    </p:blipFill>
-                    <p:spPr bwMode="auto">
-                      <a:xfrm>
-                        <a:off x="4208992" y="2362994"/>
-                        <a:ext cx="1239756" cy="650241"/>
-                      </a:xfrm>
-                      <a:prstGeom prst="rect">
-                        <a:avLst/>
-                      </a:prstGeom>
-                      <a:noFill/>
-                      <a:ln>
-                        <a:noFill/>
-                      </a:ln>
-                    </p:spPr>
-                  </p:pic>
-                </p:oleObj>
-              </mc:Fallback>
-            </mc:AlternateContent>
-          </a:graphicData>
-        </a:graphic>
-      </p:graphicFrame>
-      <p:sp>
-        <p:nvSpPr>
-          <p:cNvPr id="9" name="テキスト ボックス 8"/>
-          <p:cNvSpPr txBox="1"/>
-          <p:nvPr/>
-        </p:nvSpPr>
-        <p:spPr>
-          <a:xfrm>
-            <a:off x="1697723" y="3013235"/>
-            <a:ext cx="6448853" cy="369332"/>
-          </a:xfrm>
-          <a:prstGeom prst="rect">
-            <a:avLst/>
-          </a:prstGeom>
-          <a:noFill/>
-        </p:spPr>
-        <p:txBody>
-          <a:bodyPr wrap="square" rtlCol="0">
-            <a:spAutoFit/>
-          </a:bodyPr>
-          <a:lstStyle/>
-          <a:p>
-            <a:pPr marL="0" lvl="1" algn="ctr"/>
-            <a:r>
-              <a:rPr lang="en-US" altLang="ja-JP" i="1" dirty="0" smtClean="0">
-                <a:latin typeface="Cambria Math"/>
-                <a:ea typeface="ＭＳ 明朝"/>
-                <a:cs typeface="Cambria Math"/>
-              </a:rPr>
-              <a:t>d </a:t>
-            </a:r>
-            <a:r>
-              <a:rPr lang="en-US" altLang="ja-JP" dirty="0" smtClean="0">
-                <a:latin typeface="Cambria Math"/>
-                <a:ea typeface="ＭＳ 明朝"/>
-                <a:cs typeface="Cambria Math"/>
-              </a:rPr>
-              <a:t>: </a:t>
-            </a:r>
-            <a:r>
-              <a:rPr lang="ja-JP" altLang="en-US" dirty="0" smtClean="0">
-                <a:latin typeface="Cambria Math"/>
-                <a:ea typeface="ＭＳ 明朝"/>
-                <a:cs typeface="Cambria Math"/>
-              </a:rPr>
-              <a:t>異なる</a:t>
-            </a:r>
-            <a:r>
-              <a:rPr lang="en-US" altLang="ja-JP" dirty="0" smtClean="0">
-                <a:latin typeface="Cambria Math"/>
-                <a:ea typeface="ＭＳ 明朝"/>
-                <a:cs typeface="Cambria Math"/>
-              </a:rPr>
-              <a:t>LSB</a:t>
-            </a:r>
-            <a:r>
-              <a:rPr lang="ja-JP" altLang="en-US" dirty="0" smtClean="0">
-                <a:latin typeface="Cambria Math"/>
-                <a:ea typeface="ＭＳ 明朝"/>
-                <a:cs typeface="Cambria Math"/>
-              </a:rPr>
-              <a:t>の数，</a:t>
-            </a:r>
-            <a:r>
-              <a:rPr lang="en-US" altLang="ja-JP" dirty="0" smtClean="0">
-                <a:latin typeface="Cambria Math"/>
-                <a:ea typeface="ＭＳ 明朝"/>
-                <a:cs typeface="Cambria Math"/>
-              </a:rPr>
-              <a:t>n : </a:t>
-            </a:r>
-            <a:r>
-              <a:rPr lang="ja-JP" altLang="en-US" dirty="0" smtClean="0">
-                <a:latin typeface="Cambria Math"/>
-                <a:ea typeface="ＭＳ 明朝"/>
-                <a:cs typeface="Cambria Math"/>
-              </a:rPr>
-              <a:t>画像の総ピクセル数</a:t>
-            </a:r>
-            <a:endParaRPr kumimoji="1" lang="ja-JP" altLang="en-US" sz="1600" dirty="0">
-              <a:latin typeface="Cambria Math"/>
-              <a:ea typeface="ＭＳ 明朝"/>
-              <a:cs typeface="Cambria Math"/>
-            </a:endParaRPr>
-          </a:p>
-        </p:txBody>
-      </p:sp>
-      <p:grpSp>
-        <p:nvGrpSpPr>
-          <p:cNvPr id="11" name="図形グループ 10"/>
-          <p:cNvGrpSpPr/>
-          <p:nvPr/>
-        </p:nvGrpSpPr>
-        <p:grpSpPr>
-          <a:xfrm>
-            <a:off x="1666983" y="3811598"/>
-            <a:ext cx="6347169" cy="2581022"/>
-            <a:chOff x="1415943" y="1676086"/>
-            <a:chExt cx="6347169" cy="2581022"/>
-          </a:xfrm>
-        </p:grpSpPr>
-        <p:grpSp>
-          <p:nvGrpSpPr>
-            <p:cNvPr id="12" name="図形グループ 11"/>
-            <p:cNvGrpSpPr/>
-            <p:nvPr/>
-          </p:nvGrpSpPr>
-          <p:grpSpPr>
-            <a:xfrm>
-              <a:off x="1415943" y="2183641"/>
-              <a:ext cx="943487" cy="524977"/>
-              <a:chOff x="497541" y="2067796"/>
-              <a:chExt cx="1187355" cy="681545"/>
-            </a:xfrm>
-          </p:grpSpPr>
-          <p:sp>
-            <p:nvSpPr>
-              <p:cNvPr id="34" name="正方形/長方形 33"/>
-              <p:cNvSpPr/>
-              <p:nvPr/>
-            </p:nvSpPr>
-            <p:spPr>
-              <a:xfrm>
-                <a:off x="532220" y="2067796"/>
-                <a:ext cx="1124655" cy="667302"/>
-              </a:xfrm>
-              <a:prstGeom prst="rect">
-                <a:avLst/>
-              </a:prstGeom>
-              <a:noFill/>
-              <a:ln>
-                <a:solidFill>
-                  <a:srgbClr val="000000"/>
-                </a:solidFill>
-              </a:ln>
-              <a:effectLst/>
-            </p:spPr>
-            <p:style>
-              <a:lnRef idx="1">
-                <a:schemeClr val="accent1"/>
-              </a:lnRef>
-              <a:fillRef idx="3">
-                <a:schemeClr val="accent1"/>
-              </a:fillRef>
-              <a:effectRef idx="2">
-                <a:schemeClr val="accent1"/>
-              </a:effectRef>
-              <a:fontRef idx="minor">
-                <a:schemeClr val="lt1"/>
-              </a:fontRef>
-            </p:style>
-            <p:txBody>
-              <a:bodyPr rtlCol="0" anchor="ctr"/>
-              <a:lstStyle/>
-              <a:p>
-                <a:pPr algn="ctr"/>
-                <a:endParaRPr kumimoji="1" lang="ja-JP" altLang="en-US" sz="1400"/>
-              </a:p>
-            </p:txBody>
-          </p:sp>
-          <p:sp>
-            <p:nvSpPr>
-              <p:cNvPr id="35" name="テキスト ボックス 34"/>
-              <p:cNvSpPr txBox="1"/>
-              <p:nvPr/>
-            </p:nvSpPr>
-            <p:spPr>
-              <a:xfrm>
-                <a:off x="497541" y="2070077"/>
-                <a:ext cx="1187355" cy="679264"/>
-              </a:xfrm>
-              <a:prstGeom prst="rect">
-                <a:avLst/>
-              </a:prstGeom>
-              <a:noFill/>
-            </p:spPr>
-            <p:txBody>
-              <a:bodyPr wrap="none" rtlCol="0">
-                <a:spAutoFit/>
-              </a:bodyPr>
-              <a:lstStyle/>
-              <a:p>
-                <a:pPr algn="ctr"/>
-                <a:r>
-                  <a:rPr lang="ja-JP" altLang="en-US" sz="1400" dirty="0" smtClean="0"/>
-                  <a:t>メッセージ</a:t>
-                </a:r>
-                <a:endParaRPr kumimoji="1" lang="en-US" altLang="ja-JP" sz="1400" dirty="0" smtClean="0"/>
-              </a:p>
-              <a:p>
-                <a:r>
-                  <a:rPr kumimoji="1" lang="ja-JP" altLang="en-US" sz="1400" dirty="0" smtClean="0"/>
-                  <a:t>生成器</a:t>
-                </a:r>
-                <a:endParaRPr kumimoji="1" lang="ja-JP" altLang="en-US" sz="1400" dirty="0"/>
-              </a:p>
-            </p:txBody>
-          </p:sp>
-        </p:grpSp>
-        <p:pic>
-          <p:nvPicPr>
-            <p:cNvPr id="13" name="図 12" descr="LENNA.bmp"/>
-            <p:cNvPicPr>
-              <a:picLocks noChangeAspect="1"/>
-            </p:cNvPicPr>
-            <p:nvPr/>
-          </p:nvPicPr>
-          <p:blipFill>
-            <a:blip r:embed="rId7">
-              <a:extLst>
-                <a:ext uri="{28A0092B-C50C-407E-A947-70E740481C1C}">
-                  <a14:useLocalDpi xmlns:a14="http://schemas.microsoft.com/office/drawing/2010/main" val="0"/>
-                </a:ext>
-              </a:extLst>
-            </a:blip>
-            <a:stretch>
-              <a:fillRect/>
-            </a:stretch>
-          </p:blipFill>
-          <p:spPr>
-            <a:xfrm>
-              <a:off x="2073259" y="2961931"/>
-              <a:ext cx="696788" cy="696788"/>
-            </a:xfrm>
-            <a:prstGeom prst="rect">
-              <a:avLst/>
-            </a:prstGeom>
-          </p:spPr>
-        </p:pic>
-        <p:cxnSp>
-          <p:nvCxnSpPr>
-            <p:cNvPr id="14" name="直線矢印コネクタ 13"/>
-            <p:cNvCxnSpPr/>
-            <p:nvPr/>
-          </p:nvCxnSpPr>
-          <p:spPr>
-            <a:xfrm>
-              <a:off x="2385009" y="2451829"/>
-              <a:ext cx="409352" cy="0"/>
-            </a:xfrm>
-            <a:prstGeom prst="straightConnector1">
-              <a:avLst/>
-            </a:prstGeom>
-            <a:ln>
-              <a:solidFill>
-                <a:schemeClr val="tx1"/>
-              </a:solidFill>
-              <a:tailEnd type="arrow"/>
-            </a:ln>
-            <a:effectLst/>
-          </p:spPr>
-          <p:style>
-            <a:lnRef idx="2">
-              <a:schemeClr val="accent1"/>
-            </a:lnRef>
-            <a:fillRef idx="0">
-              <a:schemeClr val="accent1"/>
-            </a:fillRef>
-            <a:effectRef idx="1">
-              <a:schemeClr val="accent1"/>
-            </a:effectRef>
-            <a:fontRef idx="minor">
-              <a:schemeClr val="tx1"/>
-            </a:fontRef>
-          </p:style>
-        </p:cxnSp>
-        <p:grpSp>
-          <p:nvGrpSpPr>
-            <p:cNvPr id="15" name="図形グループ 14"/>
-            <p:cNvGrpSpPr/>
-            <p:nvPr/>
-          </p:nvGrpSpPr>
-          <p:grpSpPr>
-            <a:xfrm>
-              <a:off x="2789809" y="2183645"/>
-              <a:ext cx="1146468" cy="525448"/>
-              <a:chOff x="2220835" y="1917223"/>
-              <a:chExt cx="1146468" cy="525448"/>
-            </a:xfrm>
-          </p:grpSpPr>
-          <p:sp>
-            <p:nvSpPr>
-              <p:cNvPr id="32" name="正方形/長方形 31"/>
-              <p:cNvSpPr/>
-              <p:nvPr/>
-            </p:nvSpPr>
-            <p:spPr>
-              <a:xfrm>
-                <a:off x="2243237" y="1917223"/>
-                <a:ext cx="1095354" cy="514006"/>
-              </a:xfrm>
-              <a:prstGeom prst="rect">
-                <a:avLst/>
-              </a:prstGeom>
-              <a:noFill/>
-              <a:ln>
-                <a:solidFill>
-                  <a:srgbClr val="000000"/>
-                </a:solidFill>
-              </a:ln>
-              <a:effectLst/>
-            </p:spPr>
-            <p:style>
-              <a:lnRef idx="1">
-                <a:schemeClr val="accent1"/>
-              </a:lnRef>
-              <a:fillRef idx="3">
-                <a:schemeClr val="accent1"/>
-              </a:fillRef>
-              <a:effectRef idx="2">
-                <a:schemeClr val="accent1"/>
-              </a:effectRef>
-              <a:fontRef idx="minor">
-                <a:schemeClr val="lt1"/>
-              </a:fontRef>
-            </p:style>
-            <p:txBody>
-              <a:bodyPr rtlCol="0" anchor="ctr"/>
-              <a:lstStyle/>
-              <a:p>
-                <a:pPr algn="ctr"/>
-                <a:endParaRPr kumimoji="1" lang="ja-JP" altLang="en-US" sz="1400"/>
-              </a:p>
-            </p:txBody>
-          </p:sp>
-          <p:sp>
-            <p:nvSpPr>
-              <p:cNvPr id="33" name="テキスト ボックス 32"/>
-              <p:cNvSpPr txBox="1"/>
-              <p:nvPr/>
-            </p:nvSpPr>
-            <p:spPr>
-              <a:xfrm>
-                <a:off x="2220835" y="1919451"/>
-                <a:ext cx="1146468" cy="523220"/>
-              </a:xfrm>
-              <a:prstGeom prst="rect">
-                <a:avLst/>
-              </a:prstGeom>
-              <a:noFill/>
-            </p:spPr>
-            <p:txBody>
-              <a:bodyPr wrap="none" rtlCol="0">
-                <a:spAutoFit/>
-              </a:bodyPr>
-              <a:lstStyle/>
-              <a:p>
-                <a:pPr algn="ctr"/>
-                <a:r>
-                  <a:rPr kumimoji="1" lang="ja-JP" altLang="en-US" sz="1400" dirty="0" smtClean="0"/>
-                  <a:t>誤りパターン</a:t>
-                </a:r>
-                <a:endParaRPr kumimoji="1" lang="en-US" altLang="ja-JP" sz="1400" dirty="0" smtClean="0"/>
-              </a:p>
-              <a:p>
-                <a:pPr algn="ctr"/>
-                <a:r>
-                  <a:rPr kumimoji="1" lang="ja-JP" altLang="en-US" sz="1400" dirty="0" smtClean="0"/>
-                  <a:t>変換器</a:t>
-                </a:r>
-                <a:endParaRPr kumimoji="1" lang="ja-JP" altLang="en-US" sz="1400" dirty="0"/>
-              </a:p>
-            </p:txBody>
-          </p:sp>
-        </p:grpSp>
-        <p:cxnSp>
-          <p:nvCxnSpPr>
-            <p:cNvPr id="16" name="直線矢印コネクタ 15"/>
-            <p:cNvCxnSpPr/>
-            <p:nvPr/>
-          </p:nvCxnSpPr>
-          <p:spPr>
-            <a:xfrm>
-              <a:off x="3358344" y="2742560"/>
-              <a:ext cx="2647" cy="433760"/>
-            </a:xfrm>
-            <a:prstGeom prst="straightConnector1">
-              <a:avLst/>
-            </a:prstGeom>
-            <a:ln>
-              <a:solidFill>
-                <a:schemeClr val="tx1"/>
-              </a:solidFill>
-              <a:tailEnd type="arrow"/>
-            </a:ln>
-            <a:effectLst/>
-          </p:spPr>
-          <p:style>
-            <a:lnRef idx="2">
-              <a:schemeClr val="accent1"/>
-            </a:lnRef>
-            <a:fillRef idx="0">
-              <a:schemeClr val="accent1"/>
-            </a:fillRef>
-            <a:effectRef idx="1">
-              <a:schemeClr val="accent1"/>
-            </a:effectRef>
-            <a:fontRef idx="minor">
-              <a:schemeClr val="tx1"/>
-            </a:fontRef>
-          </p:style>
-        </p:cxnSp>
-        <p:sp>
-          <p:nvSpPr>
-            <p:cNvPr id="17" name="テキスト ボックス 16"/>
-            <p:cNvSpPr txBox="1"/>
-            <p:nvPr/>
-          </p:nvSpPr>
-          <p:spPr>
-            <a:xfrm>
-              <a:off x="1728778" y="3733888"/>
-              <a:ext cx="1441420" cy="523220"/>
-            </a:xfrm>
-            <a:prstGeom prst="rect">
-              <a:avLst/>
-            </a:prstGeom>
-            <a:noFill/>
-          </p:spPr>
-          <p:txBody>
-            <a:bodyPr wrap="none" rtlCol="0">
-              <a:spAutoFit/>
-            </a:bodyPr>
-            <a:lstStyle/>
-            <a:p>
-              <a:r>
-                <a:rPr lang="ja-JP" altLang="en-US" sz="1400" dirty="0"/>
-                <a:t>埋め込み前画像</a:t>
-              </a:r>
-            </a:p>
-            <a:p>
-              <a:endParaRPr lang="ja-JP" altLang="en-US" sz="1400" dirty="0"/>
-            </a:p>
-          </p:txBody>
-        </p:sp>
-        <p:pic>
-          <p:nvPicPr>
-            <p:cNvPr id="18" name="図 17" descr="LENNA.bmp"/>
-            <p:cNvPicPr>
-              <a:picLocks noChangeAspect="1"/>
-            </p:cNvPicPr>
-            <p:nvPr/>
-          </p:nvPicPr>
-          <p:blipFill>
-            <a:blip r:embed="rId7">
-              <a:extLst>
-                <a:ext uri="{28A0092B-C50C-407E-A947-70E740481C1C}">
-                  <a14:useLocalDpi xmlns:a14="http://schemas.microsoft.com/office/drawing/2010/main" val="0"/>
-                </a:ext>
-              </a:extLst>
-            </a:blip>
-            <a:stretch>
-              <a:fillRect/>
-            </a:stretch>
-          </p:blipFill>
-          <p:spPr>
-            <a:xfrm>
-              <a:off x="3936277" y="2970365"/>
-              <a:ext cx="696788" cy="696788"/>
-            </a:xfrm>
-            <a:prstGeom prst="rect">
-              <a:avLst/>
-            </a:prstGeom>
-          </p:spPr>
-        </p:pic>
-        <p:sp>
-          <p:nvSpPr>
-            <p:cNvPr id="19" name="テキスト ボックス 18"/>
-            <p:cNvSpPr txBox="1"/>
-            <p:nvPr/>
-          </p:nvSpPr>
-          <p:spPr>
-            <a:xfrm>
-              <a:off x="3588178" y="3733888"/>
-              <a:ext cx="1441420" cy="523220"/>
-            </a:xfrm>
-            <a:prstGeom prst="rect">
-              <a:avLst/>
-            </a:prstGeom>
-            <a:noFill/>
-          </p:spPr>
-          <p:txBody>
-            <a:bodyPr wrap="none" rtlCol="0">
-              <a:spAutoFit/>
-            </a:bodyPr>
-            <a:lstStyle/>
-            <a:p>
-              <a:r>
-                <a:rPr lang="ja-JP" altLang="en-US" sz="1400" dirty="0" smtClean="0"/>
-                <a:t>埋め込み後画像</a:t>
-              </a:r>
-              <a:endParaRPr lang="ja-JP" altLang="en-US" sz="1400" dirty="0"/>
-            </a:p>
-            <a:p>
-              <a:endParaRPr lang="ja-JP" altLang="en-US" sz="1400" dirty="0"/>
-            </a:p>
-          </p:txBody>
-        </p:sp>
-        <p:sp>
-          <p:nvSpPr>
-            <p:cNvPr id="20" name="テキスト ボックス 19"/>
-            <p:cNvSpPr txBox="1"/>
-            <p:nvPr/>
-          </p:nvSpPr>
-          <p:spPr>
-            <a:xfrm>
-              <a:off x="3136388" y="2909822"/>
-              <a:ext cx="466794" cy="769441"/>
-            </a:xfrm>
-            <a:prstGeom prst="rect">
-              <a:avLst/>
-            </a:prstGeom>
-            <a:noFill/>
-            <a:ln>
-              <a:noFill/>
-            </a:ln>
-          </p:spPr>
-          <p:txBody>
-            <a:bodyPr wrap="none" rtlCol="0">
-              <a:spAutoFit/>
-            </a:bodyPr>
-            <a:lstStyle/>
-            <a:p>
-              <a:r>
-                <a:rPr kumimoji="1" lang="en-US" altLang="ja-JP" sz="4400" dirty="0" smtClean="0"/>
-                <a:t>⊕</a:t>
-              </a:r>
-              <a:endParaRPr kumimoji="1" lang="ja-JP" altLang="en-US" sz="4400" dirty="0"/>
-            </a:p>
-          </p:txBody>
-        </p:sp>
-        <p:cxnSp>
-          <p:nvCxnSpPr>
-            <p:cNvPr id="21" name="直線矢印コネクタ 20"/>
-            <p:cNvCxnSpPr/>
-            <p:nvPr/>
-          </p:nvCxnSpPr>
-          <p:spPr>
-            <a:xfrm>
-              <a:off x="2812211" y="3313622"/>
-              <a:ext cx="393785" cy="0"/>
-            </a:xfrm>
-            <a:prstGeom prst="straightConnector1">
-              <a:avLst/>
-            </a:prstGeom>
-            <a:ln>
-              <a:solidFill>
-                <a:schemeClr val="tx1"/>
-              </a:solidFill>
-              <a:tailEnd type="arrow"/>
-            </a:ln>
-            <a:effectLst/>
-          </p:spPr>
-          <p:style>
-            <a:lnRef idx="2">
-              <a:schemeClr val="accent1"/>
-            </a:lnRef>
-            <a:fillRef idx="0">
-              <a:schemeClr val="accent1"/>
-            </a:fillRef>
-            <a:effectRef idx="1">
-              <a:schemeClr val="accent1"/>
-            </a:effectRef>
-            <a:fontRef idx="minor">
-              <a:schemeClr val="tx1"/>
-            </a:fontRef>
-          </p:style>
-        </p:cxnSp>
-        <p:cxnSp>
-          <p:nvCxnSpPr>
-            <p:cNvPr id="22" name="直線矢印コネクタ 21"/>
-            <p:cNvCxnSpPr/>
-            <p:nvPr/>
-          </p:nvCxnSpPr>
-          <p:spPr>
-            <a:xfrm>
-              <a:off x="3513779" y="3317276"/>
-              <a:ext cx="393785" cy="0"/>
-            </a:xfrm>
-            <a:prstGeom prst="straightConnector1">
-              <a:avLst/>
-            </a:prstGeom>
-            <a:ln>
-              <a:solidFill>
-                <a:schemeClr val="tx1"/>
-              </a:solidFill>
-              <a:tailEnd type="arrow"/>
-            </a:ln>
-            <a:effectLst/>
-          </p:spPr>
-          <p:style>
-            <a:lnRef idx="2">
-              <a:schemeClr val="accent1"/>
-            </a:lnRef>
-            <a:fillRef idx="0">
-              <a:schemeClr val="accent1"/>
-            </a:fillRef>
-            <a:effectRef idx="1">
-              <a:schemeClr val="accent1"/>
-            </a:effectRef>
-            <a:fontRef idx="minor">
-              <a:schemeClr val="tx1"/>
-            </a:fontRef>
-          </p:style>
-        </p:cxnSp>
-        <p:cxnSp>
-          <p:nvCxnSpPr>
-            <p:cNvPr id="23" name="直線矢印コネクタ 22"/>
-            <p:cNvCxnSpPr/>
-            <p:nvPr/>
-          </p:nvCxnSpPr>
-          <p:spPr>
-            <a:xfrm>
-              <a:off x="4672295" y="3309165"/>
-              <a:ext cx="357986" cy="0"/>
-            </a:xfrm>
-            <a:prstGeom prst="straightConnector1">
-              <a:avLst/>
-            </a:prstGeom>
-            <a:ln>
-              <a:solidFill>
-                <a:schemeClr val="tx1"/>
-              </a:solidFill>
-              <a:tailEnd type="arrow"/>
-            </a:ln>
-            <a:effectLst/>
-          </p:spPr>
-          <p:style>
-            <a:lnRef idx="2">
-              <a:schemeClr val="accent1"/>
-            </a:lnRef>
-            <a:fillRef idx="0">
-              <a:schemeClr val="accent1"/>
-            </a:fillRef>
-            <a:effectRef idx="1">
-              <a:schemeClr val="accent1"/>
-            </a:effectRef>
-            <a:fontRef idx="minor">
-              <a:schemeClr val="tx1"/>
-            </a:fontRef>
-          </p:style>
-        </p:cxnSp>
-        <p:pic>
-          <p:nvPicPr>
-            <p:cNvPr id="24" name="図 23" descr="LENNA.bmp"/>
-            <p:cNvPicPr>
-              <a:picLocks noChangeAspect="1"/>
-            </p:cNvPicPr>
-            <p:nvPr/>
-          </p:nvPicPr>
-          <p:blipFill>
-            <a:blip r:embed="rId7">
-              <a:extLst>
-                <a:ext uri="{28A0092B-C50C-407E-A947-70E740481C1C}">
-                  <a14:useLocalDpi xmlns:a14="http://schemas.microsoft.com/office/drawing/2010/main" val="0"/>
-                </a:ext>
-              </a:extLst>
-            </a:blip>
-            <a:stretch>
-              <a:fillRect/>
-            </a:stretch>
-          </p:blipFill>
-          <p:spPr>
-            <a:xfrm>
-              <a:off x="5257678" y="1676086"/>
-              <a:ext cx="696788" cy="696788"/>
-            </a:xfrm>
-            <a:prstGeom prst="rect">
-              <a:avLst/>
-            </a:prstGeom>
-          </p:spPr>
-        </p:pic>
-        <p:sp>
-          <p:nvSpPr>
-            <p:cNvPr id="25" name="テキスト ボックス 24"/>
-            <p:cNvSpPr txBox="1"/>
-            <p:nvPr/>
-          </p:nvSpPr>
-          <p:spPr>
-            <a:xfrm>
-              <a:off x="4884375" y="2387542"/>
-              <a:ext cx="1441420" cy="307777"/>
-            </a:xfrm>
-            <a:prstGeom prst="rect">
-              <a:avLst/>
-            </a:prstGeom>
-            <a:noFill/>
-          </p:spPr>
-          <p:txBody>
-            <a:bodyPr wrap="none" rtlCol="0">
-              <a:spAutoFit/>
-            </a:bodyPr>
-            <a:lstStyle/>
-            <a:p>
-              <a:r>
-                <a:rPr lang="ja-JP" altLang="en-US" sz="1400" dirty="0" smtClean="0"/>
-                <a:t>埋め込み前画像</a:t>
-              </a:r>
-              <a:endParaRPr kumimoji="1" lang="ja-JP" altLang="en-US" sz="1400" dirty="0"/>
-            </a:p>
-          </p:txBody>
-        </p:sp>
-        <p:cxnSp>
-          <p:nvCxnSpPr>
-            <p:cNvPr id="26" name="直線矢印コネクタ 25"/>
-            <p:cNvCxnSpPr/>
-            <p:nvPr/>
-          </p:nvCxnSpPr>
-          <p:spPr>
-            <a:xfrm>
-              <a:off x="5604717" y="2688629"/>
-              <a:ext cx="0" cy="363149"/>
-            </a:xfrm>
-            <a:prstGeom prst="straightConnector1">
-              <a:avLst/>
-            </a:prstGeom>
-            <a:ln>
-              <a:solidFill>
-                <a:schemeClr val="tx1"/>
-              </a:solidFill>
-              <a:tailEnd type="arrow"/>
-            </a:ln>
-            <a:effectLst/>
-          </p:spPr>
-          <p:style>
-            <a:lnRef idx="2">
-              <a:schemeClr val="accent1"/>
-            </a:lnRef>
-            <a:fillRef idx="0">
-              <a:schemeClr val="accent1"/>
-            </a:fillRef>
-            <a:effectRef idx="1">
-              <a:schemeClr val="accent1"/>
-            </a:effectRef>
-            <a:fontRef idx="minor">
-              <a:schemeClr val="tx1"/>
-            </a:fontRef>
-          </p:style>
-        </p:cxnSp>
-        <p:sp>
-          <p:nvSpPr>
-            <p:cNvPr id="27" name="正方形/長方形 26"/>
-            <p:cNvSpPr/>
-            <p:nvPr/>
-          </p:nvSpPr>
-          <p:spPr>
-            <a:xfrm>
-              <a:off x="5027673" y="3055665"/>
-              <a:ext cx="1298121" cy="523221"/>
-            </a:xfrm>
-            <a:prstGeom prst="rect">
-              <a:avLst/>
-            </a:prstGeom>
-            <a:noFill/>
-            <a:ln>
-              <a:solidFill>
-                <a:srgbClr val="000000"/>
-              </a:solidFill>
-            </a:ln>
-            <a:effectLst/>
-          </p:spPr>
-          <p:style>
-            <a:lnRef idx="1">
-              <a:schemeClr val="accent1"/>
-            </a:lnRef>
-            <a:fillRef idx="3">
-              <a:schemeClr val="accent1"/>
-            </a:fillRef>
-            <a:effectRef idx="2">
-              <a:schemeClr val="accent1"/>
-            </a:effectRef>
-            <a:fontRef idx="minor">
-              <a:schemeClr val="lt1"/>
-            </a:fontRef>
-          </p:style>
-          <p:txBody>
-            <a:bodyPr rtlCol="0" anchor="ctr"/>
-            <a:lstStyle/>
-            <a:p>
-              <a:pPr algn="ctr"/>
-              <a:endParaRPr kumimoji="1" lang="ja-JP" altLang="en-US" sz="1400"/>
-            </a:p>
-          </p:txBody>
-        </p:sp>
-        <p:sp>
-          <p:nvSpPr>
-            <p:cNvPr id="28" name="テキスト ボックス 27"/>
-            <p:cNvSpPr txBox="1"/>
-            <p:nvPr/>
-          </p:nvSpPr>
-          <p:spPr>
-            <a:xfrm>
-              <a:off x="5012365" y="3064000"/>
-              <a:ext cx="1365065" cy="523220"/>
-            </a:xfrm>
-            <a:prstGeom prst="rect">
-              <a:avLst/>
-            </a:prstGeom>
-            <a:noFill/>
-          </p:spPr>
-          <p:txBody>
-            <a:bodyPr wrap="none" rtlCol="0">
-              <a:spAutoFit/>
-            </a:bodyPr>
-            <a:lstStyle/>
-            <a:p>
-              <a:pPr algn="ctr"/>
-              <a:r>
-                <a:rPr kumimoji="1" lang="en-US" altLang="ja-JP" sz="1400" dirty="0" smtClean="0"/>
-                <a:t>PSNR</a:t>
-              </a:r>
-              <a:r>
-                <a:rPr kumimoji="1" lang="ja-JP" altLang="en-US" sz="1400" dirty="0" smtClean="0"/>
-                <a:t>値，</a:t>
-              </a:r>
-              <a:r>
-                <a:rPr lang="ja-JP" altLang="en-US" sz="1400" dirty="0" smtClean="0"/>
-                <a:t>誤り率</a:t>
-              </a:r>
-              <a:endParaRPr lang="en-US" altLang="ja-JP" sz="1400" dirty="0" smtClean="0"/>
-            </a:p>
-            <a:p>
-              <a:pPr algn="ctr"/>
-              <a:r>
-                <a:rPr kumimoji="1" lang="ja-JP" altLang="en-US" sz="1400" dirty="0" smtClean="0"/>
-                <a:t>計算器</a:t>
-              </a:r>
-              <a:endParaRPr kumimoji="1" lang="ja-JP" altLang="en-US" sz="1400" dirty="0"/>
-            </a:p>
-          </p:txBody>
-        </p:sp>
-        <p:cxnSp>
-          <p:nvCxnSpPr>
-            <p:cNvPr id="29" name="直線矢印コネクタ 28"/>
-            <p:cNvCxnSpPr/>
-            <p:nvPr/>
-          </p:nvCxnSpPr>
-          <p:spPr>
-            <a:xfrm>
-              <a:off x="6365250" y="3309165"/>
-              <a:ext cx="357986" cy="0"/>
-            </a:xfrm>
-            <a:prstGeom prst="straightConnector1">
-              <a:avLst/>
-            </a:prstGeom>
-            <a:ln>
-              <a:solidFill>
-                <a:schemeClr val="tx1"/>
-              </a:solidFill>
-              <a:tailEnd type="arrow"/>
-            </a:ln>
-            <a:effectLst/>
-          </p:spPr>
-          <p:style>
-            <a:lnRef idx="2">
-              <a:schemeClr val="accent1"/>
-            </a:lnRef>
-            <a:fillRef idx="0">
-              <a:schemeClr val="accent1"/>
-            </a:fillRef>
-            <a:effectRef idx="1">
-              <a:schemeClr val="accent1"/>
-            </a:effectRef>
-            <a:fontRef idx="minor">
-              <a:schemeClr val="tx1"/>
-            </a:fontRef>
-          </p:style>
-        </p:cxnSp>
-        <p:sp>
-          <p:nvSpPr>
-            <p:cNvPr id="30" name="円/楕円 29"/>
-            <p:cNvSpPr/>
-            <p:nvPr/>
-          </p:nvSpPr>
-          <p:spPr>
-            <a:xfrm>
-              <a:off x="6733447" y="3064000"/>
-              <a:ext cx="1029665" cy="492002"/>
-            </a:xfrm>
-            <a:prstGeom prst="ellipse">
-              <a:avLst/>
-            </a:prstGeom>
-            <a:solidFill>
-              <a:srgbClr val="FFFFFF"/>
-            </a:solidFill>
-            <a:ln>
-              <a:solidFill>
-                <a:srgbClr val="000000"/>
-              </a:solidFill>
-            </a:ln>
-            <a:effectLst/>
-          </p:spPr>
-          <p:style>
-            <a:lnRef idx="1">
-              <a:schemeClr val="accent1"/>
-            </a:lnRef>
-            <a:fillRef idx="3">
-              <a:schemeClr val="accent1"/>
-            </a:fillRef>
-            <a:effectRef idx="2">
-              <a:schemeClr val="accent1"/>
-            </a:effectRef>
-            <a:fontRef idx="minor">
-              <a:schemeClr val="lt1"/>
-            </a:fontRef>
-          </p:style>
-          <p:txBody>
-            <a:bodyPr rtlCol="0" anchor="ctr"/>
-            <a:lstStyle/>
-            <a:p>
-              <a:pPr algn="ctr"/>
-              <a:endParaRPr kumimoji="1" lang="ja-JP" altLang="en-US" sz="1400" dirty="0">
-                <a:solidFill>
-                  <a:schemeClr val="tx1"/>
-                </a:solidFill>
-              </a:endParaRPr>
-            </a:p>
-          </p:txBody>
-        </p:sp>
-        <p:sp>
-          <p:nvSpPr>
-            <p:cNvPr id="31" name="テキスト ボックス 30"/>
-            <p:cNvSpPr txBox="1"/>
-            <p:nvPr/>
-          </p:nvSpPr>
-          <p:spPr>
-            <a:xfrm>
-              <a:off x="6845264" y="3045144"/>
-              <a:ext cx="752818" cy="523220"/>
-            </a:xfrm>
-            <a:prstGeom prst="rect">
-              <a:avLst/>
-            </a:prstGeom>
-            <a:noFill/>
-          </p:spPr>
-          <p:txBody>
-            <a:bodyPr wrap="none" rtlCol="0">
-              <a:spAutoFit/>
-            </a:bodyPr>
-            <a:lstStyle/>
-            <a:p>
-              <a:pPr algn="ctr"/>
-              <a:r>
-                <a:rPr kumimoji="1" lang="en-US" altLang="ja-JP" sz="1400" dirty="0" smtClean="0">
-                  <a:solidFill>
-                    <a:srgbClr val="000000"/>
-                  </a:solidFill>
-                </a:rPr>
-                <a:t>PSNR</a:t>
-              </a:r>
-              <a:r>
-                <a:rPr kumimoji="1" lang="ja-JP" altLang="en-US" sz="1400" dirty="0" smtClean="0">
-                  <a:solidFill>
-                    <a:srgbClr val="000000"/>
-                  </a:solidFill>
-                </a:rPr>
-                <a:t>値</a:t>
-              </a:r>
-              <a:endParaRPr kumimoji="1" lang="en-US" altLang="ja-JP" sz="1400" dirty="0" smtClean="0">
-                <a:solidFill>
-                  <a:srgbClr val="000000"/>
-                </a:solidFill>
-              </a:endParaRPr>
-            </a:p>
-            <a:p>
-              <a:pPr algn="ctr"/>
-              <a:r>
-                <a:rPr lang="ja-JP" altLang="en-US" sz="1400" dirty="0" smtClean="0">
-                  <a:solidFill>
-                    <a:srgbClr val="000000"/>
-                  </a:solidFill>
-                </a:rPr>
-                <a:t>誤り率</a:t>
-              </a:r>
-              <a:endParaRPr kumimoji="1" lang="ja-JP" altLang="en-US" sz="1400" dirty="0">
-                <a:solidFill>
-                  <a:srgbClr val="000000"/>
-                </a:solidFill>
-              </a:endParaRPr>
-            </a:p>
-          </p:txBody>
-        </p:sp>
-      </p:grpSp>
-      <p:sp>
-        <p:nvSpPr>
-          <p:cNvPr id="36" name="角丸四角形 35"/>
-          <p:cNvSpPr/>
-          <p:nvPr/>
-        </p:nvSpPr>
-        <p:spPr>
-          <a:xfrm>
-            <a:off x="5187993" y="3750020"/>
-            <a:ext cx="2893732" cy="2352638"/>
-          </a:xfrm>
-          <a:prstGeom prst="roundRect">
-            <a:avLst/>
-          </a:prstGeom>
-          <a:noFill/>
-        </p:spPr>
-        <p:style>
-          <a:lnRef idx="1">
-            <a:schemeClr val="accent1"/>
-          </a:lnRef>
-          <a:fillRef idx="3">
-            <a:schemeClr val="accent1"/>
-          </a:fillRef>
-          <a:effectRef idx="2">
-            <a:schemeClr val="accent1"/>
-          </a:effectRef>
-          <a:fontRef idx="minor">
-            <a:schemeClr val="lt1"/>
-          </a:fontRef>
-        </p:style>
-        <p:txBody>
-          <a:bodyPr rtlCol="0" anchor="ctr"/>
-          <a:lstStyle/>
-          <a:p>
-            <a:pPr algn="ctr"/>
+              <a:rPr lang="ja-JP" altLang="en-US" dirty="0" smtClean="0"/>
+              <a:t>に比べ主観評価との相関が高い</a:t>
+            </a:r>
             <a:endParaRPr kumimoji="1" lang="ja-JP" altLang="en-US" dirty="0"/>
-          </a:p>
-        </p:txBody>
-      </p:sp>
-      <p:sp>
-        <p:nvSpPr>
-          <p:cNvPr id="37" name="テキスト ボックス 36"/>
-          <p:cNvSpPr txBox="1"/>
-          <p:nvPr/>
-        </p:nvSpPr>
-        <p:spPr>
-          <a:xfrm>
-            <a:off x="6193387" y="3402448"/>
-            <a:ext cx="817665" cy="369332"/>
-          </a:xfrm>
-          <a:prstGeom prst="rect">
-            <a:avLst/>
-          </a:prstGeom>
-          <a:noFill/>
-        </p:spPr>
-        <p:txBody>
-          <a:bodyPr wrap="square" rtlCol="0">
-            <a:spAutoFit/>
-          </a:bodyPr>
-          <a:lstStyle/>
-          <a:p>
-            <a:r>
-              <a:rPr kumimoji="1" lang="ja-JP" altLang="en-US" u="sng" dirty="0" smtClean="0"/>
-              <a:t>手順</a:t>
-            </a:r>
-            <a:r>
-              <a:rPr kumimoji="1" lang="en-US" altLang="ja-JP" u="sng" dirty="0" smtClean="0"/>
-              <a:t>2</a:t>
-            </a:r>
-            <a:endParaRPr kumimoji="1" lang="ja-JP" altLang="en-US" u="sng" dirty="0"/>
           </a:p>
         </p:txBody>
       </p:sp>
     </p:spTree>
     <p:extLst>
       <p:ext uri="{BB962C8B-B14F-4D97-AF65-F5344CB8AC3E}">
-        <p14:creationId xmlns:p14="http://schemas.microsoft.com/office/powerpoint/2010/main" val="605071555"/>
+        <p14:creationId xmlns:p14="http://schemas.microsoft.com/office/powerpoint/2010/main" val="2740321873"/>
       </p:ext>
     </p:extLst>
   </p:cSld>
   <p:clrMapOvr>
     <a:masterClrMapping/>
   </p:clrMapOvr>
-  <mc:AlternateContent xmlns:mc="http://schemas.openxmlformats.org/markup-compatibility/2006">
-    <mc:Choice xmlns:p14="http://schemas.microsoft.com/office/powerpoint/2010/main" Requires="p14">
-      <p:transition spd="slow" p14:dur="2000" advTm="316"/>
-    </mc:Choice>
-    <mc:Fallback>
-      <p:transition xmlns:p14="http://schemas.microsoft.com/office/powerpoint/2010/main" spd="slow" advTm="316"/>
-    </mc:Fallback>
-  </mc:AlternateContent>
-  <p:timing>
-    <p:tnLst>
-      <p:par>
-        <p:cTn xmlns:p14="http://schemas.microsoft.com/office/powerpoint/2010/main" id="1" dur="indefinite" restart="never" nodeType="tmRoot"/>
-      </p:par>
-    </p:tnLst>
-  </p:timing>
+</p:sld>
+</file>
+
+<file path=ppt/slides/slide15.xml><?xml version="1.0" encoding="utf-8"?>
+<p:sld xmlns:a="http://schemas.openxmlformats.org/drawingml/2006/main" xmlns:r="http://schemas.openxmlformats.org/officeDocument/2006/relationships" xmlns:p="http://schemas.openxmlformats.org/presentationml/2006/main">
+  <p:cSld>
+    <p:spTree>
+      <p:nvGrpSpPr>
+        <p:cNvPr id="1" name=""/>
+        <p:cNvGrpSpPr/>
+        <p:nvPr/>
+      </p:nvGrpSpPr>
+      <p:grpSpPr>
+        <a:xfrm>
+          <a:off x="0" y="0"/>
+          <a:ext cx="0" cy="0"/>
+          <a:chOff x="0" y="0"/>
+          <a:chExt cx="0" cy="0"/>
+        </a:xfrm>
+      </p:grpSpPr>
+      <p:pic>
+        <p:nvPicPr>
+          <p:cNvPr id="5" name="図 4" descr="スクリーンショット 2013-10-30 12.01.19.png"/>
+          <p:cNvPicPr>
+            <a:picLocks noChangeAspect="1"/>
+          </p:cNvPicPr>
+          <p:nvPr/>
+        </p:nvPicPr>
+        <p:blipFill>
+          <a:blip r:embed="rId2">
+            <a:extLst>
+              <a:ext uri="{28A0092B-C50C-407E-A947-70E740481C1C}">
+                <a14:useLocalDpi xmlns:a14="http://schemas.microsoft.com/office/drawing/2010/main" val="0"/>
+              </a:ext>
+            </a:extLst>
+          </a:blip>
+          <a:stretch>
+            <a:fillRect/>
+          </a:stretch>
+        </p:blipFill>
+        <p:spPr>
+          <a:xfrm>
+            <a:off x="22680" y="374220"/>
+            <a:ext cx="9144000" cy="6199615"/>
+          </a:xfrm>
+          <a:prstGeom prst="rect">
+            <a:avLst/>
+          </a:prstGeom>
+        </p:spPr>
+      </p:pic>
+    </p:spTree>
+    <p:extLst>
+      <p:ext uri="{BB962C8B-B14F-4D97-AF65-F5344CB8AC3E}">
+        <p14:creationId xmlns:p14="http://schemas.microsoft.com/office/powerpoint/2010/main" val="598240636"/>
+      </p:ext>
+    </p:extLst>
+  </p:cSld>
+  <p:clrMapOvr>
+    <a:masterClrMapping/>
+  </p:clrMapOvr>
 </p:sld>
 </file>
 
@@ -13813,10 +11279,10 @@
   </p:clrMapOvr>
   <mc:AlternateContent xmlns:mc="http://schemas.openxmlformats.org/markup-compatibility/2006">
     <mc:Choice xmlns:p14="http://schemas.microsoft.com/office/powerpoint/2010/main" Requires="p14">
-      <p:transition spd="slow" p14:dur="2000" advTm="34973"/>
+      <p:transition spd="slow" p14:dur="2000" advTm="35177"/>
     </mc:Choice>
     <mc:Fallback>
-      <p:transition xmlns:p14="http://schemas.microsoft.com/office/powerpoint/2010/main" spd="slow" advTm="34973"/>
+      <p:transition xmlns:p14="http://schemas.microsoft.com/office/powerpoint/2010/main" spd="slow" advTm="35177"/>
     </mc:Fallback>
   </mc:AlternateContent>
   <p:timing>
@@ -16661,23 +14127,7 @@
                   <a:srgbClr val="000000"/>
                 </a:solidFill>
               </a:rPr>
-              <a:t>テキスト情報のバイナリ</a:t>
-            </a:r>
-            <a:r>
-              <a:rPr lang="ja-JP" altLang="en-US" dirty="0" smtClean="0">
-                <a:solidFill>
-                  <a:srgbClr val="000000"/>
-                </a:solidFill>
-              </a:rPr>
-              <a:t>を</a:t>
-            </a:r>
-            <a:r>
-              <a:rPr lang="ja-JP" altLang="en-US" dirty="0" smtClean="0">
-                <a:solidFill>
-                  <a:srgbClr val="000000"/>
-                </a:solidFill>
-              </a:rPr>
-              <a:t>画像の</a:t>
+              <a:t>テキスト情報のバイナリを画像の</a:t>
             </a:r>
             <a:r>
               <a:rPr lang="en-US" altLang="ja-JP" dirty="0" smtClean="0">
@@ -16794,10 +14244,10 @@
   </p:clrMapOvr>
   <mc:AlternateContent xmlns:mc="http://schemas.openxmlformats.org/markup-compatibility/2006">
     <mc:Choice xmlns:p14="http://schemas.microsoft.com/office/powerpoint/2010/main" Requires="p14">
-      <p:transition spd="slow" p14:dur="2000" advTm="35964"/>
+      <p:transition spd="slow" p14:dur="2000" advTm="31877"/>
     </mc:Choice>
     <mc:Fallback>
-      <p:transition xmlns:p14="http://schemas.microsoft.com/office/powerpoint/2010/main" spd="slow" advTm="35964"/>
+      <p:transition xmlns:p14="http://schemas.microsoft.com/office/powerpoint/2010/main" spd="slow" advTm="31877"/>
     </mc:Fallback>
   </mc:AlternateContent>
   <p:timing>
@@ -17134,23 +14584,7 @@
                   <a:srgbClr val="000000"/>
                 </a:solidFill>
               </a:rPr>
-              <a:t>テキスト情報のバイナリ</a:t>
-            </a:r>
-            <a:r>
-              <a:rPr lang="ja-JP" altLang="en-US" dirty="0" smtClean="0">
-                <a:solidFill>
-                  <a:srgbClr val="000000"/>
-                </a:solidFill>
-              </a:rPr>
-              <a:t>を</a:t>
-            </a:r>
-            <a:r>
-              <a:rPr lang="ja-JP" altLang="en-US" dirty="0" smtClean="0">
-                <a:solidFill>
-                  <a:srgbClr val="000000"/>
-                </a:solidFill>
-              </a:rPr>
-              <a:t>誤りパターンに変換し，誤りパターンと</a:t>
+              <a:t>テキスト情報のバイナリを誤りパターンに変換し，誤りパターンと</a:t>
             </a:r>
             <a:r>
               <a:rPr lang="en-US" altLang="ja-JP" dirty="0" smtClean="0">
@@ -17627,23 +15061,7 @@
                   <a:srgbClr val="000000"/>
                 </a:solidFill>
               </a:rPr>
-              <a:t>(</a:t>
-            </a:r>
-            <a:r>
-              <a:rPr kumimoji="1" lang="en-US" altLang="ja-JP" dirty="0" smtClean="0">
-                <a:solidFill>
-                  <a:srgbClr val="000000"/>
-                </a:solidFill>
-              </a:rPr>
-              <a:t>111</a:t>
-            </a:r>
-            <a:r>
-              <a:rPr kumimoji="1" lang="en-US" altLang="ja-JP" dirty="0" smtClean="0">
-                <a:solidFill>
-                  <a:srgbClr val="000000"/>
-                </a:solidFill>
-              </a:rPr>
-              <a:t>)</a:t>
+              <a:t>(111)</a:t>
             </a:r>
             <a:r>
               <a:rPr kumimoji="1" lang="en-US" altLang="ja-JP" baseline="-25000" dirty="0" smtClean="0">
@@ -18759,31 +16177,7 @@
                   <a:srgbClr val="000000"/>
                 </a:solidFill>
               </a:rPr>
-              <a:t>０００</a:t>
-            </a:r>
-            <a:r>
-              <a:rPr lang="ja-JP" altLang="en-US" dirty="0" smtClean="0">
-                <a:solidFill>
-                  <a:srgbClr val="000000"/>
-                </a:solidFill>
-              </a:rPr>
-              <a:t>０</a:t>
-            </a:r>
-            <a:r>
-              <a:rPr lang="ja-JP" altLang="en-US" dirty="0" smtClean="0">
-                <a:solidFill>
-                  <a:srgbClr val="000000"/>
-                </a:solidFill>
-              </a:rPr>
-              <a:t>００</a:t>
-            </a:r>
-            <a:r>
-              <a:rPr lang="ja-JP" altLang="en-US" dirty="0" smtClean="0">
-                <a:solidFill>
-                  <a:srgbClr val="000000"/>
-                </a:solidFill>
-              </a:rPr>
-              <a:t>）</a:t>
+              <a:t>００００００）</a:t>
             </a:r>
             <a:r>
               <a:rPr lang="ja-JP" altLang="en-US" baseline="-25000" dirty="0" smtClean="0">
@@ -21108,10 +18502,10 @@
   </p:clrMapOvr>
   <mc:AlternateContent xmlns:mc="http://schemas.openxmlformats.org/markup-compatibility/2006">
     <mc:Choice xmlns:p14="http://schemas.microsoft.com/office/powerpoint/2010/main" Requires="p14">
-      <p:transition spd="slow" p14:dur="2000" advTm="93952"/>
+      <p:transition spd="slow" p14:dur="2000" advTm="38365"/>
     </mc:Choice>
     <mc:Fallback>
-      <p:transition xmlns:p14="http://schemas.microsoft.com/office/powerpoint/2010/main" spd="slow" advTm="93952"/>
+      <p:transition xmlns:p14="http://schemas.microsoft.com/office/powerpoint/2010/main" spd="slow" advTm="38365"/>
     </mc:Fallback>
   </mc:AlternateContent>
   <p:timing>
@@ -21282,14 +18676,14 @@
           <a:lstStyle/>
           <a:p>
             <a:r>
-              <a:rPr lang="ja-JP" altLang="en-US" b="1" dirty="0" smtClean="0">
+              <a:rPr lang="ja-JP" altLang="en-US" dirty="0" smtClean="0">
                 <a:solidFill>
                   <a:srgbClr val="000000"/>
                 </a:solidFill>
               </a:rPr>
               <a:t>問題点</a:t>
             </a:r>
-            <a:endParaRPr lang="en-US" altLang="ja-JP" b="1" dirty="0" smtClean="0">
+            <a:endParaRPr lang="en-US" altLang="ja-JP" dirty="0" smtClean="0">
               <a:solidFill>
                 <a:srgbClr val="000000"/>
               </a:solidFill>
@@ -22474,10 +19868,10 @@
   </p:clrMapOvr>
   <mc:AlternateContent xmlns:mc="http://schemas.openxmlformats.org/markup-compatibility/2006">
     <mc:Choice xmlns:p14="http://schemas.microsoft.com/office/powerpoint/2010/main" Requires="p14">
-      <p:transition spd="slow" p14:dur="2000" advTm="31357"/>
+      <p:transition spd="slow" p14:dur="2000" advTm="26017"/>
     </mc:Choice>
     <mc:Fallback>
-      <p:transition xmlns:p14="http://schemas.microsoft.com/office/powerpoint/2010/main" spd="slow" advTm="31357"/>
+      <p:transition xmlns:p14="http://schemas.microsoft.com/office/powerpoint/2010/main" spd="slow" advTm="26017"/>
     </mc:Fallback>
   </mc:AlternateContent>
   <p:timing>
@@ -22883,7 +20277,7 @@
           <a:graphicData uri="http://schemas.openxmlformats.org/presentationml/2006/ole">
             <mc:AlternateContent xmlns:mc="http://schemas.openxmlformats.org/markup-compatibility/2006">
               <mc:Choice xmlns:v="urn:schemas-microsoft-com:vml" Requires="v">
-                <p:oleObj spid="_x0000_s1336" name="数式" r:id="rId5" imgW="419100" imgH="469900" progId="Equation.3">
+                <p:oleObj spid="_x0000_s1371" name="数式" r:id="rId5" imgW="419100" imgH="469900" progId="Equation.3">
                   <p:embed/>
                 </p:oleObj>
               </mc:Choice>
@@ -22940,7 +20334,7 @@
           <a:graphicData uri="http://schemas.openxmlformats.org/presentationml/2006/ole">
             <mc:AlternateContent xmlns:mc="http://schemas.openxmlformats.org/markup-compatibility/2006">
               <mc:Choice xmlns:v="urn:schemas-microsoft-com:vml" Requires="v">
-                <p:oleObj spid="_x0000_s1337" name="数式" r:id="rId7" imgW="1181100" imgH="495300" progId="Equation.3">
+                <p:oleObj spid="_x0000_s1372" name="数式" r:id="rId7" imgW="1181100" imgH="495300" progId="Equation.3">
                   <p:embed/>
                 </p:oleObj>
               </mc:Choice>
@@ -24121,10 +21515,10 @@
   </p:clrMapOvr>
   <mc:AlternateContent xmlns:mc="http://schemas.openxmlformats.org/markup-compatibility/2006">
     <mc:Choice xmlns:p14="http://schemas.microsoft.com/office/powerpoint/2010/main" Requires="p14">
-      <p:transition spd="slow" p14:dur="2000" advTm="43828"/>
+      <p:transition spd="slow" p14:dur="2000" advTm="40204"/>
     </mc:Choice>
     <mc:Fallback>
-      <p:transition xmlns:p14="http://schemas.microsoft.com/office/powerpoint/2010/main" spd="slow" advTm="43828"/>
+      <p:transition xmlns:p14="http://schemas.microsoft.com/office/powerpoint/2010/main" spd="slow" advTm="40204"/>
     </mc:Fallback>
   </mc:AlternateContent>
   <p:timing>
@@ -24256,7 +21650,7 @@
           <a:graphicData uri="http://schemas.openxmlformats.org/presentationml/2006/ole">
             <mc:AlternateContent xmlns:mc="http://schemas.openxmlformats.org/markup-compatibility/2006">
               <mc:Choice xmlns:v="urn:schemas-microsoft-com:vml" Requires="v">
-                <p:oleObj spid="_x0000_s3375" name="数式" r:id="rId4" imgW="1054100" imgH="495300" progId="Equation.3">
+                <p:oleObj spid="_x0000_s3444" name="数式" r:id="rId4" imgW="1054100" imgH="495300" progId="Equation.3">
                   <p:embed/>
                 </p:oleObj>
               </mc:Choice>
@@ -24313,7 +21707,7 @@
           <a:graphicData uri="http://schemas.openxmlformats.org/presentationml/2006/ole">
             <mc:AlternateContent xmlns:mc="http://schemas.openxmlformats.org/markup-compatibility/2006">
               <mc:Choice xmlns:v="urn:schemas-microsoft-com:vml" Requires="v">
-                <p:oleObj spid="_x0000_s3376" name="数式" r:id="rId6" imgW="825500" imgH="495300" progId="Equation.3">
+                <p:oleObj spid="_x0000_s3445" name="数式" r:id="rId6" imgW="825500" imgH="495300" progId="Equation.3">
                   <p:embed/>
                 </p:oleObj>
               </mc:Choice>
@@ -24388,11 +21782,7 @@
           <a:p>
             <a:r>
               <a:rPr lang="ja-JP" altLang="en-US" dirty="0" smtClean="0"/>
-              <a:t>実験</a:t>
-            </a:r>
-            <a:r>
-              <a:rPr lang="ja-JP" altLang="en-US" dirty="0" smtClean="0"/>
-              <a:t>手順</a:t>
+              <a:t>実験手順</a:t>
             </a:r>
             <a:endParaRPr lang="ja-JP" altLang="en-US" dirty="0"/>
           </a:p>
@@ -24409,7 +21799,7 @@
         <p:spPr>
           <a:xfrm>
             <a:off x="561802" y="1474231"/>
-            <a:ext cx="8229600" cy="963917"/>
+            <a:ext cx="8229600" cy="1780413"/>
           </a:xfrm>
           <a:prstGeom prst="rect">
             <a:avLst/>
@@ -24559,9 +21949,13 @@
           <a:p>
             <a:r>
               <a:rPr lang="ja-JP" altLang="en-US" sz="2400" dirty="0" smtClean="0"/>
-              <a:t>前提条件</a:t>
-            </a:r>
-            <a:endParaRPr lang="en-US" altLang="ja-JP" sz="2400" dirty="0" smtClean="0"/>
+              <a:t>前提</a:t>
+            </a:r>
+            <a:r>
+              <a:rPr lang="ja-JP" altLang="en-US" sz="2400" dirty="0" smtClean="0"/>
+              <a:t>条件</a:t>
+            </a:r>
+            <a:endParaRPr lang="en-US" altLang="ja-JP" sz="2400" dirty="0"/>
           </a:p>
           <a:p>
             <a:pPr lvl="1"/>
@@ -24580,6 +21974,16 @@
             <a:r>
               <a:rPr lang="ja-JP" altLang="en-US" sz="2000" dirty="0" smtClean="0"/>
               <a:t>する</a:t>
+            </a:r>
+            <a:endParaRPr lang="en-US" altLang="ja-JP" sz="2400" dirty="0" smtClean="0"/>
+          </a:p>
+          <a:p>
+            <a:endParaRPr lang="en-US" altLang="ja-JP" sz="2400" dirty="0"/>
+          </a:p>
+          <a:p>
+            <a:r>
+              <a:rPr lang="ja-JP" altLang="en-US" sz="2400" dirty="0" smtClean="0"/>
+              <a:t>概要図</a:t>
             </a:r>
             <a:endParaRPr lang="en-US" altLang="ja-JP" sz="2400" dirty="0"/>
           </a:p>
@@ -24607,7 +22011,7 @@
           <a:graphicData uri="http://schemas.openxmlformats.org/presentationml/2006/ole">
             <mc:AlternateContent xmlns:mc="http://schemas.openxmlformats.org/markup-compatibility/2006">
               <mc:Choice xmlns:v="urn:schemas-microsoft-com:vml" Requires="v">
-                <p:oleObj spid="_x0000_s3377" name="数式" r:id="rId8" imgW="1498600" imgH="406400" progId="Equation.3">
+                <p:oleObj spid="_x0000_s3446" name="数式" r:id="rId8" imgW="1498600" imgH="406400" progId="Equation.3">
                   <p:embed/>
                 </p:oleObj>
               </mc:Choice>
@@ -24770,20 +22174,20 @@
           <p:nvPr>
             <p:extLst>
               <p:ext uri="{D42A27DB-BD31-4B8C-83A1-F6EECF244321}">
-                <p14:modId xmlns:p14="http://schemas.microsoft.com/office/powerpoint/2010/main" val="3559254621"/>
+                <p14:modId xmlns:p14="http://schemas.microsoft.com/office/powerpoint/2010/main" val="4039658854"/>
               </p:ext>
             </p:extLst>
           </p:nvPr>
         </p:nvGraphicFramePr>
         <p:xfrm>
-          <a:off x="12225368" y="2152633"/>
+          <a:off x="12551056" y="4659075"/>
           <a:ext cx="1239756" cy="650241"/>
         </p:xfrm>
         <a:graphic>
           <a:graphicData uri="http://schemas.openxmlformats.org/presentationml/2006/ole">
             <mc:AlternateContent xmlns:mc="http://schemas.openxmlformats.org/markup-compatibility/2006">
               <mc:Choice xmlns:v="urn:schemas-microsoft-com:vml" Requires="v">
-                <p:oleObj spid="_x0000_s3378" name="数式" r:id="rId10" imgW="749300" imgH="393700" progId="Equation.3">
+                <p:oleObj spid="_x0000_s3447" name="数式" r:id="rId10" imgW="749300" imgH="393700" progId="Equation.3">
                   <p:embed/>
                 </p:oleObj>
               </mc:Choice>
@@ -24813,7 +22217,7 @@
                     </p:blipFill>
                     <p:spPr bwMode="auto">
                       <a:xfrm>
-                        <a:off x="12225368" y="2152633"/>
+                        <a:off x="12551056" y="4659075"/>
                         <a:ext cx="1239756" cy="650241"/>
                       </a:xfrm>
                       <a:prstGeom prst="rect">
@@ -24839,7 +22243,7 @@
         </p:nvSpPr>
         <p:spPr>
           <a:xfrm>
-            <a:off x="9714099" y="2802874"/>
+            <a:off x="9981002" y="5322665"/>
             <a:ext cx="6448853" cy="369332"/>
           </a:xfrm>
           <a:prstGeom prst="rect">
@@ -24920,665 +22324,28 @@
       </p:sp>
       <p:grpSp>
         <p:nvGrpSpPr>
-          <p:cNvPr id="71" name="図形グループ 70"/>
+          <p:cNvPr id="72" name="図形グループ 71"/>
           <p:cNvGrpSpPr/>
           <p:nvPr/>
         </p:nvGrpSpPr>
         <p:grpSpPr>
           <a:xfrm>
-            <a:off x="1666983" y="2791595"/>
-            <a:ext cx="6347169" cy="2581022"/>
-            <a:chOff x="1415943" y="1676086"/>
-            <a:chExt cx="6347169" cy="2581022"/>
+            <a:off x="765039" y="4057553"/>
+            <a:ext cx="1081335" cy="621947"/>
+            <a:chOff x="532220" y="2067796"/>
+            <a:chExt cx="1124655" cy="667302"/>
           </a:xfrm>
         </p:grpSpPr>
-        <p:grpSp>
-          <p:nvGrpSpPr>
-            <p:cNvPr id="72" name="図形グループ 71"/>
-            <p:cNvGrpSpPr/>
-            <p:nvPr/>
-          </p:nvGrpSpPr>
-          <p:grpSpPr>
-            <a:xfrm>
-              <a:off x="1415943" y="2183641"/>
-              <a:ext cx="943487" cy="524977"/>
-              <a:chOff x="497541" y="2067796"/>
-              <a:chExt cx="1187355" cy="681545"/>
-            </a:xfrm>
-          </p:grpSpPr>
-          <p:sp>
-            <p:nvSpPr>
-              <p:cNvPr id="94" name="正方形/長方形 93"/>
-              <p:cNvSpPr/>
-              <p:nvPr/>
-            </p:nvSpPr>
-            <p:spPr>
-              <a:xfrm>
-                <a:off x="532220" y="2067796"/>
-                <a:ext cx="1124655" cy="667302"/>
-              </a:xfrm>
-              <a:prstGeom prst="rect">
-                <a:avLst/>
-              </a:prstGeom>
-              <a:noFill/>
-              <a:ln>
-                <a:solidFill>
-                  <a:srgbClr val="000000"/>
-                </a:solidFill>
-              </a:ln>
-              <a:effectLst/>
-            </p:spPr>
-            <p:style>
-              <a:lnRef idx="1">
-                <a:schemeClr val="accent1"/>
-              </a:lnRef>
-              <a:fillRef idx="3">
-                <a:schemeClr val="accent1"/>
-              </a:fillRef>
-              <a:effectRef idx="2">
-                <a:schemeClr val="accent1"/>
-              </a:effectRef>
-              <a:fontRef idx="minor">
-                <a:schemeClr val="lt1"/>
-              </a:fontRef>
-            </p:style>
-            <p:txBody>
-              <a:bodyPr rtlCol="0" anchor="ctr"/>
-              <a:lstStyle/>
-              <a:p>
-                <a:pPr algn="ctr"/>
-                <a:endParaRPr kumimoji="1" lang="ja-JP" altLang="en-US" sz="1400"/>
-              </a:p>
-            </p:txBody>
-          </p:sp>
-          <p:sp>
-            <p:nvSpPr>
-              <p:cNvPr id="95" name="テキスト ボックス 94"/>
-              <p:cNvSpPr txBox="1"/>
-              <p:nvPr/>
-            </p:nvSpPr>
-            <p:spPr>
-              <a:xfrm>
-                <a:off x="497541" y="2070077"/>
-                <a:ext cx="1187355" cy="679264"/>
-              </a:xfrm>
-              <a:prstGeom prst="rect">
-                <a:avLst/>
-              </a:prstGeom>
-              <a:noFill/>
-            </p:spPr>
-            <p:txBody>
-              <a:bodyPr wrap="none" rtlCol="0">
-                <a:spAutoFit/>
-              </a:bodyPr>
-              <a:lstStyle/>
-              <a:p>
-                <a:pPr algn="ctr"/>
-                <a:r>
-                  <a:rPr lang="ja-JP" altLang="en-US" sz="1400" dirty="0" smtClean="0"/>
-                  <a:t>メッセージ</a:t>
-                </a:r>
-                <a:endParaRPr kumimoji="1" lang="en-US" altLang="ja-JP" sz="1400" dirty="0" smtClean="0"/>
-              </a:p>
-              <a:p>
-                <a:r>
-                  <a:rPr kumimoji="1" lang="ja-JP" altLang="en-US" sz="1400" dirty="0" smtClean="0"/>
-                  <a:t>生成器</a:t>
-                </a:r>
-                <a:endParaRPr kumimoji="1" lang="ja-JP" altLang="en-US" sz="1400" dirty="0"/>
-              </a:p>
-            </p:txBody>
-          </p:sp>
-        </p:grpSp>
-        <p:pic>
-          <p:nvPicPr>
-            <p:cNvPr id="73" name="図 72" descr="LENNA.bmp"/>
-            <p:cNvPicPr>
-              <a:picLocks noChangeAspect="1"/>
-            </p:cNvPicPr>
-            <p:nvPr/>
-          </p:nvPicPr>
-          <p:blipFill>
-            <a:blip r:embed="rId12">
-              <a:extLst>
-                <a:ext uri="{28A0092B-C50C-407E-A947-70E740481C1C}">
-                  <a14:useLocalDpi xmlns:a14="http://schemas.microsoft.com/office/drawing/2010/main" val="0"/>
-                </a:ext>
-              </a:extLst>
-            </a:blip>
-            <a:stretch>
-              <a:fillRect/>
-            </a:stretch>
-          </p:blipFill>
-          <p:spPr>
-            <a:xfrm>
-              <a:off x="2073259" y="2961931"/>
-              <a:ext cx="696788" cy="696788"/>
-            </a:xfrm>
-            <a:prstGeom prst="rect">
-              <a:avLst/>
-            </a:prstGeom>
-          </p:spPr>
-        </p:pic>
-        <p:cxnSp>
-          <p:nvCxnSpPr>
-            <p:cNvPr id="74" name="直線矢印コネクタ 73"/>
-            <p:cNvCxnSpPr/>
-            <p:nvPr/>
-          </p:nvCxnSpPr>
-          <p:spPr>
-            <a:xfrm>
-              <a:off x="2385009" y="2451829"/>
-              <a:ext cx="409352" cy="0"/>
-            </a:xfrm>
-            <a:prstGeom prst="straightConnector1">
-              <a:avLst/>
-            </a:prstGeom>
-            <a:ln>
-              <a:solidFill>
-                <a:schemeClr val="tx1"/>
-              </a:solidFill>
-              <a:tailEnd type="arrow"/>
-            </a:ln>
-            <a:effectLst/>
-          </p:spPr>
-          <p:style>
-            <a:lnRef idx="2">
-              <a:schemeClr val="accent1"/>
-            </a:lnRef>
-            <a:fillRef idx="0">
-              <a:schemeClr val="accent1"/>
-            </a:fillRef>
-            <a:effectRef idx="1">
-              <a:schemeClr val="accent1"/>
-            </a:effectRef>
-            <a:fontRef idx="minor">
-              <a:schemeClr val="tx1"/>
-            </a:fontRef>
-          </p:style>
-        </p:cxnSp>
-        <p:grpSp>
-          <p:nvGrpSpPr>
-            <p:cNvPr id="75" name="図形グループ 74"/>
-            <p:cNvGrpSpPr/>
-            <p:nvPr/>
-          </p:nvGrpSpPr>
-          <p:grpSpPr>
-            <a:xfrm>
-              <a:off x="2789809" y="2183645"/>
-              <a:ext cx="1146468" cy="525448"/>
-              <a:chOff x="2220835" y="1917223"/>
-              <a:chExt cx="1146468" cy="525448"/>
-            </a:xfrm>
-          </p:grpSpPr>
-          <p:sp>
-            <p:nvSpPr>
-              <p:cNvPr id="92" name="正方形/長方形 91"/>
-              <p:cNvSpPr/>
-              <p:nvPr/>
-            </p:nvSpPr>
-            <p:spPr>
-              <a:xfrm>
-                <a:off x="2243237" y="1917223"/>
-                <a:ext cx="1095354" cy="514006"/>
-              </a:xfrm>
-              <a:prstGeom prst="rect">
-                <a:avLst/>
-              </a:prstGeom>
-              <a:noFill/>
-              <a:ln>
-                <a:solidFill>
-                  <a:srgbClr val="000000"/>
-                </a:solidFill>
-              </a:ln>
-              <a:effectLst/>
-            </p:spPr>
-            <p:style>
-              <a:lnRef idx="1">
-                <a:schemeClr val="accent1"/>
-              </a:lnRef>
-              <a:fillRef idx="3">
-                <a:schemeClr val="accent1"/>
-              </a:fillRef>
-              <a:effectRef idx="2">
-                <a:schemeClr val="accent1"/>
-              </a:effectRef>
-              <a:fontRef idx="minor">
-                <a:schemeClr val="lt1"/>
-              </a:fontRef>
-            </p:style>
-            <p:txBody>
-              <a:bodyPr rtlCol="0" anchor="ctr"/>
-              <a:lstStyle/>
-              <a:p>
-                <a:pPr algn="ctr"/>
-                <a:endParaRPr kumimoji="1" lang="ja-JP" altLang="en-US" sz="1400"/>
-              </a:p>
-            </p:txBody>
-          </p:sp>
-          <p:sp>
-            <p:nvSpPr>
-              <p:cNvPr id="93" name="テキスト ボックス 92"/>
-              <p:cNvSpPr txBox="1"/>
-              <p:nvPr/>
-            </p:nvSpPr>
-            <p:spPr>
-              <a:xfrm>
-                <a:off x="2220835" y="1919451"/>
-                <a:ext cx="1146468" cy="523220"/>
-              </a:xfrm>
-              <a:prstGeom prst="rect">
-                <a:avLst/>
-              </a:prstGeom>
-              <a:noFill/>
-            </p:spPr>
-            <p:txBody>
-              <a:bodyPr wrap="none" rtlCol="0">
-                <a:spAutoFit/>
-              </a:bodyPr>
-              <a:lstStyle/>
-              <a:p>
-                <a:pPr algn="ctr"/>
-                <a:r>
-                  <a:rPr kumimoji="1" lang="ja-JP" altLang="en-US" sz="1400" dirty="0" smtClean="0"/>
-                  <a:t>誤りパターン</a:t>
-                </a:r>
-                <a:endParaRPr kumimoji="1" lang="en-US" altLang="ja-JP" sz="1400" dirty="0" smtClean="0"/>
-              </a:p>
-              <a:p>
-                <a:pPr algn="ctr"/>
-                <a:r>
-                  <a:rPr kumimoji="1" lang="ja-JP" altLang="en-US" sz="1400" dirty="0" smtClean="0"/>
-                  <a:t>変換器</a:t>
-                </a:r>
-                <a:endParaRPr kumimoji="1" lang="ja-JP" altLang="en-US" sz="1400" dirty="0"/>
-              </a:p>
-            </p:txBody>
-          </p:sp>
-        </p:grpSp>
-        <p:cxnSp>
-          <p:nvCxnSpPr>
-            <p:cNvPr id="76" name="直線矢印コネクタ 75"/>
-            <p:cNvCxnSpPr/>
-            <p:nvPr/>
-          </p:nvCxnSpPr>
-          <p:spPr>
-            <a:xfrm>
-              <a:off x="3358344" y="2742560"/>
-              <a:ext cx="2647" cy="433760"/>
-            </a:xfrm>
-            <a:prstGeom prst="straightConnector1">
-              <a:avLst/>
-            </a:prstGeom>
-            <a:ln>
-              <a:solidFill>
-                <a:schemeClr val="tx1"/>
-              </a:solidFill>
-              <a:tailEnd type="arrow"/>
-            </a:ln>
-            <a:effectLst/>
-          </p:spPr>
-          <p:style>
-            <a:lnRef idx="2">
-              <a:schemeClr val="accent1"/>
-            </a:lnRef>
-            <a:fillRef idx="0">
-              <a:schemeClr val="accent1"/>
-            </a:fillRef>
-            <a:effectRef idx="1">
-              <a:schemeClr val="accent1"/>
-            </a:effectRef>
-            <a:fontRef idx="minor">
-              <a:schemeClr val="tx1"/>
-            </a:fontRef>
-          </p:style>
-        </p:cxnSp>
         <p:sp>
           <p:nvSpPr>
-            <p:cNvPr id="77" name="テキスト ボックス 76"/>
-            <p:cNvSpPr txBox="1"/>
-            <p:nvPr/>
-          </p:nvSpPr>
-          <p:spPr>
-            <a:xfrm>
-              <a:off x="1728778" y="3733888"/>
-              <a:ext cx="1441420" cy="523220"/>
-            </a:xfrm>
-            <a:prstGeom prst="rect">
-              <a:avLst/>
-            </a:prstGeom>
-            <a:noFill/>
-          </p:spPr>
-          <p:txBody>
-            <a:bodyPr wrap="none" rtlCol="0">
-              <a:spAutoFit/>
-            </a:bodyPr>
-            <a:lstStyle/>
-            <a:p>
-              <a:r>
-                <a:rPr lang="ja-JP" altLang="en-US" sz="1400" dirty="0"/>
-                <a:t>埋め込み前画像</a:t>
-              </a:r>
-            </a:p>
-            <a:p>
-              <a:endParaRPr lang="ja-JP" altLang="en-US" sz="1400" dirty="0"/>
-            </a:p>
-          </p:txBody>
-        </p:sp>
-        <p:pic>
-          <p:nvPicPr>
-            <p:cNvPr id="78" name="図 77" descr="LENNA.bmp"/>
-            <p:cNvPicPr>
-              <a:picLocks noChangeAspect="1"/>
-            </p:cNvPicPr>
-            <p:nvPr/>
-          </p:nvPicPr>
-          <p:blipFill>
-            <a:blip r:embed="rId12">
-              <a:extLst>
-                <a:ext uri="{28A0092B-C50C-407E-A947-70E740481C1C}">
-                  <a14:useLocalDpi xmlns:a14="http://schemas.microsoft.com/office/drawing/2010/main" val="0"/>
-                </a:ext>
-              </a:extLst>
-            </a:blip>
-            <a:stretch>
-              <a:fillRect/>
-            </a:stretch>
-          </p:blipFill>
-          <p:spPr>
-            <a:xfrm>
-              <a:off x="3936277" y="2970365"/>
-              <a:ext cx="696788" cy="696788"/>
-            </a:xfrm>
-            <a:prstGeom prst="rect">
-              <a:avLst/>
-            </a:prstGeom>
-          </p:spPr>
-        </p:pic>
-        <p:sp>
-          <p:nvSpPr>
-            <p:cNvPr id="79" name="テキスト ボックス 78"/>
-            <p:cNvSpPr txBox="1"/>
-            <p:nvPr/>
-          </p:nvSpPr>
-          <p:spPr>
-            <a:xfrm>
-              <a:off x="3588178" y="3733888"/>
-              <a:ext cx="1441420" cy="523220"/>
-            </a:xfrm>
-            <a:prstGeom prst="rect">
-              <a:avLst/>
-            </a:prstGeom>
-            <a:noFill/>
-          </p:spPr>
-          <p:txBody>
-            <a:bodyPr wrap="none" rtlCol="0">
-              <a:spAutoFit/>
-            </a:bodyPr>
-            <a:lstStyle/>
-            <a:p>
-              <a:r>
-                <a:rPr lang="ja-JP" altLang="en-US" sz="1400" dirty="0" smtClean="0"/>
-                <a:t>埋め込み後画像</a:t>
-              </a:r>
-              <a:endParaRPr lang="ja-JP" altLang="en-US" sz="1400" dirty="0"/>
-            </a:p>
-            <a:p>
-              <a:endParaRPr lang="ja-JP" altLang="en-US" sz="1400" dirty="0"/>
-            </a:p>
-          </p:txBody>
-        </p:sp>
-        <p:sp>
-          <p:nvSpPr>
-            <p:cNvPr id="80" name="テキスト ボックス 79"/>
-            <p:cNvSpPr txBox="1"/>
-            <p:nvPr/>
-          </p:nvSpPr>
-          <p:spPr>
-            <a:xfrm>
-              <a:off x="3136388" y="2909822"/>
-              <a:ext cx="466794" cy="769441"/>
-            </a:xfrm>
-            <a:prstGeom prst="rect">
-              <a:avLst/>
-            </a:prstGeom>
-            <a:noFill/>
-            <a:ln>
-              <a:noFill/>
-            </a:ln>
-          </p:spPr>
-          <p:txBody>
-            <a:bodyPr wrap="none" rtlCol="0">
-              <a:spAutoFit/>
-            </a:bodyPr>
-            <a:lstStyle/>
-            <a:p>
-              <a:r>
-                <a:rPr kumimoji="1" lang="en-US" altLang="ja-JP" sz="4400" dirty="0" smtClean="0"/>
-                <a:t>⊕</a:t>
-              </a:r>
-              <a:endParaRPr kumimoji="1" lang="ja-JP" altLang="en-US" sz="4400" dirty="0"/>
-            </a:p>
-          </p:txBody>
-        </p:sp>
-        <p:cxnSp>
-          <p:nvCxnSpPr>
-            <p:cNvPr id="81" name="直線矢印コネクタ 80"/>
-            <p:cNvCxnSpPr/>
-            <p:nvPr/>
-          </p:nvCxnSpPr>
-          <p:spPr>
-            <a:xfrm>
-              <a:off x="2812211" y="3313622"/>
-              <a:ext cx="393785" cy="0"/>
-            </a:xfrm>
-            <a:prstGeom prst="straightConnector1">
-              <a:avLst/>
-            </a:prstGeom>
-            <a:ln>
-              <a:solidFill>
-                <a:schemeClr val="tx1"/>
-              </a:solidFill>
-              <a:tailEnd type="arrow"/>
-            </a:ln>
-            <a:effectLst/>
-          </p:spPr>
-          <p:style>
-            <a:lnRef idx="2">
-              <a:schemeClr val="accent1"/>
-            </a:lnRef>
-            <a:fillRef idx="0">
-              <a:schemeClr val="accent1"/>
-            </a:fillRef>
-            <a:effectRef idx="1">
-              <a:schemeClr val="accent1"/>
-            </a:effectRef>
-            <a:fontRef idx="minor">
-              <a:schemeClr val="tx1"/>
-            </a:fontRef>
-          </p:style>
-        </p:cxnSp>
-        <p:cxnSp>
-          <p:nvCxnSpPr>
-            <p:cNvPr id="82" name="直線矢印コネクタ 81"/>
-            <p:cNvCxnSpPr/>
-            <p:nvPr/>
-          </p:nvCxnSpPr>
-          <p:spPr>
-            <a:xfrm>
-              <a:off x="3513779" y="3317276"/>
-              <a:ext cx="393785" cy="0"/>
-            </a:xfrm>
-            <a:prstGeom prst="straightConnector1">
-              <a:avLst/>
-            </a:prstGeom>
-            <a:ln>
-              <a:solidFill>
-                <a:schemeClr val="tx1"/>
-              </a:solidFill>
-              <a:tailEnd type="arrow"/>
-            </a:ln>
-            <a:effectLst/>
-          </p:spPr>
-          <p:style>
-            <a:lnRef idx="2">
-              <a:schemeClr val="accent1"/>
-            </a:lnRef>
-            <a:fillRef idx="0">
-              <a:schemeClr val="accent1"/>
-            </a:fillRef>
-            <a:effectRef idx="1">
-              <a:schemeClr val="accent1"/>
-            </a:effectRef>
-            <a:fontRef idx="minor">
-              <a:schemeClr val="tx1"/>
-            </a:fontRef>
-          </p:style>
-        </p:cxnSp>
-        <p:cxnSp>
-          <p:nvCxnSpPr>
-            <p:cNvPr id="83" name="直線矢印コネクタ 82"/>
-            <p:cNvCxnSpPr/>
-            <p:nvPr/>
-          </p:nvCxnSpPr>
-          <p:spPr>
-            <a:xfrm>
-              <a:off x="4672295" y="3309165"/>
-              <a:ext cx="357986" cy="0"/>
-            </a:xfrm>
-            <a:prstGeom prst="straightConnector1">
-              <a:avLst/>
-            </a:prstGeom>
-            <a:ln>
-              <a:solidFill>
-                <a:schemeClr val="tx1"/>
-              </a:solidFill>
-              <a:tailEnd type="arrow"/>
-            </a:ln>
-            <a:effectLst/>
-          </p:spPr>
-          <p:style>
-            <a:lnRef idx="2">
-              <a:schemeClr val="accent1"/>
-            </a:lnRef>
-            <a:fillRef idx="0">
-              <a:schemeClr val="accent1"/>
-            </a:fillRef>
-            <a:effectRef idx="1">
-              <a:schemeClr val="accent1"/>
-            </a:effectRef>
-            <a:fontRef idx="minor">
-              <a:schemeClr val="tx1"/>
-            </a:fontRef>
-          </p:style>
-        </p:cxnSp>
-        <p:pic>
-          <p:nvPicPr>
-            <p:cNvPr id="84" name="図 83" descr="LENNA.bmp"/>
-            <p:cNvPicPr>
-              <a:picLocks noChangeAspect="1"/>
-            </p:cNvPicPr>
-            <p:nvPr/>
-          </p:nvPicPr>
-          <p:blipFill>
-            <a:blip r:embed="rId12">
-              <a:extLst>
-                <a:ext uri="{28A0092B-C50C-407E-A947-70E740481C1C}">
-                  <a14:useLocalDpi xmlns:a14="http://schemas.microsoft.com/office/drawing/2010/main" val="0"/>
-                </a:ext>
-              </a:extLst>
-            </a:blip>
-            <a:stretch>
-              <a:fillRect/>
-            </a:stretch>
-          </p:blipFill>
-          <p:spPr>
-            <a:xfrm>
-              <a:off x="5257678" y="1676086"/>
-              <a:ext cx="696788" cy="696788"/>
-            </a:xfrm>
-            <a:prstGeom prst="rect">
-              <a:avLst/>
-            </a:prstGeom>
-          </p:spPr>
-        </p:pic>
-        <p:sp>
-          <p:nvSpPr>
-            <p:cNvPr id="85" name="テキスト ボックス 84"/>
-            <p:cNvSpPr txBox="1"/>
-            <p:nvPr/>
-          </p:nvSpPr>
-          <p:spPr>
-            <a:xfrm>
-              <a:off x="4884375" y="2387542"/>
-              <a:ext cx="1441420" cy="307777"/>
-            </a:xfrm>
-            <a:prstGeom prst="rect">
-              <a:avLst/>
-            </a:prstGeom>
-            <a:noFill/>
-          </p:spPr>
-          <p:txBody>
-            <a:bodyPr wrap="none" rtlCol="0">
-              <a:spAutoFit/>
-            </a:bodyPr>
-            <a:lstStyle/>
-            <a:p>
-              <a:r>
-                <a:rPr lang="ja-JP" altLang="en-US" sz="1400" dirty="0" smtClean="0"/>
-                <a:t>埋め込み前画像</a:t>
-              </a:r>
-              <a:endParaRPr kumimoji="1" lang="ja-JP" altLang="en-US" sz="1400" dirty="0"/>
-            </a:p>
-          </p:txBody>
-        </p:sp>
-        <p:cxnSp>
-          <p:nvCxnSpPr>
-            <p:cNvPr id="86" name="直線矢印コネクタ 85"/>
-            <p:cNvCxnSpPr/>
-            <p:nvPr/>
-          </p:nvCxnSpPr>
-          <p:spPr>
-            <a:xfrm>
-              <a:off x="5604717" y="2688629"/>
-              <a:ext cx="0" cy="363149"/>
-            </a:xfrm>
-            <a:prstGeom prst="straightConnector1">
-              <a:avLst/>
-            </a:prstGeom>
-            <a:ln>
-              <a:solidFill>
-                <a:schemeClr val="tx1"/>
-              </a:solidFill>
-              <a:tailEnd type="arrow"/>
-            </a:ln>
-            <a:effectLst/>
-          </p:spPr>
-          <p:style>
-            <a:lnRef idx="2">
-              <a:schemeClr val="accent1"/>
-            </a:lnRef>
-            <a:fillRef idx="0">
-              <a:schemeClr val="accent1"/>
-            </a:fillRef>
-            <a:effectRef idx="1">
-              <a:schemeClr val="accent1"/>
-            </a:effectRef>
-            <a:fontRef idx="minor">
-              <a:schemeClr val="tx1"/>
-            </a:fontRef>
-          </p:style>
-        </p:cxnSp>
-        <p:sp>
-          <p:nvSpPr>
-            <p:cNvPr id="87" name="正方形/長方形 86"/>
+            <p:cNvPr id="94" name="正方形/長方形 93"/>
             <p:cNvSpPr/>
             <p:nvPr/>
           </p:nvSpPr>
           <p:spPr>
             <a:xfrm>
-              <a:off x="5027673" y="3055665"/>
-              <a:ext cx="1298121" cy="523221"/>
+              <a:off x="532220" y="2067796"/>
+              <a:ext cx="1124655" cy="667302"/>
             </a:xfrm>
             <a:prstGeom prst="rect">
               <a:avLst/>
@@ -25616,14 +22383,14 @@
         </p:sp>
         <p:sp>
           <p:nvSpPr>
-            <p:cNvPr id="88" name="テキスト ボックス 87"/>
+            <p:cNvPr id="95" name="テキスト ボックス 94"/>
             <p:cNvSpPr txBox="1"/>
             <p:nvPr/>
           </p:nvSpPr>
           <p:spPr>
             <a:xfrm>
-              <a:off x="5012365" y="3064000"/>
-              <a:ext cx="1365065" cy="523220"/>
+              <a:off x="544202" y="2070077"/>
+              <a:ext cx="1094031" cy="627420"/>
             </a:xfrm>
             <a:prstGeom prst="rect">
               <a:avLst/>
@@ -25638,83 +22405,117 @@
             <a:p>
               <a:pPr algn="ctr"/>
               <a:r>
-                <a:rPr kumimoji="1" lang="en-US" altLang="ja-JP" sz="1400" dirty="0" smtClean="0"/>
-                <a:t>PSNR</a:t>
+                <a:rPr lang="ja-JP" altLang="en-US" sz="1600" dirty="0" smtClean="0"/>
+                <a:t>メッセージ</a:t>
               </a:r>
-              <a:r>
-                <a:rPr kumimoji="1" lang="ja-JP" altLang="en-US" sz="1400" dirty="0" smtClean="0"/>
-                <a:t>値，</a:t>
-              </a:r>
-              <a:r>
-                <a:rPr lang="ja-JP" altLang="en-US" sz="1400" dirty="0" smtClean="0"/>
-                <a:t>誤り率</a:t>
-              </a:r>
-              <a:endParaRPr lang="en-US" altLang="ja-JP" sz="1400" dirty="0" smtClean="0"/>
+              <a:endParaRPr kumimoji="1" lang="en-US" altLang="ja-JP" sz="1600" dirty="0" smtClean="0"/>
             </a:p>
             <a:p>
-              <a:pPr algn="ctr"/>
               <a:r>
-                <a:rPr kumimoji="1" lang="ja-JP" altLang="en-US" sz="1400" dirty="0" smtClean="0"/>
-                <a:t>計算器</a:t>
+                <a:rPr kumimoji="1" lang="ja-JP" altLang="en-US" sz="1600" dirty="0" smtClean="0"/>
+                <a:t>生成器</a:t>
               </a:r>
-              <a:endParaRPr kumimoji="1" lang="ja-JP" altLang="en-US" sz="1400" dirty="0"/>
+              <a:endParaRPr kumimoji="1" lang="ja-JP" altLang="en-US" sz="1600" dirty="0"/>
             </a:p>
           </p:txBody>
         </p:sp>
-        <p:cxnSp>
-          <p:nvCxnSpPr>
-            <p:cNvPr id="89" name="直線矢印コネクタ 88"/>
-            <p:cNvCxnSpPr/>
-            <p:nvPr/>
-          </p:nvCxnSpPr>
-          <p:spPr>
-            <a:xfrm>
-              <a:off x="6365250" y="3309165"/>
-              <a:ext cx="357986" cy="0"/>
-            </a:xfrm>
-            <a:prstGeom prst="straightConnector1">
-              <a:avLst/>
-            </a:prstGeom>
-            <a:ln>
-              <a:solidFill>
-                <a:schemeClr val="tx1"/>
-              </a:solidFill>
-              <a:tailEnd type="arrow"/>
-            </a:ln>
-            <a:effectLst/>
-          </p:spPr>
-          <p:style>
-            <a:lnRef idx="2">
-              <a:schemeClr val="accent1"/>
-            </a:lnRef>
-            <a:fillRef idx="0">
-              <a:schemeClr val="accent1"/>
-            </a:fillRef>
-            <a:effectRef idx="1">
-              <a:schemeClr val="accent1"/>
-            </a:effectRef>
-            <a:fontRef idx="minor">
+      </p:grpSp>
+      <p:pic>
+        <p:nvPicPr>
+          <p:cNvPr id="73" name="図 72" descr="LENNA.bmp"/>
+          <p:cNvPicPr>
+            <a:picLocks noChangeAspect="1"/>
+          </p:cNvPicPr>
+          <p:nvPr/>
+        </p:nvPicPr>
+        <p:blipFill>
+          <a:blip r:embed="rId12">
+            <a:extLst>
+              <a:ext uri="{28A0092B-C50C-407E-A947-70E740481C1C}">
+                <a14:useLocalDpi xmlns:a14="http://schemas.microsoft.com/office/drawing/2010/main" val="0"/>
+              </a:ext>
+            </a:extLst>
+          </a:blip>
+          <a:stretch>
+            <a:fillRect/>
+          </a:stretch>
+        </p:blipFill>
+        <p:spPr>
+          <a:xfrm>
+            <a:off x="1527049" y="4999284"/>
+            <a:ext cx="843114" cy="843113"/>
+          </a:xfrm>
+          <a:prstGeom prst="rect">
+            <a:avLst/>
+          </a:prstGeom>
+        </p:spPr>
+      </p:pic>
+      <p:cxnSp>
+        <p:nvCxnSpPr>
+          <p:cNvPr id="74" name="直線矢印コネクタ 73"/>
+          <p:cNvCxnSpPr/>
+          <p:nvPr/>
+        </p:nvCxnSpPr>
+        <p:spPr>
+          <a:xfrm>
+            <a:off x="1904266" y="4382061"/>
+            <a:ext cx="495316" cy="0"/>
+          </a:xfrm>
+          <a:prstGeom prst="straightConnector1">
+            <a:avLst/>
+          </a:prstGeom>
+          <a:ln>
+            <a:solidFill>
               <a:schemeClr val="tx1"/>
-            </a:fontRef>
-          </p:style>
-        </p:cxnSp>
+            </a:solidFill>
+            <a:tailEnd type="arrow"/>
+          </a:ln>
+          <a:effectLst/>
+        </p:spPr>
+        <p:style>
+          <a:lnRef idx="2">
+            <a:schemeClr val="accent1"/>
+          </a:lnRef>
+          <a:fillRef idx="0">
+            <a:schemeClr val="accent1"/>
+          </a:fillRef>
+          <a:effectRef idx="1">
+            <a:schemeClr val="accent1"/>
+          </a:effectRef>
+          <a:fontRef idx="minor">
+            <a:schemeClr val="tx1"/>
+          </a:fontRef>
+        </p:style>
+      </p:cxnSp>
+      <p:grpSp>
+        <p:nvGrpSpPr>
+          <p:cNvPr id="75" name="図形グループ 74"/>
+          <p:cNvGrpSpPr/>
+          <p:nvPr/>
+        </p:nvGrpSpPr>
+        <p:grpSpPr>
+          <a:xfrm>
+            <a:off x="2421180" y="4057557"/>
+            <a:ext cx="1325379" cy="621947"/>
+            <a:chOff x="2243237" y="1917223"/>
+            <a:chExt cx="1095354" cy="514006"/>
+          </a:xfrm>
+        </p:grpSpPr>
         <p:sp>
           <p:nvSpPr>
-            <p:cNvPr id="90" name="円/楕円 89"/>
+            <p:cNvPr id="92" name="正方形/長方形 91"/>
             <p:cNvSpPr/>
             <p:nvPr/>
           </p:nvSpPr>
           <p:spPr>
             <a:xfrm>
-              <a:off x="6733447" y="3064000"/>
-              <a:ext cx="1029665" cy="492002"/>
+              <a:off x="2243237" y="1917223"/>
+              <a:ext cx="1095354" cy="514006"/>
             </a:xfrm>
-            <a:prstGeom prst="ellipse">
+            <a:prstGeom prst="rect">
               <a:avLst/>
             </a:prstGeom>
-            <a:solidFill>
-              <a:srgbClr val="FFFFFF"/>
-            </a:solidFill>
+            <a:noFill/>
             <a:ln>
               <a:solidFill>
                 <a:srgbClr val="000000"/>
@@ -25741,24 +22542,20 @@
             <a:lstStyle/>
             <a:p>
               <a:pPr algn="ctr"/>
-              <a:endParaRPr kumimoji="1" lang="ja-JP" altLang="en-US" sz="1400" dirty="0">
-                <a:solidFill>
-                  <a:schemeClr val="tx1"/>
-                </a:solidFill>
-              </a:endParaRPr>
+              <a:endParaRPr kumimoji="1" lang="ja-JP" altLang="en-US" sz="1400"/>
             </a:p>
           </p:txBody>
         </p:sp>
         <p:sp>
           <p:nvSpPr>
-            <p:cNvPr id="91" name="テキスト ボックス 90"/>
+            <p:cNvPr id="93" name="テキスト ボックス 92"/>
             <p:cNvSpPr txBox="1"/>
             <p:nvPr/>
           </p:nvSpPr>
           <p:spPr>
             <a:xfrm>
-              <a:off x="6845264" y="3045144"/>
-              <a:ext cx="752818" cy="523220"/>
+              <a:off x="2265343" y="1919451"/>
+              <a:ext cx="1057452" cy="483286"/>
             </a:xfrm>
             <a:prstGeom prst="rect">
               <a:avLst/>
@@ -25773,46 +22570,643 @@
             <a:p>
               <a:pPr algn="ctr"/>
               <a:r>
-                <a:rPr kumimoji="1" lang="en-US" altLang="ja-JP" sz="1400" dirty="0" smtClean="0">
-                  <a:solidFill>
-                    <a:srgbClr val="000000"/>
-                  </a:solidFill>
-                </a:rPr>
-                <a:t>PSNR</a:t>
+                <a:rPr kumimoji="1" lang="ja-JP" altLang="en-US" sz="1600" dirty="0" smtClean="0"/>
+                <a:t>誤りパターン</a:t>
               </a:r>
-              <a:r>
-                <a:rPr kumimoji="1" lang="ja-JP" altLang="en-US" sz="1400" dirty="0" smtClean="0">
-                  <a:solidFill>
-                    <a:srgbClr val="000000"/>
-                  </a:solidFill>
-                </a:rPr>
-                <a:t>値</a:t>
-              </a:r>
-              <a:endParaRPr kumimoji="1" lang="en-US" altLang="ja-JP" sz="1400" dirty="0" smtClean="0">
-                <a:solidFill>
-                  <a:srgbClr val="000000"/>
-                </a:solidFill>
-              </a:endParaRPr>
+              <a:endParaRPr kumimoji="1" lang="en-US" altLang="ja-JP" sz="1600" dirty="0" smtClean="0"/>
             </a:p>
             <a:p>
               <a:pPr algn="ctr"/>
               <a:r>
-                <a:rPr lang="ja-JP" altLang="en-US" sz="1400" dirty="0" smtClean="0">
-                  <a:solidFill>
-                    <a:srgbClr val="000000"/>
-                  </a:solidFill>
-                </a:rPr>
-                <a:t>誤り率</a:t>
+                <a:rPr kumimoji="1" lang="ja-JP" altLang="en-US" sz="1600" dirty="0" smtClean="0"/>
+                <a:t>変換器</a:t>
               </a:r>
-              <a:endParaRPr kumimoji="1" lang="ja-JP" altLang="en-US" sz="1400" dirty="0">
-                <a:solidFill>
-                  <a:srgbClr val="000000"/>
-                </a:solidFill>
-              </a:endParaRPr>
+              <a:endParaRPr kumimoji="1" lang="ja-JP" altLang="en-US" sz="1600" dirty="0"/>
             </a:p>
           </p:txBody>
         </p:sp>
       </p:grpSp>
+      <p:cxnSp>
+        <p:nvCxnSpPr>
+          <p:cNvPr id="76" name="直線矢印コネクタ 75"/>
+          <p:cNvCxnSpPr/>
+          <p:nvPr/>
+        </p:nvCxnSpPr>
+        <p:spPr>
+          <a:xfrm>
+            <a:off x="3082002" y="4733845"/>
+            <a:ext cx="3203" cy="524849"/>
+          </a:xfrm>
+          <a:prstGeom prst="straightConnector1">
+            <a:avLst/>
+          </a:prstGeom>
+          <a:ln>
+            <a:solidFill>
+              <a:schemeClr val="tx1"/>
+            </a:solidFill>
+            <a:tailEnd type="arrow"/>
+          </a:ln>
+          <a:effectLst/>
+        </p:spPr>
+        <p:style>
+          <a:lnRef idx="2">
+            <a:schemeClr val="accent1"/>
+          </a:lnRef>
+          <a:fillRef idx="0">
+            <a:schemeClr val="accent1"/>
+          </a:fillRef>
+          <a:effectRef idx="1">
+            <a:schemeClr val="accent1"/>
+          </a:effectRef>
+          <a:fontRef idx="minor">
+            <a:schemeClr val="tx1"/>
+          </a:fontRef>
+        </p:style>
+      </p:cxnSp>
+      <p:sp>
+        <p:nvSpPr>
+          <p:cNvPr id="77" name="テキスト ボックス 76"/>
+          <p:cNvSpPr txBox="1"/>
+          <p:nvPr/>
+        </p:nvSpPr>
+        <p:spPr>
+          <a:xfrm>
+            <a:off x="1261575" y="5933352"/>
+            <a:ext cx="1441420" cy="523220"/>
+          </a:xfrm>
+          <a:prstGeom prst="rect">
+            <a:avLst/>
+          </a:prstGeom>
+          <a:noFill/>
+        </p:spPr>
+        <p:txBody>
+          <a:bodyPr wrap="none" rtlCol="0">
+            <a:spAutoFit/>
+          </a:bodyPr>
+          <a:lstStyle/>
+          <a:p>
+            <a:pPr algn="ctr"/>
+            <a:r>
+              <a:rPr lang="ja-JP" altLang="en-US" sz="1400" dirty="0"/>
+              <a:t>埋め込み前画像</a:t>
+            </a:r>
+          </a:p>
+          <a:p>
+            <a:pPr algn="ctr"/>
+            <a:endParaRPr lang="ja-JP" altLang="en-US" sz="1400" dirty="0"/>
+          </a:p>
+        </p:txBody>
+      </p:sp>
+      <p:pic>
+        <p:nvPicPr>
+          <p:cNvPr id="78" name="図 77" descr="LENNA.bmp"/>
+          <p:cNvPicPr>
+            <a:picLocks noChangeAspect="1"/>
+          </p:cNvPicPr>
+          <p:nvPr/>
+        </p:nvPicPr>
+        <p:blipFill>
+          <a:blip r:embed="rId12">
+            <a:extLst>
+              <a:ext uri="{28A0092B-C50C-407E-A947-70E740481C1C}">
+                <a14:useLocalDpi xmlns:a14="http://schemas.microsoft.com/office/drawing/2010/main" val="0"/>
+              </a:ext>
+            </a:extLst>
+          </a:blip>
+          <a:stretch>
+            <a:fillRect/>
+          </a:stretch>
+        </p:blipFill>
+        <p:spPr>
+          <a:xfrm>
+            <a:off x="3781301" y="5009489"/>
+            <a:ext cx="843114" cy="843113"/>
+          </a:xfrm>
+          <a:prstGeom prst="rect">
+            <a:avLst/>
+          </a:prstGeom>
+        </p:spPr>
+      </p:pic>
+      <p:sp>
+        <p:nvSpPr>
+          <p:cNvPr id="79" name="テキスト ボックス 78"/>
+          <p:cNvSpPr txBox="1"/>
+          <p:nvPr/>
+        </p:nvSpPr>
+        <p:spPr>
+          <a:xfrm>
+            <a:off x="3511450" y="5933352"/>
+            <a:ext cx="1441420" cy="523220"/>
+          </a:xfrm>
+          <a:prstGeom prst="rect">
+            <a:avLst/>
+          </a:prstGeom>
+          <a:noFill/>
+        </p:spPr>
+        <p:txBody>
+          <a:bodyPr wrap="none" rtlCol="0">
+            <a:spAutoFit/>
+          </a:bodyPr>
+          <a:lstStyle/>
+          <a:p>
+            <a:pPr algn="ctr"/>
+            <a:r>
+              <a:rPr lang="ja-JP" altLang="en-US" sz="1400" dirty="0" smtClean="0"/>
+              <a:t>埋め込み後画像</a:t>
+            </a:r>
+            <a:endParaRPr lang="ja-JP" altLang="en-US" sz="1400" dirty="0"/>
+          </a:p>
+          <a:p>
+            <a:pPr algn="ctr"/>
+            <a:endParaRPr lang="ja-JP" altLang="en-US" sz="1400" dirty="0"/>
+          </a:p>
+        </p:txBody>
+      </p:sp>
+      <p:sp>
+        <p:nvSpPr>
+          <p:cNvPr id="80" name="テキスト ボックス 79"/>
+          <p:cNvSpPr txBox="1"/>
+          <p:nvPr/>
+        </p:nvSpPr>
+        <p:spPr>
+          <a:xfrm>
+            <a:off x="2858795" y="5004272"/>
+            <a:ext cx="564821" cy="931023"/>
+          </a:xfrm>
+          <a:prstGeom prst="rect">
+            <a:avLst/>
+          </a:prstGeom>
+          <a:noFill/>
+          <a:ln>
+            <a:noFill/>
+          </a:ln>
+        </p:spPr>
+        <p:txBody>
+          <a:bodyPr wrap="none" rtlCol="0">
+            <a:spAutoFit/>
+          </a:bodyPr>
+          <a:lstStyle/>
+          <a:p>
+            <a:r>
+              <a:rPr kumimoji="1" lang="en-US" altLang="ja-JP" sz="4400" dirty="0" smtClean="0"/>
+              <a:t>⊕</a:t>
+            </a:r>
+            <a:endParaRPr kumimoji="1" lang="ja-JP" altLang="en-US" sz="4400" dirty="0"/>
+          </a:p>
+        </p:txBody>
+      </p:sp>
+      <p:cxnSp>
+        <p:nvCxnSpPr>
+          <p:cNvPr id="81" name="直線矢印コネクタ 80"/>
+          <p:cNvCxnSpPr/>
+          <p:nvPr/>
+        </p:nvCxnSpPr>
+        <p:spPr>
+          <a:xfrm>
+            <a:off x="2421181" y="5424830"/>
+            <a:ext cx="476480" cy="0"/>
+          </a:xfrm>
+          <a:prstGeom prst="straightConnector1">
+            <a:avLst/>
+          </a:prstGeom>
+          <a:ln>
+            <a:solidFill>
+              <a:schemeClr val="tx1"/>
+            </a:solidFill>
+            <a:tailEnd type="arrow"/>
+          </a:ln>
+          <a:effectLst/>
+        </p:spPr>
+        <p:style>
+          <a:lnRef idx="2">
+            <a:schemeClr val="accent1"/>
+          </a:lnRef>
+          <a:fillRef idx="0">
+            <a:schemeClr val="accent1"/>
+          </a:fillRef>
+          <a:effectRef idx="1">
+            <a:schemeClr val="accent1"/>
+          </a:effectRef>
+          <a:fontRef idx="minor">
+            <a:schemeClr val="tx1"/>
+          </a:fontRef>
+        </p:style>
+      </p:cxnSp>
+      <p:cxnSp>
+        <p:nvCxnSpPr>
+          <p:cNvPr id="82" name="直線矢印コネクタ 81"/>
+          <p:cNvCxnSpPr/>
+          <p:nvPr/>
+        </p:nvCxnSpPr>
+        <p:spPr>
+          <a:xfrm>
+            <a:off x="3270078" y="5429252"/>
+            <a:ext cx="476480" cy="0"/>
+          </a:xfrm>
+          <a:prstGeom prst="straightConnector1">
+            <a:avLst/>
+          </a:prstGeom>
+          <a:ln>
+            <a:solidFill>
+              <a:schemeClr val="tx1"/>
+            </a:solidFill>
+            <a:tailEnd type="arrow"/>
+          </a:ln>
+          <a:effectLst/>
+        </p:spPr>
+        <p:style>
+          <a:lnRef idx="2">
+            <a:schemeClr val="accent1"/>
+          </a:lnRef>
+          <a:fillRef idx="0">
+            <a:schemeClr val="accent1"/>
+          </a:fillRef>
+          <a:effectRef idx="1">
+            <a:schemeClr val="accent1"/>
+          </a:effectRef>
+          <a:fontRef idx="minor">
+            <a:schemeClr val="tx1"/>
+          </a:fontRef>
+        </p:style>
+      </p:cxnSp>
+      <p:cxnSp>
+        <p:nvCxnSpPr>
+          <p:cNvPr id="83" name="直線矢印コネクタ 82"/>
+          <p:cNvCxnSpPr/>
+          <p:nvPr/>
+        </p:nvCxnSpPr>
+        <p:spPr>
+          <a:xfrm>
+            <a:off x="4671883" y="5419437"/>
+            <a:ext cx="433163" cy="0"/>
+          </a:xfrm>
+          <a:prstGeom prst="straightConnector1">
+            <a:avLst/>
+          </a:prstGeom>
+          <a:ln>
+            <a:solidFill>
+              <a:schemeClr val="tx1"/>
+            </a:solidFill>
+            <a:tailEnd type="arrow"/>
+          </a:ln>
+          <a:effectLst/>
+        </p:spPr>
+        <p:style>
+          <a:lnRef idx="2">
+            <a:schemeClr val="accent1"/>
+          </a:lnRef>
+          <a:fillRef idx="0">
+            <a:schemeClr val="accent1"/>
+          </a:fillRef>
+          <a:effectRef idx="1">
+            <a:schemeClr val="accent1"/>
+          </a:effectRef>
+          <a:fontRef idx="minor">
+            <a:schemeClr val="tx1"/>
+          </a:fontRef>
+        </p:style>
+      </p:cxnSp>
+      <p:pic>
+        <p:nvPicPr>
+          <p:cNvPr id="84" name="図 83" descr="LENNA.bmp"/>
+          <p:cNvPicPr>
+            <a:picLocks noChangeAspect="1"/>
+          </p:cNvPicPr>
+          <p:nvPr/>
+        </p:nvPicPr>
+        <p:blipFill>
+          <a:blip r:embed="rId12">
+            <a:extLst>
+              <a:ext uri="{28A0092B-C50C-407E-A947-70E740481C1C}">
+                <a14:useLocalDpi xmlns:a14="http://schemas.microsoft.com/office/drawing/2010/main" val="0"/>
+              </a:ext>
+            </a:extLst>
+          </a:blip>
+          <a:stretch>
+            <a:fillRect/>
+          </a:stretch>
+        </p:blipFill>
+        <p:spPr>
+          <a:xfrm>
+            <a:off x="5380197" y="3443412"/>
+            <a:ext cx="843114" cy="843113"/>
+          </a:xfrm>
+          <a:prstGeom prst="rect">
+            <a:avLst/>
+          </a:prstGeom>
+        </p:spPr>
+      </p:pic>
+      <p:sp>
+        <p:nvSpPr>
+          <p:cNvPr id="85" name="テキスト ボックス 84"/>
+          <p:cNvSpPr txBox="1"/>
+          <p:nvPr/>
+        </p:nvSpPr>
+        <p:spPr>
+          <a:xfrm>
+            <a:off x="5079849" y="4304274"/>
+            <a:ext cx="1441420" cy="307777"/>
+          </a:xfrm>
+          <a:prstGeom prst="rect">
+            <a:avLst/>
+          </a:prstGeom>
+          <a:noFill/>
+        </p:spPr>
+        <p:txBody>
+          <a:bodyPr wrap="none" rtlCol="0">
+            <a:spAutoFit/>
+          </a:bodyPr>
+          <a:lstStyle/>
+          <a:p>
+            <a:pPr algn="ctr"/>
+            <a:r>
+              <a:rPr lang="ja-JP" altLang="en-US" sz="1400" dirty="0" smtClean="0"/>
+              <a:t>埋め込み前画像</a:t>
+            </a:r>
+            <a:endParaRPr kumimoji="1" lang="ja-JP" altLang="en-US" sz="1400" dirty="0"/>
+          </a:p>
+        </p:txBody>
+      </p:sp>
+      <p:cxnSp>
+        <p:nvCxnSpPr>
+          <p:cNvPr id="86" name="直線矢印コネクタ 85"/>
+          <p:cNvCxnSpPr/>
+          <p:nvPr/>
+        </p:nvCxnSpPr>
+        <p:spPr>
+          <a:xfrm>
+            <a:off x="5822794" y="4634569"/>
+            <a:ext cx="0" cy="439410"/>
+          </a:xfrm>
+          <a:prstGeom prst="straightConnector1">
+            <a:avLst/>
+          </a:prstGeom>
+          <a:ln>
+            <a:solidFill>
+              <a:schemeClr val="tx1"/>
+            </a:solidFill>
+            <a:tailEnd type="arrow"/>
+          </a:ln>
+          <a:effectLst/>
+        </p:spPr>
+        <p:style>
+          <a:lnRef idx="2">
+            <a:schemeClr val="accent1"/>
+          </a:lnRef>
+          <a:fillRef idx="0">
+            <a:schemeClr val="accent1"/>
+          </a:fillRef>
+          <a:effectRef idx="1">
+            <a:schemeClr val="accent1"/>
+          </a:effectRef>
+          <a:fontRef idx="minor">
+            <a:schemeClr val="tx1"/>
+          </a:fontRef>
+        </p:style>
+      </p:cxnSp>
+      <p:sp>
+        <p:nvSpPr>
+          <p:cNvPr id="87" name="正方形/長方形 86"/>
+          <p:cNvSpPr/>
+          <p:nvPr/>
+        </p:nvSpPr>
+        <p:spPr>
+          <a:xfrm>
+            <a:off x="5101891" y="5112702"/>
+            <a:ext cx="1570727" cy="633097"/>
+          </a:xfrm>
+          <a:prstGeom prst="rect">
+            <a:avLst/>
+          </a:prstGeom>
+          <a:noFill/>
+          <a:ln>
+            <a:solidFill>
+              <a:srgbClr val="000000"/>
+            </a:solidFill>
+          </a:ln>
+          <a:effectLst/>
+        </p:spPr>
+        <p:style>
+          <a:lnRef idx="1">
+            <a:schemeClr val="accent1"/>
+          </a:lnRef>
+          <a:fillRef idx="3">
+            <a:schemeClr val="accent1"/>
+          </a:fillRef>
+          <a:effectRef idx="2">
+            <a:schemeClr val="accent1"/>
+          </a:effectRef>
+          <a:fontRef idx="minor">
+            <a:schemeClr val="lt1"/>
+          </a:fontRef>
+        </p:style>
+        <p:txBody>
+          <a:bodyPr rtlCol="0" anchor="ctr"/>
+          <a:lstStyle/>
+          <a:p>
+            <a:pPr algn="ctr"/>
+            <a:endParaRPr kumimoji="1" lang="ja-JP" altLang="en-US" sz="1400"/>
+          </a:p>
+        </p:txBody>
+      </p:sp>
+      <p:sp>
+        <p:nvSpPr>
+          <p:cNvPr id="88" name="テキスト ボックス 87"/>
+          <p:cNvSpPr txBox="1"/>
+          <p:nvPr/>
+        </p:nvSpPr>
+        <p:spPr>
+          <a:xfrm>
+            <a:off x="5142386" y="5122788"/>
+            <a:ext cx="1533693" cy="584776"/>
+          </a:xfrm>
+          <a:prstGeom prst="rect">
+            <a:avLst/>
+          </a:prstGeom>
+          <a:noFill/>
+        </p:spPr>
+        <p:txBody>
+          <a:bodyPr wrap="none" rtlCol="0">
+            <a:spAutoFit/>
+          </a:bodyPr>
+          <a:lstStyle/>
+          <a:p>
+            <a:pPr algn="ctr"/>
+            <a:r>
+              <a:rPr kumimoji="1" lang="en-US" altLang="ja-JP" sz="1600" dirty="0" smtClean="0"/>
+              <a:t>PSNR</a:t>
+            </a:r>
+            <a:r>
+              <a:rPr kumimoji="1" lang="ja-JP" altLang="en-US" sz="1600" dirty="0" smtClean="0"/>
+              <a:t>値，</a:t>
+            </a:r>
+            <a:r>
+              <a:rPr lang="ja-JP" altLang="en-US" sz="1600" dirty="0" smtClean="0"/>
+              <a:t>誤り率</a:t>
+            </a:r>
+            <a:endParaRPr lang="en-US" altLang="ja-JP" sz="1600" dirty="0" smtClean="0"/>
+          </a:p>
+          <a:p>
+            <a:pPr algn="ctr"/>
+            <a:r>
+              <a:rPr kumimoji="1" lang="ja-JP" altLang="en-US" sz="1600" dirty="0" smtClean="0"/>
+              <a:t>計算器</a:t>
+            </a:r>
+            <a:endParaRPr kumimoji="1" lang="ja-JP" altLang="en-US" sz="1600" dirty="0"/>
+          </a:p>
+        </p:txBody>
+      </p:sp>
+      <p:cxnSp>
+        <p:nvCxnSpPr>
+          <p:cNvPr id="89" name="直線矢印コネクタ 88"/>
+          <p:cNvCxnSpPr/>
+          <p:nvPr/>
+        </p:nvCxnSpPr>
+        <p:spPr>
+          <a:xfrm>
+            <a:off x="6720359" y="5419437"/>
+            <a:ext cx="433163" cy="0"/>
+          </a:xfrm>
+          <a:prstGeom prst="straightConnector1">
+            <a:avLst/>
+          </a:prstGeom>
+          <a:ln>
+            <a:solidFill>
+              <a:schemeClr val="tx1"/>
+            </a:solidFill>
+            <a:tailEnd type="arrow"/>
+          </a:ln>
+          <a:effectLst/>
+        </p:spPr>
+        <p:style>
+          <a:lnRef idx="2">
+            <a:schemeClr val="accent1"/>
+          </a:lnRef>
+          <a:fillRef idx="0">
+            <a:schemeClr val="accent1"/>
+          </a:fillRef>
+          <a:effectRef idx="1">
+            <a:schemeClr val="accent1"/>
+          </a:effectRef>
+          <a:fontRef idx="minor">
+            <a:schemeClr val="tx1"/>
+          </a:fontRef>
+        </p:style>
+      </p:cxnSp>
+      <p:sp>
+        <p:nvSpPr>
+          <p:cNvPr id="90" name="円/楕円 89"/>
+          <p:cNvSpPr/>
+          <p:nvPr/>
+        </p:nvSpPr>
+        <p:spPr>
+          <a:xfrm>
+            <a:off x="7165878" y="5122788"/>
+            <a:ext cx="1245895" cy="595322"/>
+          </a:xfrm>
+          <a:prstGeom prst="ellipse">
+            <a:avLst/>
+          </a:prstGeom>
+          <a:solidFill>
+            <a:srgbClr val="FFFFFF"/>
+          </a:solidFill>
+          <a:ln>
+            <a:solidFill>
+              <a:srgbClr val="000000"/>
+            </a:solidFill>
+          </a:ln>
+          <a:effectLst/>
+        </p:spPr>
+        <p:style>
+          <a:lnRef idx="1">
+            <a:schemeClr val="accent1"/>
+          </a:lnRef>
+          <a:fillRef idx="3">
+            <a:schemeClr val="accent1"/>
+          </a:fillRef>
+          <a:effectRef idx="2">
+            <a:schemeClr val="accent1"/>
+          </a:effectRef>
+          <a:fontRef idx="minor">
+            <a:schemeClr val="lt1"/>
+          </a:fontRef>
+        </p:style>
+        <p:txBody>
+          <a:bodyPr rtlCol="0" anchor="ctr"/>
+          <a:lstStyle/>
+          <a:p>
+            <a:pPr algn="ctr"/>
+            <a:endParaRPr kumimoji="1" lang="ja-JP" altLang="en-US" sz="1400" dirty="0">
+              <a:solidFill>
+                <a:schemeClr val="tx1"/>
+              </a:solidFill>
+            </a:endParaRPr>
+          </a:p>
+        </p:txBody>
+      </p:sp>
+      <p:sp>
+        <p:nvSpPr>
+          <p:cNvPr id="91" name="テキスト ボックス 90"/>
+          <p:cNvSpPr txBox="1"/>
+          <p:nvPr/>
+        </p:nvSpPr>
+        <p:spPr>
+          <a:xfrm>
+            <a:off x="7359966" y="5111312"/>
+            <a:ext cx="838691" cy="584776"/>
+          </a:xfrm>
+          <a:prstGeom prst="rect">
+            <a:avLst/>
+          </a:prstGeom>
+          <a:noFill/>
+        </p:spPr>
+        <p:txBody>
+          <a:bodyPr wrap="none" rtlCol="0">
+            <a:spAutoFit/>
+          </a:bodyPr>
+          <a:lstStyle/>
+          <a:p>
+            <a:pPr algn="ctr"/>
+            <a:r>
+              <a:rPr kumimoji="1" lang="en-US" altLang="ja-JP" sz="1600" dirty="0" smtClean="0">
+                <a:solidFill>
+                  <a:srgbClr val="000000"/>
+                </a:solidFill>
+              </a:rPr>
+              <a:t>PSNR</a:t>
+            </a:r>
+            <a:r>
+              <a:rPr kumimoji="1" lang="ja-JP" altLang="en-US" sz="1600" dirty="0" smtClean="0">
+                <a:solidFill>
+                  <a:srgbClr val="000000"/>
+                </a:solidFill>
+              </a:rPr>
+              <a:t>値</a:t>
+            </a:r>
+            <a:endParaRPr kumimoji="1" lang="en-US" altLang="ja-JP" sz="1600" dirty="0" smtClean="0">
+              <a:solidFill>
+                <a:srgbClr val="000000"/>
+              </a:solidFill>
+            </a:endParaRPr>
+          </a:p>
+          <a:p>
+            <a:pPr algn="ctr"/>
+            <a:r>
+              <a:rPr lang="ja-JP" altLang="en-US" sz="1600" dirty="0" smtClean="0">
+                <a:solidFill>
+                  <a:srgbClr val="000000"/>
+                </a:solidFill>
+              </a:rPr>
+              <a:t>誤り率</a:t>
+            </a:r>
+            <a:endParaRPr kumimoji="1" lang="ja-JP" altLang="en-US" sz="1600" dirty="0">
+              <a:solidFill>
+                <a:srgbClr val="000000"/>
+              </a:solidFill>
+            </a:endParaRPr>
+          </a:p>
+        </p:txBody>
+      </p:sp>
     </p:spTree>
     <p:extLst>
       <p:ext uri="{BB962C8B-B14F-4D97-AF65-F5344CB8AC3E}">
@@ -25825,10 +23219,10 @@
   </p:clrMapOvr>
   <mc:AlternateContent xmlns:mc="http://schemas.openxmlformats.org/markup-compatibility/2006">
     <mc:Choice xmlns:p14="http://schemas.microsoft.com/office/powerpoint/2010/main" Requires="p14">
-      <p:transition spd="slow" p14:dur="2000" advTm="55884"/>
+      <p:transition spd="slow" p14:dur="2000" advTm="46717"/>
     </mc:Choice>
     <mc:Fallback>
-      <p:transition xmlns:p14="http://schemas.microsoft.com/office/powerpoint/2010/main" spd="slow" advTm="55884"/>
+      <p:transition xmlns:p14="http://schemas.microsoft.com/office/powerpoint/2010/main" spd="slow" advTm="46717"/>
     </mc:Fallback>
   </mc:AlternateContent>
   <p:timing>
@@ -26061,10 +23455,10 @@
   </p:clrMapOvr>
   <mc:AlternateContent xmlns:mc="http://schemas.openxmlformats.org/markup-compatibility/2006">
     <mc:Choice xmlns:p14="http://schemas.microsoft.com/office/powerpoint/2010/main" Requires="p14">
-      <p:transition spd="slow" p14:dur="2000" advTm="23028"/>
+      <p:transition spd="slow" p14:dur="2000" advTm="18686"/>
     </mc:Choice>
     <mc:Fallback>
-      <p:transition xmlns:p14="http://schemas.microsoft.com/office/powerpoint/2010/main" spd="slow" advTm="23028"/>
+      <p:transition xmlns:p14="http://schemas.microsoft.com/office/powerpoint/2010/main" spd="slow" advTm="18686"/>
     </mc:Fallback>
   </mc:AlternateContent>
   <p:timing>
@@ -26153,10 +23547,10 @@
   </p:clrMapOvr>
   <mc:AlternateContent xmlns:mc="http://schemas.openxmlformats.org/markup-compatibility/2006">
     <mc:Choice xmlns:p14="http://schemas.microsoft.com/office/powerpoint/2010/main" Requires="p14">
-      <p:transition spd="slow" p14:dur="2000" advTm="93054"/>
+      <p:transition spd="slow" p14:dur="2000" advTm="60702"/>
     </mc:Choice>
     <mc:Fallback>
-      <p:transition xmlns:p14="http://schemas.microsoft.com/office/powerpoint/2010/main" spd="slow" advTm="93054"/>
+      <p:transition xmlns:p14="http://schemas.microsoft.com/office/powerpoint/2010/main" spd="slow" advTm="60702"/>
     </mc:Fallback>
   </mc:AlternateContent>
   <p:timing>
